--- a/doc/doc-source/Workshop-grpc.pptx
+++ b/doc/doc-source/Workshop-grpc.pptx
@@ -15,8 +15,9 @@
     <p:sldId id="262" r:id="rId9"/>
     <p:sldId id="263" r:id="rId10"/>
     <p:sldId id="264" r:id="rId11"/>
-    <p:sldId id="265" r:id="rId12"/>
-    <p:sldId id="266" r:id="rId13"/>
+    <p:sldId id="268" r:id="rId12"/>
+    <p:sldId id="265" r:id="rId13"/>
+    <p:sldId id="266" r:id="rId14"/>
   </p:sldIdLst>
   <p:sldSz cx="9144000" cy="6858000" type="screen4x3"/>
   <p:notesSz cx="6858000" cy="9144000"/>
@@ -299,7 +300,7 @@
           <a:p>
             <a:fld id="{B3CF53F8-45F4-4924-B9C9-305402299CCE}" type="datetimeFigureOut">
               <a:rPr lang="nl-NL" smtClean="0"/>
-              <a:t>1-12-2017</a:t>
+              <a:t>4-12-2017</a:t>
             </a:fld>
             <a:endParaRPr lang="nl-NL"/>
           </a:p>
@@ -469,7 +470,7 @@
           <a:p>
             <a:fld id="{B3CF53F8-45F4-4924-B9C9-305402299CCE}" type="datetimeFigureOut">
               <a:rPr lang="nl-NL" smtClean="0"/>
-              <a:t>1-12-2017</a:t>
+              <a:t>4-12-2017</a:t>
             </a:fld>
             <a:endParaRPr lang="nl-NL"/>
           </a:p>
@@ -649,7 +650,7 @@
           <a:p>
             <a:fld id="{B3CF53F8-45F4-4924-B9C9-305402299CCE}" type="datetimeFigureOut">
               <a:rPr lang="nl-NL" smtClean="0"/>
-              <a:t>1-12-2017</a:t>
+              <a:t>4-12-2017</a:t>
             </a:fld>
             <a:endParaRPr lang="nl-NL"/>
           </a:p>
@@ -819,7 +820,7 @@
           <a:p>
             <a:fld id="{B3CF53F8-45F4-4924-B9C9-305402299CCE}" type="datetimeFigureOut">
               <a:rPr lang="nl-NL" smtClean="0"/>
-              <a:t>1-12-2017</a:t>
+              <a:t>4-12-2017</a:t>
             </a:fld>
             <a:endParaRPr lang="nl-NL"/>
           </a:p>
@@ -1065,7 +1066,7 @@
           <a:p>
             <a:fld id="{B3CF53F8-45F4-4924-B9C9-305402299CCE}" type="datetimeFigureOut">
               <a:rPr lang="nl-NL" smtClean="0"/>
-              <a:t>1-12-2017</a:t>
+              <a:t>4-12-2017</a:t>
             </a:fld>
             <a:endParaRPr lang="nl-NL"/>
           </a:p>
@@ -1353,7 +1354,7 @@
           <a:p>
             <a:fld id="{B3CF53F8-45F4-4924-B9C9-305402299CCE}" type="datetimeFigureOut">
               <a:rPr lang="nl-NL" smtClean="0"/>
-              <a:t>1-12-2017</a:t>
+              <a:t>4-12-2017</a:t>
             </a:fld>
             <a:endParaRPr lang="nl-NL"/>
           </a:p>
@@ -1775,7 +1776,7 @@
           <a:p>
             <a:fld id="{B3CF53F8-45F4-4924-B9C9-305402299CCE}" type="datetimeFigureOut">
               <a:rPr lang="nl-NL" smtClean="0"/>
-              <a:t>1-12-2017</a:t>
+              <a:t>4-12-2017</a:t>
             </a:fld>
             <a:endParaRPr lang="nl-NL"/>
           </a:p>
@@ -1893,7 +1894,7 @@
           <a:p>
             <a:fld id="{B3CF53F8-45F4-4924-B9C9-305402299CCE}" type="datetimeFigureOut">
               <a:rPr lang="nl-NL" smtClean="0"/>
-              <a:t>1-12-2017</a:t>
+              <a:t>4-12-2017</a:t>
             </a:fld>
             <a:endParaRPr lang="nl-NL"/>
           </a:p>
@@ -1988,7 +1989,7 @@
           <a:p>
             <a:fld id="{B3CF53F8-45F4-4924-B9C9-305402299CCE}" type="datetimeFigureOut">
               <a:rPr lang="nl-NL" smtClean="0"/>
-              <a:t>1-12-2017</a:t>
+              <a:t>4-12-2017</a:t>
             </a:fld>
             <a:endParaRPr lang="nl-NL"/>
           </a:p>
@@ -2265,7 +2266,7 @@
           <a:p>
             <a:fld id="{B3CF53F8-45F4-4924-B9C9-305402299CCE}" type="datetimeFigureOut">
               <a:rPr lang="nl-NL" smtClean="0"/>
-              <a:t>1-12-2017</a:t>
+              <a:t>4-12-2017</a:t>
             </a:fld>
             <a:endParaRPr lang="nl-NL"/>
           </a:p>
@@ -2518,7 +2519,7 @@
           <a:p>
             <a:fld id="{B3CF53F8-45F4-4924-B9C9-305402299CCE}" type="datetimeFigureOut">
               <a:rPr lang="nl-NL" smtClean="0"/>
-              <a:t>1-12-2017</a:t>
+              <a:t>4-12-2017</a:t>
             </a:fld>
             <a:endParaRPr lang="nl-NL"/>
           </a:p>
@@ -2731,7 +2732,7 @@
           <a:p>
             <a:fld id="{B3CF53F8-45F4-4924-B9C9-305402299CCE}" type="datetimeFigureOut">
               <a:rPr lang="nl-NL" smtClean="0"/>
-              <a:t>1-12-2017</a:t>
+              <a:t>4-12-2017</a:t>
             </a:fld>
             <a:endParaRPr lang="nl-NL"/>
           </a:p>
@@ -3306,20 +3307,12 @@
           <a:lstStyle/>
           <a:p>
             <a:r>
-              <a:rPr lang="nl-NL" sz="2800" dirty="0" err="1" smtClean="0"/>
-              <a:t>Implement</a:t>
-            </a:r>
-            <a:r>
               <a:rPr lang="nl-NL" sz="2800" dirty="0" smtClean="0"/>
-              <a:t> </a:t>
-            </a:r>
-            <a:r>
-              <a:rPr lang="nl-NL" sz="2800" dirty="0" err="1" smtClean="0"/>
-              <a:t>grpc</a:t>
+              <a:t>Implement grpc code vervolg .. </a:t>
             </a:r>
             <a:r>
               <a:rPr lang="nl-NL" sz="2800" dirty="0" smtClean="0"/>
-              <a:t> code vervolg .. 3</a:t>
+              <a:t>3a(server)</a:t>
             </a:r>
             <a:endParaRPr lang="nl-NL" sz="2800" dirty="0"/>
           </a:p>
@@ -3358,7 +3351,7 @@
         </p:style>
         <p:txBody>
           <a:bodyPr>
-            <a:normAutofit fontScale="77500" lnSpcReduction="20000"/>
+            <a:normAutofit fontScale="92500" lnSpcReduction="20000"/>
           </a:bodyPr>
           <a:lstStyle/>
           <a:p>
@@ -3460,97 +3453,190 @@
             <a:pPr marL="0" indent="0">
               <a:buNone/>
             </a:pPr>
-            <a:endParaRPr lang="nl-NL" sz="1800" dirty="0"/>
-          </a:p>
-          <a:p>
-            <a:pPr marL="0" indent="0">
-              <a:buNone/>
-            </a:pPr>
-            <a:r>
-              <a:rPr lang="en-US" sz="2100" dirty="0">
+            <a:r>
+              <a:rPr lang="en-US" sz="1600" dirty="0" smtClean="0">
+                <a:latin typeface="Consolas" panose="020B0609020204030204" pitchFamily="49" charset="0"/>
+                <a:cs typeface="Consolas" panose="020B0609020204030204" pitchFamily="49" charset="0"/>
+              </a:rPr>
+              <a:t/>
+            </a:r>
+            <a:br>
+              <a:rPr lang="en-US" sz="1600" dirty="0" smtClean="0">
+                <a:latin typeface="Consolas" panose="020B0609020204030204" pitchFamily="49" charset="0"/>
+                <a:cs typeface="Consolas" panose="020B0609020204030204" pitchFamily="49" charset="0"/>
+              </a:rPr>
+            </a:br>
+            <a:r>
+              <a:rPr lang="en-US" sz="1700" dirty="0" smtClean="0">
                 <a:latin typeface="Consolas" panose="020B0609020204030204" pitchFamily="49" charset="0"/>
                 <a:cs typeface="Consolas" panose="020B0609020204030204" pitchFamily="49" charset="0"/>
               </a:rPr>
               <a:t>public </a:t>
             </a:r>
             <a:r>
-              <a:rPr lang="en-US" sz="2100" dirty="0" err="1">
+              <a:rPr lang="en-US" sz="1700" dirty="0" err="1">
                 <a:latin typeface="Consolas" panose="020B0609020204030204" pitchFamily="49" charset="0"/>
                 <a:cs typeface="Consolas" panose="020B0609020204030204" pitchFamily="49" charset="0"/>
               </a:rPr>
               <a:t>StreamObserver</a:t>
             </a:r>
             <a:r>
-              <a:rPr lang="en-US" sz="2100" dirty="0">
-                <a:latin typeface="Consolas" panose="020B0609020204030204" pitchFamily="49" charset="0"/>
-                <a:cs typeface="Consolas" panose="020B0609020204030204" pitchFamily="49" charset="0"/>
-              </a:rPr>
-              <a:t>&lt;Point&gt; </a:t>
-            </a:r>
-            <a:r>
-              <a:rPr lang="en-US" sz="2100" dirty="0" err="1" smtClean="0">
+              <a:rPr lang="en-US" sz="1700" dirty="0">
+                <a:latin typeface="Consolas" panose="020B0609020204030204" pitchFamily="49" charset="0"/>
+                <a:cs typeface="Consolas" panose="020B0609020204030204" pitchFamily="49" charset="0"/>
+              </a:rPr>
+              <a:t>&lt;Point</a:t>
+            </a:r>
+            <a:r>
+              <a:rPr lang="en-US" sz="1700" dirty="0" smtClean="0">
+                <a:latin typeface="Consolas" panose="020B0609020204030204" pitchFamily="49" charset="0"/>
+                <a:cs typeface="Consolas" panose="020B0609020204030204" pitchFamily="49" charset="0"/>
+              </a:rPr>
+              <a:t>&gt;</a:t>
+            </a:r>
+          </a:p>
+          <a:p>
+            <a:pPr marL="0" indent="0">
+              <a:buNone/>
+            </a:pPr>
+            <a:r>
+              <a:rPr lang="en-US" sz="1700" dirty="0" smtClean="0">
+                <a:latin typeface="Consolas" panose="020B0609020204030204" pitchFamily="49" charset="0"/>
+                <a:cs typeface="Consolas" panose="020B0609020204030204" pitchFamily="49" charset="0"/>
+              </a:rPr>
+              <a:t> </a:t>
+            </a:r>
+            <a:r>
+              <a:rPr lang="en-US" sz="1700" dirty="0" err="1" smtClean="0">
                 <a:latin typeface="Consolas" panose="020B0609020204030204" pitchFamily="49" charset="0"/>
                 <a:cs typeface="Consolas" panose="020B0609020204030204" pitchFamily="49" charset="0"/>
               </a:rPr>
               <a:t>recordRoute</a:t>
             </a:r>
             <a:r>
-              <a:rPr lang="en-US" sz="2100" dirty="0" smtClean="0">
+              <a:rPr lang="en-US" sz="1700" dirty="0" smtClean="0">
                 <a:latin typeface="Consolas" panose="020B0609020204030204" pitchFamily="49" charset="0"/>
                 <a:cs typeface="Consolas" panose="020B0609020204030204" pitchFamily="49" charset="0"/>
               </a:rPr>
               <a:t>(</a:t>
             </a:r>
             <a:r>
-              <a:rPr lang="en-US" sz="2100" dirty="0" err="1" smtClean="0">
+              <a:rPr lang="en-US" sz="1700" dirty="0" err="1" smtClean="0">
                 <a:latin typeface="Consolas" panose="020B0609020204030204" pitchFamily="49" charset="0"/>
                 <a:cs typeface="Consolas" panose="020B0609020204030204" pitchFamily="49" charset="0"/>
               </a:rPr>
               <a:t>StreamObserver</a:t>
             </a:r>
             <a:r>
-              <a:rPr lang="en-US" sz="2100" dirty="0" smtClean="0">
+              <a:rPr lang="en-US" sz="1700" dirty="0" smtClean="0">
                 <a:latin typeface="Consolas" panose="020B0609020204030204" pitchFamily="49" charset="0"/>
                 <a:cs typeface="Consolas" panose="020B0609020204030204" pitchFamily="49" charset="0"/>
               </a:rPr>
               <a:t>&lt;</a:t>
             </a:r>
             <a:r>
-              <a:rPr lang="en-US" sz="2100" dirty="0" err="1" smtClean="0">
+              <a:rPr lang="en-US" sz="1700" dirty="0" err="1" smtClean="0">
                 <a:latin typeface="Consolas" panose="020B0609020204030204" pitchFamily="49" charset="0"/>
                 <a:cs typeface="Consolas" panose="020B0609020204030204" pitchFamily="49" charset="0"/>
               </a:rPr>
               <a:t>RouteSummary</a:t>
             </a:r>
             <a:r>
-              <a:rPr lang="en-US" sz="2100" dirty="0">
+              <a:rPr lang="en-US" sz="1700" dirty="0">
                 <a:latin typeface="Consolas" panose="020B0609020204030204" pitchFamily="49" charset="0"/>
                 <a:cs typeface="Consolas" panose="020B0609020204030204" pitchFamily="49" charset="0"/>
               </a:rPr>
               <a:t>&gt; </a:t>
             </a:r>
             <a:r>
-              <a:rPr lang="en-US" sz="2100" dirty="0" smtClean="0">
-                <a:latin typeface="Consolas" panose="020B0609020204030204" pitchFamily="49" charset="0"/>
-                <a:cs typeface="Consolas" panose="020B0609020204030204" pitchFamily="49" charset="0"/>
-              </a:rPr>
-              <a:t>	</a:t>
-            </a:r>
-            <a:r>
-              <a:rPr lang="en-US" sz="2100" dirty="0" err="1" smtClean="0">
+              <a:rPr lang="en-US" sz="1700" dirty="0" err="1" smtClean="0">
                 <a:latin typeface="Consolas" panose="020B0609020204030204" pitchFamily="49" charset="0"/>
                 <a:cs typeface="Consolas" panose="020B0609020204030204" pitchFamily="49" charset="0"/>
               </a:rPr>
               <a:t>responseObserver</a:t>
             </a:r>
             <a:r>
-              <a:rPr lang="en-US" sz="2100">
+              <a:rPr lang="en-US" sz="1700" dirty="0">
                 <a:latin typeface="Consolas" panose="020B0609020204030204" pitchFamily="49" charset="0"/>
                 <a:cs typeface="Consolas" panose="020B0609020204030204" pitchFamily="49" charset="0"/>
               </a:rPr>
               <a:t>) </a:t>
             </a:r>
-            <a:endParaRPr lang="en-US" sz="2100" smtClean="0">
+            <a:r>
+              <a:rPr lang="en-US" sz="1700" dirty="0" smtClean="0">
+                <a:latin typeface="Consolas" panose="020B0609020204030204" pitchFamily="49" charset="0"/>
+                <a:cs typeface="Consolas" panose="020B0609020204030204" pitchFamily="49" charset="0"/>
+              </a:rPr>
+              <a:t>{</a:t>
+            </a:r>
+            <a:endParaRPr lang="en-US" sz="1700" b="1" dirty="0" smtClean="0"/>
+          </a:p>
+          <a:p>
+            <a:pPr marL="0" indent="0">
+              <a:buNone/>
+            </a:pPr>
+            <a:r>
+              <a:rPr lang="en-US" sz="1700" b="1" dirty="0">
+                <a:latin typeface="Consolas" panose="020B0609020204030204" pitchFamily="49" charset="0"/>
+                <a:cs typeface="Consolas" panose="020B0609020204030204" pitchFamily="49" charset="0"/>
+              </a:rPr>
+              <a:t> </a:t>
+            </a:r>
+            <a:r>
+              <a:rPr lang="en-US" sz="1700" b="1" dirty="0" smtClean="0">
+                <a:latin typeface="Consolas" panose="020B0609020204030204" pitchFamily="49" charset="0"/>
+                <a:cs typeface="Consolas" panose="020B0609020204030204" pitchFamily="49" charset="0"/>
+              </a:rPr>
+              <a:t> </a:t>
+            </a:r>
+            <a:r>
+              <a:rPr lang="nl-NL" sz="1700" dirty="0" smtClean="0">
+                <a:latin typeface="Consolas" panose="020B0609020204030204" pitchFamily="49" charset="0"/>
+                <a:cs typeface="Consolas" panose="020B0609020204030204" pitchFamily="49" charset="0"/>
+              </a:rPr>
+              <a:t>return </a:t>
+            </a:r>
+            <a:r>
+              <a:rPr lang="nl-NL" sz="1700" dirty="0">
+                <a:latin typeface="Consolas" panose="020B0609020204030204" pitchFamily="49" charset="0"/>
+                <a:cs typeface="Consolas" panose="020B0609020204030204" pitchFamily="49" charset="0"/>
+              </a:rPr>
+              <a:t>new StreamObserver&lt;Point&gt;() {</a:t>
+            </a:r>
+          </a:p>
+          <a:p>
+            <a:pPr marL="0" indent="0">
+              <a:buNone/>
+            </a:pPr>
+            <a:r>
+              <a:rPr lang="nl-NL" sz="1700" dirty="0">
+                <a:latin typeface="Consolas" panose="020B0609020204030204" pitchFamily="49" charset="0"/>
+                <a:cs typeface="Consolas" panose="020B0609020204030204" pitchFamily="49" charset="0"/>
+              </a:rPr>
+              <a:t> </a:t>
+            </a:r>
+            <a:r>
+              <a:rPr lang="nl-NL" sz="1700" dirty="0" smtClean="0">
+                <a:latin typeface="Consolas" panose="020B0609020204030204" pitchFamily="49" charset="0"/>
+                <a:cs typeface="Consolas" panose="020B0609020204030204" pitchFamily="49" charset="0"/>
+              </a:rPr>
+              <a:t>  </a:t>
+            </a:r>
+            <a:r>
+              <a:rPr lang="nl-NL" sz="1700" dirty="0">
+                <a:latin typeface="Consolas" panose="020B0609020204030204" pitchFamily="49" charset="0"/>
+                <a:cs typeface="Consolas" panose="020B0609020204030204" pitchFamily="49" charset="0"/>
+              </a:rPr>
+              <a:t>@</a:t>
+            </a:r>
+            <a:r>
+              <a:rPr lang="nl-NL" sz="1700" dirty="0" err="1">
+                <a:latin typeface="Consolas" panose="020B0609020204030204" pitchFamily="49" charset="0"/>
+                <a:cs typeface="Consolas" panose="020B0609020204030204" pitchFamily="49" charset="0"/>
+              </a:rPr>
+              <a:t>Override</a:t>
+            </a:r>
+            <a:endParaRPr lang="nl-NL" sz="1700" dirty="0">
               <a:latin typeface="Consolas" panose="020B0609020204030204" pitchFamily="49" charset="0"/>
               <a:cs typeface="Consolas" panose="020B0609020204030204" pitchFamily="49" charset="0"/>
             </a:endParaRPr>
@@ -3560,77 +3646,338 @@
               <a:buNone/>
             </a:pPr>
             <a:r>
-              <a:rPr lang="en-US" sz="1800" b="1" smtClean="0"/>
-              <a:t>{</a:t>
-            </a:r>
-            <a:endParaRPr lang="en-US" sz="1800" b="1" dirty="0" smtClean="0"/>
-          </a:p>
-          <a:p>
-            <a:pPr marL="0" indent="0">
-              <a:buNone/>
-            </a:pPr>
-            <a:r>
-              <a:rPr lang="en-US" sz="1800" b="1" dirty="0">
+              <a:rPr lang="nl-NL" sz="1700" dirty="0">
                 <a:latin typeface="Consolas" panose="020B0609020204030204" pitchFamily="49" charset="0"/>
                 <a:cs typeface="Consolas" panose="020B0609020204030204" pitchFamily="49" charset="0"/>
               </a:rPr>
               <a:t> </a:t>
             </a:r>
             <a:r>
-              <a:rPr lang="en-US" sz="1800" b="1" dirty="0" smtClean="0">
+              <a:rPr lang="nl-NL" sz="1700" dirty="0" smtClean="0">
+                <a:latin typeface="Consolas" panose="020B0609020204030204" pitchFamily="49" charset="0"/>
+                <a:cs typeface="Consolas" panose="020B0609020204030204" pitchFamily="49" charset="0"/>
+              </a:rPr>
+              <a:t>  </a:t>
+            </a:r>
+            <a:r>
+              <a:rPr lang="nl-NL" sz="1700" dirty="0">
+                <a:latin typeface="Consolas" panose="020B0609020204030204" pitchFamily="49" charset="0"/>
+                <a:cs typeface="Consolas" panose="020B0609020204030204" pitchFamily="49" charset="0"/>
+              </a:rPr>
+              <a:t>public </a:t>
+            </a:r>
+            <a:r>
+              <a:rPr lang="nl-NL" sz="1700" dirty="0" err="1">
+                <a:latin typeface="Consolas" panose="020B0609020204030204" pitchFamily="49" charset="0"/>
+                <a:cs typeface="Consolas" panose="020B0609020204030204" pitchFamily="49" charset="0"/>
+              </a:rPr>
+              <a:t>void</a:t>
+            </a:r>
+            <a:r>
+              <a:rPr lang="nl-NL" sz="1700" dirty="0">
                 <a:latin typeface="Consolas" panose="020B0609020204030204" pitchFamily="49" charset="0"/>
                 <a:cs typeface="Consolas" panose="020B0609020204030204" pitchFamily="49" charset="0"/>
               </a:rPr>
               <a:t> </a:t>
             </a:r>
             <a:r>
-              <a:rPr lang="nl-NL" sz="2000" dirty="0" smtClean="0">
-                <a:latin typeface="Consolas" panose="020B0609020204030204" pitchFamily="49" charset="0"/>
-                <a:cs typeface="Consolas" panose="020B0609020204030204" pitchFamily="49" charset="0"/>
-              </a:rPr>
-              <a:t>return </a:t>
-            </a:r>
-            <a:r>
-              <a:rPr lang="nl-NL" sz="2000" dirty="0">
-                <a:latin typeface="Consolas" panose="020B0609020204030204" pitchFamily="49" charset="0"/>
-                <a:cs typeface="Consolas" panose="020B0609020204030204" pitchFamily="49" charset="0"/>
-              </a:rPr>
-              <a:t>new StreamObserver&lt;Point&gt;() {</a:t>
-            </a:r>
-          </a:p>
-          <a:p>
-            <a:pPr marL="0" indent="0">
-              <a:buNone/>
-            </a:pPr>
-            <a:r>
-              <a:rPr lang="nl-NL" sz="2000" dirty="0">
+              <a:rPr lang="nl-NL" sz="1700" dirty="0" err="1">
+                <a:latin typeface="Consolas" panose="020B0609020204030204" pitchFamily="49" charset="0"/>
+                <a:cs typeface="Consolas" panose="020B0609020204030204" pitchFamily="49" charset="0"/>
+              </a:rPr>
+              <a:t>onNext</a:t>
+            </a:r>
+            <a:r>
+              <a:rPr lang="nl-NL" sz="1700" dirty="0">
+                <a:latin typeface="Consolas" panose="020B0609020204030204" pitchFamily="49" charset="0"/>
+                <a:cs typeface="Consolas" panose="020B0609020204030204" pitchFamily="49" charset="0"/>
+              </a:rPr>
+              <a:t>(Point point) {</a:t>
+            </a:r>
+          </a:p>
+          <a:p>
+            <a:pPr marL="0" indent="0">
+              <a:buNone/>
+            </a:pPr>
+            <a:r>
+              <a:rPr lang="nl-NL" sz="1700" dirty="0">
+                <a:latin typeface="Consolas" panose="020B0609020204030204" pitchFamily="49" charset="0"/>
+                <a:cs typeface="Consolas" panose="020B0609020204030204" pitchFamily="49" charset="0"/>
+              </a:rPr>
+              <a:t>	...</a:t>
+            </a:r>
+          </a:p>
+          <a:p>
+            <a:pPr marL="0" indent="0">
+              <a:buNone/>
+            </a:pPr>
+            <a:r>
+              <a:rPr lang="nl-NL" sz="1700" dirty="0" smtClean="0">
+                <a:latin typeface="Consolas" panose="020B0609020204030204" pitchFamily="49" charset="0"/>
+                <a:cs typeface="Consolas" panose="020B0609020204030204" pitchFamily="49" charset="0"/>
+              </a:rPr>
+              <a:t>   </a:t>
+            </a:r>
+            <a:r>
+              <a:rPr lang="nl-NL" sz="1700" dirty="0">
+                <a:latin typeface="Consolas" panose="020B0609020204030204" pitchFamily="49" charset="0"/>
+                <a:cs typeface="Consolas" panose="020B0609020204030204" pitchFamily="49" charset="0"/>
+              </a:rPr>
+              <a:t>}</a:t>
+            </a:r>
+          </a:p>
+          <a:p>
+            <a:pPr marL="0" indent="0">
+              <a:buNone/>
+            </a:pPr>
+            <a:r>
+              <a:rPr lang="nl-NL" sz="1700" dirty="0" smtClean="0">
+                <a:latin typeface="Consolas" panose="020B0609020204030204" pitchFamily="49" charset="0"/>
+                <a:cs typeface="Consolas" panose="020B0609020204030204" pitchFamily="49" charset="0"/>
+              </a:rPr>
+              <a:t>   </a:t>
+            </a:r>
+            <a:r>
+              <a:rPr lang="nl-NL" sz="1700" dirty="0">
+                <a:latin typeface="Consolas" panose="020B0609020204030204" pitchFamily="49" charset="0"/>
+                <a:cs typeface="Consolas" panose="020B0609020204030204" pitchFamily="49" charset="0"/>
+              </a:rPr>
+              <a:t>@Override</a:t>
+            </a:r>
+          </a:p>
+          <a:p>
+            <a:pPr marL="0" indent="0">
+              <a:buNone/>
+            </a:pPr>
+            <a:r>
+              <a:rPr lang="nl-NL" sz="1700" dirty="0" smtClean="0">
+                <a:latin typeface="Consolas" panose="020B0609020204030204" pitchFamily="49" charset="0"/>
+                <a:cs typeface="Consolas" panose="020B0609020204030204" pitchFamily="49" charset="0"/>
+              </a:rPr>
+              <a:t>   </a:t>
+            </a:r>
+            <a:r>
+              <a:rPr lang="nl-NL" sz="1700" dirty="0">
+                <a:latin typeface="Consolas" panose="020B0609020204030204" pitchFamily="49" charset="0"/>
+                <a:cs typeface="Consolas" panose="020B0609020204030204" pitchFamily="49" charset="0"/>
+              </a:rPr>
+              <a:t>public </a:t>
+            </a:r>
+            <a:r>
+              <a:rPr lang="nl-NL" sz="1700" dirty="0" err="1">
+                <a:latin typeface="Consolas" panose="020B0609020204030204" pitchFamily="49" charset="0"/>
+                <a:cs typeface="Consolas" panose="020B0609020204030204" pitchFamily="49" charset="0"/>
+              </a:rPr>
+              <a:t>void</a:t>
+            </a:r>
+            <a:r>
+              <a:rPr lang="nl-NL" sz="1700" dirty="0">
                 <a:latin typeface="Consolas" panose="020B0609020204030204" pitchFamily="49" charset="0"/>
                 <a:cs typeface="Consolas" panose="020B0609020204030204" pitchFamily="49" charset="0"/>
               </a:rPr>
               <a:t> </a:t>
             </a:r>
             <a:r>
-              <a:rPr lang="nl-NL" sz="2000" dirty="0" smtClean="0">
-                <a:latin typeface="Consolas" panose="020B0609020204030204" pitchFamily="49" charset="0"/>
-                <a:cs typeface="Consolas" panose="020B0609020204030204" pitchFamily="49" charset="0"/>
-              </a:rPr>
-              <a:t>  </a:t>
-            </a:r>
-            <a:r>
-              <a:rPr lang="nl-NL" sz="2000" dirty="0">
+              <a:rPr lang="nl-NL" sz="1700" dirty="0" err="1">
+                <a:latin typeface="Consolas" panose="020B0609020204030204" pitchFamily="49" charset="0"/>
+                <a:cs typeface="Consolas" panose="020B0609020204030204" pitchFamily="49" charset="0"/>
+              </a:rPr>
+              <a:t>onError</a:t>
+            </a:r>
+            <a:r>
+              <a:rPr lang="nl-NL" sz="1700" dirty="0">
+                <a:latin typeface="Consolas" panose="020B0609020204030204" pitchFamily="49" charset="0"/>
+                <a:cs typeface="Consolas" panose="020B0609020204030204" pitchFamily="49" charset="0"/>
+              </a:rPr>
+              <a:t>(</a:t>
+            </a:r>
+            <a:r>
+              <a:rPr lang="nl-NL" sz="1700" dirty="0" err="1">
+                <a:latin typeface="Consolas" panose="020B0609020204030204" pitchFamily="49" charset="0"/>
+                <a:cs typeface="Consolas" panose="020B0609020204030204" pitchFamily="49" charset="0"/>
+              </a:rPr>
+              <a:t>Throwable</a:t>
+            </a:r>
+            <a:r>
+              <a:rPr lang="nl-NL" sz="1700" dirty="0">
+                <a:latin typeface="Consolas" panose="020B0609020204030204" pitchFamily="49" charset="0"/>
+                <a:cs typeface="Consolas" panose="020B0609020204030204" pitchFamily="49" charset="0"/>
+              </a:rPr>
+              <a:t> t) {</a:t>
+            </a:r>
+          </a:p>
+          <a:p>
+            <a:pPr marL="0" indent="0">
+              <a:buNone/>
+            </a:pPr>
+            <a:r>
+              <a:rPr lang="nl-NL" sz="1700" dirty="0" smtClean="0">
+                <a:latin typeface="Consolas" panose="020B0609020204030204" pitchFamily="49" charset="0"/>
+                <a:cs typeface="Consolas" panose="020B0609020204030204" pitchFamily="49" charset="0"/>
+              </a:rPr>
+              <a:t>     </a:t>
+            </a:r>
+            <a:r>
+              <a:rPr lang="nl-NL" sz="1700" dirty="0">
+                <a:latin typeface="Consolas" panose="020B0609020204030204" pitchFamily="49" charset="0"/>
+                <a:cs typeface="Consolas" panose="020B0609020204030204" pitchFamily="49" charset="0"/>
+              </a:rPr>
+              <a:t>...</a:t>
+            </a:r>
+          </a:p>
+          <a:p>
+            <a:pPr marL="0" indent="0">
+              <a:buNone/>
+            </a:pPr>
+            <a:r>
+              <a:rPr lang="nl-NL" sz="1700" dirty="0" smtClean="0">
+                <a:latin typeface="Consolas" panose="020B0609020204030204" pitchFamily="49" charset="0"/>
+                <a:cs typeface="Consolas" panose="020B0609020204030204" pitchFamily="49" charset="0"/>
+              </a:rPr>
+              <a:t>   </a:t>
+            </a:r>
+            <a:r>
+              <a:rPr lang="nl-NL" sz="1700" dirty="0">
+                <a:latin typeface="Consolas" panose="020B0609020204030204" pitchFamily="49" charset="0"/>
+                <a:cs typeface="Consolas" panose="020B0609020204030204" pitchFamily="49" charset="0"/>
+              </a:rPr>
+              <a:t>}</a:t>
+            </a:r>
+          </a:p>
+          <a:p>
+            <a:pPr marL="0" indent="0">
+              <a:buNone/>
+            </a:pPr>
+            <a:r>
+              <a:rPr lang="nl-NL" sz="1700" dirty="0" smtClean="0">
+                <a:latin typeface="Consolas" panose="020B0609020204030204" pitchFamily="49" charset="0"/>
+                <a:cs typeface="Consolas" panose="020B0609020204030204" pitchFamily="49" charset="0"/>
+              </a:rPr>
+              <a:t>   </a:t>
+            </a:r>
+            <a:r>
+              <a:rPr lang="nl-NL" sz="1700" dirty="0" smtClean="0">
                 <a:latin typeface="Consolas" panose="020B0609020204030204" pitchFamily="49" charset="0"/>
                 <a:cs typeface="Consolas" panose="020B0609020204030204" pitchFamily="49" charset="0"/>
               </a:rPr>
               <a:t>@</a:t>
             </a:r>
             <a:r>
-              <a:rPr lang="nl-NL" sz="2000" dirty="0" err="1">
+              <a:rPr lang="nl-NL" sz="1700" dirty="0">
                 <a:latin typeface="Consolas" panose="020B0609020204030204" pitchFamily="49" charset="0"/>
                 <a:cs typeface="Consolas" panose="020B0609020204030204" pitchFamily="49" charset="0"/>
               </a:rPr>
               <a:t>Override</a:t>
             </a:r>
-            <a:endParaRPr lang="nl-NL" sz="2000" dirty="0">
+          </a:p>
+          <a:p>
+            <a:pPr marL="0" indent="0">
+              <a:buNone/>
+            </a:pPr>
+            <a:r>
+              <a:rPr lang="nl-NL" sz="1700" dirty="0">
+                <a:latin typeface="Consolas" panose="020B0609020204030204" pitchFamily="49" charset="0"/>
+                <a:cs typeface="Consolas" panose="020B0609020204030204" pitchFamily="49" charset="0"/>
+              </a:rPr>
+              <a:t> </a:t>
+            </a:r>
+            <a:r>
+              <a:rPr lang="nl-NL" sz="1700" dirty="0" smtClean="0">
+                <a:latin typeface="Consolas" panose="020B0609020204030204" pitchFamily="49" charset="0"/>
+                <a:cs typeface="Consolas" panose="020B0609020204030204" pitchFamily="49" charset="0"/>
+              </a:rPr>
+              <a:t>  public </a:t>
+            </a:r>
+            <a:r>
+              <a:rPr lang="nl-NL" sz="1700" dirty="0" err="1">
+                <a:latin typeface="Consolas" panose="020B0609020204030204" pitchFamily="49" charset="0"/>
+                <a:cs typeface="Consolas" panose="020B0609020204030204" pitchFamily="49" charset="0"/>
+              </a:rPr>
+              <a:t>void</a:t>
+            </a:r>
+            <a:r>
+              <a:rPr lang="nl-NL" sz="1700" dirty="0">
+                <a:latin typeface="Consolas" panose="020B0609020204030204" pitchFamily="49" charset="0"/>
+                <a:cs typeface="Consolas" panose="020B0609020204030204" pitchFamily="49" charset="0"/>
+              </a:rPr>
+              <a:t> </a:t>
+            </a:r>
+            <a:r>
+              <a:rPr lang="nl-NL" sz="1700" dirty="0" err="1">
+                <a:latin typeface="Consolas" panose="020B0609020204030204" pitchFamily="49" charset="0"/>
+                <a:cs typeface="Consolas" panose="020B0609020204030204" pitchFamily="49" charset="0"/>
+              </a:rPr>
+              <a:t>onCompleted</a:t>
+            </a:r>
+            <a:r>
+              <a:rPr lang="nl-NL" sz="1700" dirty="0">
+                <a:latin typeface="Consolas" panose="020B0609020204030204" pitchFamily="49" charset="0"/>
+                <a:cs typeface="Consolas" panose="020B0609020204030204" pitchFamily="49" charset="0"/>
+              </a:rPr>
+              <a:t>() {</a:t>
+            </a:r>
+          </a:p>
+          <a:p>
+            <a:pPr marL="0" indent="0">
+              <a:buNone/>
+            </a:pPr>
+            <a:r>
+              <a:rPr lang="nl-NL" sz="1700" dirty="0">
+                <a:latin typeface="Consolas" panose="020B0609020204030204" pitchFamily="49" charset="0"/>
+                <a:cs typeface="Consolas" panose="020B0609020204030204" pitchFamily="49" charset="0"/>
+              </a:rPr>
+              <a:t> </a:t>
+            </a:r>
+            <a:r>
+              <a:rPr lang="nl-NL" sz="1700" dirty="0" smtClean="0">
+                <a:latin typeface="Consolas" panose="020B0609020204030204" pitchFamily="49" charset="0"/>
+                <a:cs typeface="Consolas" panose="020B0609020204030204" pitchFamily="49" charset="0"/>
+              </a:rPr>
+              <a:t>    </a:t>
+            </a:r>
+            <a:r>
+              <a:rPr lang="nl-NL" sz="1700" dirty="0" err="1" smtClean="0">
+                <a:latin typeface="Consolas" panose="020B0609020204030204" pitchFamily="49" charset="0"/>
+                <a:cs typeface="Consolas" panose="020B0609020204030204" pitchFamily="49" charset="0"/>
+              </a:rPr>
+              <a:t>responseObserver.onNext</a:t>
+            </a:r>
+            <a:r>
+              <a:rPr lang="nl-NL" sz="1700" dirty="0" smtClean="0">
+                <a:latin typeface="Consolas" panose="020B0609020204030204" pitchFamily="49" charset="0"/>
+                <a:cs typeface="Consolas" panose="020B0609020204030204" pitchFamily="49" charset="0"/>
+              </a:rPr>
+              <a:t>(</a:t>
+            </a:r>
+            <a:r>
+              <a:rPr lang="nl-NL" sz="1700" dirty="0" err="1" smtClean="0">
+                <a:latin typeface="Consolas" panose="020B0609020204030204" pitchFamily="49" charset="0"/>
+                <a:cs typeface="Consolas" panose="020B0609020204030204" pitchFamily="49" charset="0"/>
+              </a:rPr>
+              <a:t>RouteSummary.newBuilder</a:t>
+            </a:r>
+            <a:r>
+              <a:rPr lang="nl-NL" sz="1700" dirty="0" smtClean="0">
+                <a:latin typeface="Consolas" panose="020B0609020204030204" pitchFamily="49" charset="0"/>
+                <a:cs typeface="Consolas" panose="020B0609020204030204" pitchFamily="49" charset="0"/>
+              </a:rPr>
+              <a:t>()..</a:t>
+            </a:r>
+            <a:r>
+              <a:rPr lang="nl-NL" sz="1700" dirty="0" err="1" smtClean="0">
+                <a:latin typeface="Consolas" panose="020B0609020204030204" pitchFamily="49" charset="0"/>
+                <a:cs typeface="Consolas" panose="020B0609020204030204" pitchFamily="49" charset="0"/>
+              </a:rPr>
+              <a:t>build</a:t>
+            </a:r>
+            <a:r>
+              <a:rPr lang="nl-NL" sz="1700" dirty="0" smtClean="0">
+                <a:latin typeface="Consolas" panose="020B0609020204030204" pitchFamily="49" charset="0"/>
+                <a:cs typeface="Consolas" panose="020B0609020204030204" pitchFamily="49" charset="0"/>
+              </a:rPr>
+              <a:t>();</a:t>
+            </a:r>
+            <a:endParaRPr lang="nl-NL" sz="1700" dirty="0">
               <a:latin typeface="Consolas" panose="020B0609020204030204" pitchFamily="49" charset="0"/>
               <a:cs typeface="Consolas" panose="020B0609020204030204" pitchFamily="49" charset="0"/>
             </a:endParaRPr>
@@ -3640,91 +3987,53 @@
               <a:buNone/>
             </a:pPr>
             <a:r>
-              <a:rPr lang="nl-NL" sz="2000" dirty="0">
-                <a:latin typeface="Consolas" panose="020B0609020204030204" pitchFamily="49" charset="0"/>
-                <a:cs typeface="Consolas" panose="020B0609020204030204" pitchFamily="49" charset="0"/>
-              </a:rPr>
-              <a:t> </a:t>
-            </a:r>
-            <a:r>
-              <a:rPr lang="nl-NL" sz="2000" dirty="0" smtClean="0">
+              <a:rPr lang="nl-NL" sz="1700" dirty="0">
                 <a:latin typeface="Consolas" panose="020B0609020204030204" pitchFamily="49" charset="0"/>
                 <a:cs typeface="Consolas" panose="020B0609020204030204" pitchFamily="49" charset="0"/>
               </a:rPr>
               <a:t>  </a:t>
             </a:r>
             <a:r>
-              <a:rPr lang="nl-NL" sz="2000" dirty="0">
-                <a:latin typeface="Consolas" panose="020B0609020204030204" pitchFamily="49" charset="0"/>
-                <a:cs typeface="Consolas" panose="020B0609020204030204" pitchFamily="49" charset="0"/>
-              </a:rPr>
-              <a:t>public </a:t>
-            </a:r>
-            <a:r>
-              <a:rPr lang="nl-NL" sz="2000" dirty="0" err="1">
-                <a:latin typeface="Consolas" panose="020B0609020204030204" pitchFamily="49" charset="0"/>
-                <a:cs typeface="Consolas" panose="020B0609020204030204" pitchFamily="49" charset="0"/>
-              </a:rPr>
-              <a:t>void</a:t>
-            </a:r>
-            <a:r>
-              <a:rPr lang="nl-NL" sz="2000" dirty="0">
-                <a:latin typeface="Consolas" panose="020B0609020204030204" pitchFamily="49" charset="0"/>
-                <a:cs typeface="Consolas" panose="020B0609020204030204" pitchFamily="49" charset="0"/>
-              </a:rPr>
-              <a:t> </a:t>
-            </a:r>
-            <a:r>
-              <a:rPr lang="nl-NL" sz="2000" dirty="0" err="1">
-                <a:latin typeface="Consolas" panose="020B0609020204030204" pitchFamily="49" charset="0"/>
-                <a:cs typeface="Consolas" panose="020B0609020204030204" pitchFamily="49" charset="0"/>
-              </a:rPr>
-              <a:t>onNext</a:t>
-            </a:r>
-            <a:r>
-              <a:rPr lang="nl-NL" sz="2000" dirty="0">
-                <a:latin typeface="Consolas" panose="020B0609020204030204" pitchFamily="49" charset="0"/>
-                <a:cs typeface="Consolas" panose="020B0609020204030204" pitchFamily="49" charset="0"/>
-              </a:rPr>
-              <a:t>(Point point) {</a:t>
-            </a:r>
-          </a:p>
-          <a:p>
-            <a:pPr marL="0" indent="0">
-              <a:buNone/>
-            </a:pPr>
-            <a:r>
-              <a:rPr lang="nl-NL" sz="2000" dirty="0">
-                <a:latin typeface="Consolas" panose="020B0609020204030204" pitchFamily="49" charset="0"/>
-                <a:cs typeface="Consolas" panose="020B0609020204030204" pitchFamily="49" charset="0"/>
-              </a:rPr>
-              <a:t>	...</a:t>
-            </a:r>
-          </a:p>
-          <a:p>
-            <a:pPr marL="0" indent="0">
-              <a:buNone/>
-            </a:pPr>
-            <a:r>
-              <a:rPr lang="nl-NL" sz="2000" dirty="0" smtClean="0">
+              <a:rPr lang="nl-NL" sz="1700" dirty="0" smtClean="0">
                 <a:latin typeface="Consolas" panose="020B0609020204030204" pitchFamily="49" charset="0"/>
                 <a:cs typeface="Consolas" panose="020B0609020204030204" pitchFamily="49" charset="0"/>
               </a:rPr>
               <a:t>   </a:t>
             </a:r>
             <a:r>
-              <a:rPr lang="nl-NL" sz="2000" dirty="0">
+              <a:rPr lang="nl-NL" sz="1700" dirty="0" err="1" smtClean="0">
+                <a:latin typeface="Consolas" panose="020B0609020204030204" pitchFamily="49" charset="0"/>
+                <a:cs typeface="Consolas" panose="020B0609020204030204" pitchFamily="49" charset="0"/>
+              </a:rPr>
+              <a:t>responseObserver.onCompleted</a:t>
+            </a:r>
+            <a:r>
+              <a:rPr lang="nl-NL" sz="1700" dirty="0">
+                <a:latin typeface="Consolas" panose="020B0609020204030204" pitchFamily="49" charset="0"/>
+                <a:cs typeface="Consolas" panose="020B0609020204030204" pitchFamily="49" charset="0"/>
+              </a:rPr>
+              <a:t>();</a:t>
+            </a:r>
+          </a:p>
+          <a:p>
+            <a:pPr marL="0" indent="0">
+              <a:buNone/>
+            </a:pPr>
+            <a:r>
+              <a:rPr lang="nl-NL" sz="1700" dirty="0">
+                <a:latin typeface="Consolas" panose="020B0609020204030204" pitchFamily="49" charset="0"/>
+                <a:cs typeface="Consolas" panose="020B0609020204030204" pitchFamily="49" charset="0"/>
+              </a:rPr>
+              <a:t>  </a:t>
+            </a:r>
+            <a:r>
+              <a:rPr lang="nl-NL" sz="1700" dirty="0" smtClean="0">
                 <a:latin typeface="Consolas" panose="020B0609020204030204" pitchFamily="49" charset="0"/>
                 <a:cs typeface="Consolas" panose="020B0609020204030204" pitchFamily="49" charset="0"/>
               </a:rPr>
               <a:t>}</a:t>
             </a:r>
-          </a:p>
-          <a:p>
-            <a:pPr marL="0" indent="0">
-              <a:buNone/>
-            </a:pPr>
-            <a:endParaRPr lang="nl-NL" sz="2000" dirty="0">
+            <a:endParaRPr lang="nl-NL" sz="1700" dirty="0">
               <a:latin typeface="Consolas" panose="020B0609020204030204" pitchFamily="49" charset="0"/>
               <a:cs typeface="Consolas" panose="020B0609020204030204" pitchFamily="49" charset="0"/>
             </a:endParaRPr>
@@ -3734,349 +4043,26 @@
               <a:buNone/>
             </a:pPr>
             <a:r>
-              <a:rPr lang="nl-NL" sz="2000" dirty="0" smtClean="0">
-                <a:latin typeface="Consolas" panose="020B0609020204030204" pitchFamily="49" charset="0"/>
-                <a:cs typeface="Consolas" panose="020B0609020204030204" pitchFamily="49" charset="0"/>
-              </a:rPr>
-              <a:t>   </a:t>
-            </a:r>
-            <a:r>
-              <a:rPr lang="nl-NL" sz="2000" dirty="0">
-                <a:latin typeface="Consolas" panose="020B0609020204030204" pitchFamily="49" charset="0"/>
-                <a:cs typeface="Consolas" panose="020B0609020204030204" pitchFamily="49" charset="0"/>
-              </a:rPr>
-              <a:t>@</a:t>
-            </a:r>
-            <a:r>
-              <a:rPr lang="nl-NL" sz="2000" dirty="0" err="1">
-                <a:latin typeface="Consolas" panose="020B0609020204030204" pitchFamily="49" charset="0"/>
-                <a:cs typeface="Consolas" panose="020B0609020204030204" pitchFamily="49" charset="0"/>
-              </a:rPr>
-              <a:t>Override</a:t>
-            </a:r>
-            <a:endParaRPr lang="nl-NL" sz="2000" dirty="0">
-              <a:latin typeface="Consolas" panose="020B0609020204030204" pitchFamily="49" charset="0"/>
-              <a:cs typeface="Consolas" panose="020B0609020204030204" pitchFamily="49" charset="0"/>
-            </a:endParaRPr>
-          </a:p>
-          <a:p>
-            <a:pPr marL="0" indent="0">
-              <a:buNone/>
-            </a:pPr>
-            <a:r>
-              <a:rPr lang="nl-NL" sz="2000" dirty="0" smtClean="0">
-                <a:latin typeface="Consolas" panose="020B0609020204030204" pitchFamily="49" charset="0"/>
-                <a:cs typeface="Consolas" panose="020B0609020204030204" pitchFamily="49" charset="0"/>
-              </a:rPr>
-              <a:t>   </a:t>
-            </a:r>
-            <a:r>
-              <a:rPr lang="nl-NL" sz="2000" dirty="0">
-                <a:latin typeface="Consolas" panose="020B0609020204030204" pitchFamily="49" charset="0"/>
-                <a:cs typeface="Consolas" panose="020B0609020204030204" pitchFamily="49" charset="0"/>
-              </a:rPr>
-              <a:t>public </a:t>
-            </a:r>
-            <a:r>
-              <a:rPr lang="nl-NL" sz="2000" dirty="0" err="1">
-                <a:latin typeface="Consolas" panose="020B0609020204030204" pitchFamily="49" charset="0"/>
-                <a:cs typeface="Consolas" panose="020B0609020204030204" pitchFamily="49" charset="0"/>
-              </a:rPr>
-              <a:t>void</a:t>
-            </a:r>
-            <a:r>
-              <a:rPr lang="nl-NL" sz="2000" dirty="0">
+              <a:rPr lang="nl-NL" sz="1700" dirty="0">
                 <a:latin typeface="Consolas" panose="020B0609020204030204" pitchFamily="49" charset="0"/>
                 <a:cs typeface="Consolas" panose="020B0609020204030204" pitchFamily="49" charset="0"/>
               </a:rPr>
               <a:t> </a:t>
             </a:r>
             <a:r>
-              <a:rPr lang="nl-NL" sz="2000" dirty="0" err="1">
-                <a:latin typeface="Consolas" panose="020B0609020204030204" pitchFamily="49" charset="0"/>
-                <a:cs typeface="Consolas" panose="020B0609020204030204" pitchFamily="49" charset="0"/>
-              </a:rPr>
-              <a:t>onError</a:t>
-            </a:r>
-            <a:r>
-              <a:rPr lang="nl-NL" sz="2000" dirty="0">
-                <a:latin typeface="Consolas" panose="020B0609020204030204" pitchFamily="49" charset="0"/>
-                <a:cs typeface="Consolas" panose="020B0609020204030204" pitchFamily="49" charset="0"/>
-              </a:rPr>
-              <a:t>(</a:t>
-            </a:r>
-            <a:r>
-              <a:rPr lang="nl-NL" sz="2000" dirty="0" err="1">
-                <a:latin typeface="Consolas" panose="020B0609020204030204" pitchFamily="49" charset="0"/>
-                <a:cs typeface="Consolas" panose="020B0609020204030204" pitchFamily="49" charset="0"/>
-              </a:rPr>
-              <a:t>Throwable</a:t>
-            </a:r>
-            <a:r>
-              <a:rPr lang="nl-NL" sz="2000" dirty="0">
-                <a:latin typeface="Consolas" panose="020B0609020204030204" pitchFamily="49" charset="0"/>
-                <a:cs typeface="Consolas" panose="020B0609020204030204" pitchFamily="49" charset="0"/>
-              </a:rPr>
-              <a:t> t) {</a:t>
-            </a:r>
-          </a:p>
-          <a:p>
-            <a:pPr marL="0" indent="0">
-              <a:buNone/>
-            </a:pPr>
-            <a:r>
-              <a:rPr lang="nl-NL" sz="2000" dirty="0" smtClean="0">
-                <a:latin typeface="Consolas" panose="020B0609020204030204" pitchFamily="49" charset="0"/>
-                <a:cs typeface="Consolas" panose="020B0609020204030204" pitchFamily="49" charset="0"/>
-              </a:rPr>
-              <a:t>     </a:t>
-            </a:r>
-            <a:r>
-              <a:rPr lang="nl-NL" sz="2000" dirty="0">
-                <a:latin typeface="Consolas" panose="020B0609020204030204" pitchFamily="49" charset="0"/>
-                <a:cs typeface="Consolas" panose="020B0609020204030204" pitchFamily="49" charset="0"/>
-              </a:rPr>
-              <a:t>...</a:t>
-            </a:r>
-          </a:p>
-          <a:p>
-            <a:pPr marL="0" indent="0">
-              <a:buNone/>
-            </a:pPr>
-            <a:r>
-              <a:rPr lang="nl-NL" sz="2000" dirty="0" smtClean="0">
-                <a:latin typeface="Consolas" panose="020B0609020204030204" pitchFamily="49" charset="0"/>
-                <a:cs typeface="Consolas" panose="020B0609020204030204" pitchFamily="49" charset="0"/>
-              </a:rPr>
-              <a:t>   </a:t>
-            </a:r>
-            <a:r>
-              <a:rPr lang="nl-NL" sz="2000" dirty="0">
-                <a:latin typeface="Consolas" panose="020B0609020204030204" pitchFamily="49" charset="0"/>
-                <a:cs typeface="Consolas" panose="020B0609020204030204" pitchFamily="49" charset="0"/>
-              </a:rPr>
-              <a:t>}</a:t>
-            </a:r>
-          </a:p>
-          <a:p>
-            <a:pPr marL="0" indent="0">
-              <a:buNone/>
-            </a:pPr>
-            <a:endParaRPr lang="nl-NL" sz="2000" dirty="0">
-              <a:latin typeface="Consolas" panose="020B0609020204030204" pitchFamily="49" charset="0"/>
-              <a:cs typeface="Consolas" panose="020B0609020204030204" pitchFamily="49" charset="0"/>
-            </a:endParaRPr>
-          </a:p>
-          <a:p>
-            <a:pPr marL="0" indent="0">
-              <a:buNone/>
-            </a:pPr>
-            <a:r>
-              <a:rPr lang="nl-NL" sz="2000" dirty="0" smtClean="0">
-                <a:latin typeface="Consolas" panose="020B0609020204030204" pitchFamily="49" charset="0"/>
-                <a:cs typeface="Consolas" panose="020B0609020204030204" pitchFamily="49" charset="0"/>
-              </a:rPr>
-              <a:t>   @</a:t>
-            </a:r>
-            <a:r>
-              <a:rPr lang="nl-NL" sz="2000" dirty="0" err="1">
-                <a:latin typeface="Consolas" panose="020B0609020204030204" pitchFamily="49" charset="0"/>
-                <a:cs typeface="Consolas" panose="020B0609020204030204" pitchFamily="49" charset="0"/>
-              </a:rPr>
-              <a:t>Override</a:t>
-            </a:r>
-            <a:endParaRPr lang="nl-NL" sz="2000" dirty="0">
-              <a:latin typeface="Consolas" panose="020B0609020204030204" pitchFamily="49" charset="0"/>
-              <a:cs typeface="Consolas" panose="020B0609020204030204" pitchFamily="49" charset="0"/>
-            </a:endParaRPr>
-          </a:p>
-          <a:p>
-            <a:pPr marL="0" indent="0">
-              <a:buNone/>
-            </a:pPr>
-            <a:r>
-              <a:rPr lang="nl-NL" sz="2000" dirty="0">
-                <a:latin typeface="Consolas" panose="020B0609020204030204" pitchFamily="49" charset="0"/>
-                <a:cs typeface="Consolas" panose="020B0609020204030204" pitchFamily="49" charset="0"/>
-              </a:rPr>
-              <a:t> </a:t>
-            </a:r>
-            <a:r>
-              <a:rPr lang="nl-NL" sz="2000" dirty="0" smtClean="0">
-                <a:latin typeface="Consolas" panose="020B0609020204030204" pitchFamily="49" charset="0"/>
-                <a:cs typeface="Consolas" panose="020B0609020204030204" pitchFamily="49" charset="0"/>
-              </a:rPr>
-              <a:t>  public </a:t>
-            </a:r>
-            <a:r>
-              <a:rPr lang="nl-NL" sz="2000" dirty="0" err="1">
-                <a:latin typeface="Consolas" panose="020B0609020204030204" pitchFamily="49" charset="0"/>
-                <a:cs typeface="Consolas" panose="020B0609020204030204" pitchFamily="49" charset="0"/>
-              </a:rPr>
-              <a:t>void</a:t>
-            </a:r>
-            <a:r>
-              <a:rPr lang="nl-NL" sz="2000" dirty="0">
-                <a:latin typeface="Consolas" panose="020B0609020204030204" pitchFamily="49" charset="0"/>
-                <a:cs typeface="Consolas" panose="020B0609020204030204" pitchFamily="49" charset="0"/>
-              </a:rPr>
-              <a:t> </a:t>
-            </a:r>
-            <a:r>
-              <a:rPr lang="nl-NL" sz="2000" dirty="0" err="1">
-                <a:latin typeface="Consolas" panose="020B0609020204030204" pitchFamily="49" charset="0"/>
-                <a:cs typeface="Consolas" panose="020B0609020204030204" pitchFamily="49" charset="0"/>
-              </a:rPr>
-              <a:t>onCompleted</a:t>
-            </a:r>
-            <a:r>
-              <a:rPr lang="nl-NL" sz="2000" dirty="0">
-                <a:latin typeface="Consolas" panose="020B0609020204030204" pitchFamily="49" charset="0"/>
-                <a:cs typeface="Consolas" panose="020B0609020204030204" pitchFamily="49" charset="0"/>
-              </a:rPr>
-              <a:t>() {</a:t>
-            </a:r>
-          </a:p>
-          <a:p>
-            <a:pPr marL="0" indent="0">
-              <a:buNone/>
-            </a:pPr>
-            <a:r>
-              <a:rPr lang="nl-NL" sz="2000" dirty="0">
-                <a:latin typeface="Consolas" panose="020B0609020204030204" pitchFamily="49" charset="0"/>
-                <a:cs typeface="Consolas" panose="020B0609020204030204" pitchFamily="49" charset="0"/>
-              </a:rPr>
-              <a:t> </a:t>
-            </a:r>
-            <a:r>
-              <a:rPr lang="nl-NL" sz="2000" dirty="0" smtClean="0">
-                <a:latin typeface="Consolas" panose="020B0609020204030204" pitchFamily="49" charset="0"/>
-                <a:cs typeface="Consolas" panose="020B0609020204030204" pitchFamily="49" charset="0"/>
-              </a:rPr>
-              <a:t>    </a:t>
-            </a:r>
-            <a:r>
-              <a:rPr lang="nl-NL" sz="2000" dirty="0" err="1" smtClean="0">
-                <a:latin typeface="Consolas" panose="020B0609020204030204" pitchFamily="49" charset="0"/>
-                <a:cs typeface="Consolas" panose="020B0609020204030204" pitchFamily="49" charset="0"/>
-              </a:rPr>
-              <a:t>responseObserver.onNext</a:t>
-            </a:r>
-            <a:r>
-              <a:rPr lang="nl-NL" sz="2000" dirty="0" smtClean="0">
-                <a:latin typeface="Consolas" panose="020B0609020204030204" pitchFamily="49" charset="0"/>
-                <a:cs typeface="Consolas" panose="020B0609020204030204" pitchFamily="49" charset="0"/>
-              </a:rPr>
-              <a:t>(</a:t>
-            </a:r>
-            <a:r>
-              <a:rPr lang="nl-NL" sz="2000" dirty="0" err="1" smtClean="0">
-                <a:latin typeface="Consolas" panose="020B0609020204030204" pitchFamily="49" charset="0"/>
-                <a:cs typeface="Consolas" panose="020B0609020204030204" pitchFamily="49" charset="0"/>
-              </a:rPr>
-              <a:t>RouteSummary.newBuilder</a:t>
-            </a:r>
-            <a:r>
-              <a:rPr lang="nl-NL" sz="2000" dirty="0" smtClean="0">
-                <a:latin typeface="Consolas" panose="020B0609020204030204" pitchFamily="49" charset="0"/>
-                <a:cs typeface="Consolas" panose="020B0609020204030204" pitchFamily="49" charset="0"/>
-              </a:rPr>
-              <a:t>()..</a:t>
-            </a:r>
-            <a:r>
-              <a:rPr lang="nl-NL" sz="2000" dirty="0" err="1" smtClean="0">
-                <a:latin typeface="Consolas" panose="020B0609020204030204" pitchFamily="49" charset="0"/>
-                <a:cs typeface="Consolas" panose="020B0609020204030204" pitchFamily="49" charset="0"/>
-              </a:rPr>
-              <a:t>build</a:t>
-            </a:r>
-            <a:r>
-              <a:rPr lang="nl-NL" sz="2000" dirty="0" smtClean="0">
-                <a:latin typeface="Consolas" panose="020B0609020204030204" pitchFamily="49" charset="0"/>
-                <a:cs typeface="Consolas" panose="020B0609020204030204" pitchFamily="49" charset="0"/>
-              </a:rPr>
-              <a:t>();</a:t>
-            </a:r>
-            <a:endParaRPr lang="nl-NL" sz="2000" dirty="0">
-              <a:latin typeface="Consolas" panose="020B0609020204030204" pitchFamily="49" charset="0"/>
-              <a:cs typeface="Consolas" panose="020B0609020204030204" pitchFamily="49" charset="0"/>
-            </a:endParaRPr>
-          </a:p>
-          <a:p>
-            <a:pPr marL="0" indent="0">
-              <a:buNone/>
-            </a:pPr>
-            <a:r>
-              <a:rPr lang="nl-NL" sz="2000" dirty="0">
-                <a:latin typeface="Consolas" panose="020B0609020204030204" pitchFamily="49" charset="0"/>
-                <a:cs typeface="Consolas" panose="020B0609020204030204" pitchFamily="49" charset="0"/>
-              </a:rPr>
-              <a:t>  </a:t>
-            </a:r>
-            <a:r>
-              <a:rPr lang="nl-NL" sz="2000" dirty="0" smtClean="0">
-                <a:latin typeface="Consolas" panose="020B0609020204030204" pitchFamily="49" charset="0"/>
-                <a:cs typeface="Consolas" panose="020B0609020204030204" pitchFamily="49" charset="0"/>
-              </a:rPr>
-              <a:t>   </a:t>
-            </a:r>
-            <a:r>
-              <a:rPr lang="nl-NL" sz="2000" dirty="0" err="1" smtClean="0">
-                <a:latin typeface="Consolas" panose="020B0609020204030204" pitchFamily="49" charset="0"/>
-                <a:cs typeface="Consolas" panose="020B0609020204030204" pitchFamily="49" charset="0"/>
-              </a:rPr>
-              <a:t>responseObserver.onCompleted</a:t>
-            </a:r>
-            <a:r>
-              <a:rPr lang="nl-NL" sz="2000" dirty="0">
-                <a:latin typeface="Consolas" panose="020B0609020204030204" pitchFamily="49" charset="0"/>
-                <a:cs typeface="Consolas" panose="020B0609020204030204" pitchFamily="49" charset="0"/>
-              </a:rPr>
-              <a:t>();</a:t>
-            </a:r>
-          </a:p>
-          <a:p>
-            <a:pPr marL="0" indent="0">
-              <a:buNone/>
-            </a:pPr>
-            <a:r>
-              <a:rPr lang="nl-NL" sz="2000" dirty="0">
-                <a:latin typeface="Consolas" panose="020B0609020204030204" pitchFamily="49" charset="0"/>
-                <a:cs typeface="Consolas" panose="020B0609020204030204" pitchFamily="49" charset="0"/>
-              </a:rPr>
-              <a:t>  </a:t>
-            </a:r>
-            <a:r>
-              <a:rPr lang="nl-NL" sz="2000" dirty="0" smtClean="0">
-                <a:latin typeface="Consolas" panose="020B0609020204030204" pitchFamily="49" charset="0"/>
-                <a:cs typeface="Consolas" panose="020B0609020204030204" pitchFamily="49" charset="0"/>
-              </a:rPr>
-              <a:t>}</a:t>
-            </a:r>
-            <a:endParaRPr lang="nl-NL" sz="2000" dirty="0">
-              <a:latin typeface="Consolas" panose="020B0609020204030204" pitchFamily="49" charset="0"/>
-              <a:cs typeface="Consolas" panose="020B0609020204030204" pitchFamily="49" charset="0"/>
-            </a:endParaRPr>
-          </a:p>
-          <a:p>
-            <a:pPr marL="0" indent="0">
-              <a:buNone/>
-            </a:pPr>
-            <a:r>
-              <a:rPr lang="nl-NL" sz="2000" dirty="0">
-                <a:latin typeface="Consolas" panose="020B0609020204030204" pitchFamily="49" charset="0"/>
-                <a:cs typeface="Consolas" panose="020B0609020204030204" pitchFamily="49" charset="0"/>
-              </a:rPr>
-              <a:t> </a:t>
-            </a:r>
-            <a:r>
-              <a:rPr lang="nl-NL" sz="2000" dirty="0" smtClean="0">
+              <a:rPr lang="nl-NL" sz="1700" dirty="0" smtClean="0">
                 <a:latin typeface="Consolas" panose="020B0609020204030204" pitchFamily="49" charset="0"/>
                 <a:cs typeface="Consolas" panose="020B0609020204030204" pitchFamily="49" charset="0"/>
               </a:rPr>
               <a:t>};</a:t>
             </a:r>
-            <a:endParaRPr lang="nl-NL" sz="2000" dirty="0">
+            <a:br>
+              <a:rPr lang="nl-NL" sz="1700" dirty="0" smtClean="0">
+                <a:latin typeface="Consolas" panose="020B0609020204030204" pitchFamily="49" charset="0"/>
+                <a:cs typeface="Consolas" panose="020B0609020204030204" pitchFamily="49" charset="0"/>
+              </a:rPr>
+            </a:br>
+            <a:endParaRPr lang="nl-NL" sz="1700" dirty="0" smtClean="0">
               <a:latin typeface="Consolas" panose="020B0609020204030204" pitchFamily="49" charset="0"/>
               <a:cs typeface="Consolas" panose="020B0609020204030204" pitchFamily="49" charset="0"/>
             </a:endParaRPr>
@@ -4136,20 +4122,12 @@
           <a:lstStyle/>
           <a:p>
             <a:r>
-              <a:rPr lang="nl-NL" sz="2800" dirty="0" err="1" smtClean="0"/>
-              <a:t>Implement</a:t>
-            </a:r>
-            <a:r>
               <a:rPr lang="nl-NL" sz="2800" dirty="0" smtClean="0"/>
-              <a:t> </a:t>
-            </a:r>
-            <a:r>
-              <a:rPr lang="nl-NL" sz="2800" dirty="0" err="1" smtClean="0"/>
-              <a:t>grpc</a:t>
+              <a:t>Implement grpc code vervolg .. </a:t>
             </a:r>
             <a:r>
               <a:rPr lang="nl-NL" sz="2800" dirty="0" smtClean="0"/>
-              <a:t> code vervolg .. 4</a:t>
+              <a:t>3b (client)</a:t>
             </a:r>
             <a:endParaRPr lang="nl-NL" sz="2800" dirty="0"/>
           </a:p>
@@ -4170,15 +4148,25 @@
             <a:off x="467544" y="908720"/>
             <a:ext cx="8424936" cy="5688632"/>
           </a:xfrm>
-          <a:ln>
-            <a:solidFill>
-              <a:schemeClr val="tx1"/>
-            </a:solidFill>
-          </a:ln>
+          <a:ln/>
         </p:spPr>
+        <p:style>
+          <a:lnRef idx="2">
+            <a:schemeClr val="accent1"/>
+          </a:lnRef>
+          <a:fillRef idx="1">
+            <a:schemeClr val="lt1"/>
+          </a:fillRef>
+          <a:effectRef idx="0">
+            <a:schemeClr val="accent1"/>
+          </a:effectRef>
+          <a:fontRef idx="minor">
+            <a:schemeClr val="dk1"/>
+          </a:fontRef>
+        </p:style>
         <p:txBody>
           <a:bodyPr>
-            <a:normAutofit fontScale="77500" lnSpcReduction="20000"/>
+            <a:normAutofit lnSpcReduction="10000"/>
           </a:bodyPr>
           <a:lstStyle/>
           <a:p>
@@ -4186,31 +4174,15 @@
               <a:buNone/>
             </a:pPr>
             <a:r>
-              <a:rPr lang="nl-NL" sz="2400" dirty="0" smtClean="0">
-                <a:solidFill>
-                  <a:schemeClr val="tx2"/>
-                </a:solidFill>
-              </a:rPr>
-              <a:t>S</a:t>
-            </a:r>
-            <a:r>
-              <a:rPr lang="nl-NL" sz="2400" dirty="0">
-                <a:solidFill>
-                  <a:schemeClr val="tx2"/>
-                </a:solidFill>
-              </a:rPr>
-              <a:t>erve</a:t>
-            </a:r>
-            <a:r>
-              <a:rPr lang="nl-NL" sz="2400" dirty="0" smtClean="0">
-                <a:solidFill>
-                  <a:schemeClr val="tx2"/>
-                </a:solidFill>
-              </a:rPr>
-              <a:t>r, </a:t>
-            </a:r>
-            <a:r>
-              <a:rPr lang="nl-NL" sz="2400" dirty="0" err="1" smtClean="0">
+              <a:rPr lang="nl-NL" sz="2000" dirty="0" smtClean="0">
+                <a:solidFill>
+                  <a:schemeClr val="tx2"/>
+                </a:solidFill>
+              </a:rPr>
+              <a:t>Server, </a:t>
+            </a:r>
+            <a:r>
+              <a:rPr lang="nl-NL" sz="2000" dirty="0" err="1" smtClean="0">
                 <a:solidFill>
                   <a:schemeClr val="tx2"/>
                 </a:solidFill>
@@ -4218,7 +4190,7 @@
               <a:t>implement</a:t>
             </a:r>
             <a:r>
-              <a:rPr lang="nl-NL" sz="2400" dirty="0" smtClean="0">
+              <a:rPr lang="nl-NL" sz="2000" dirty="0" smtClean="0">
                 <a:solidFill>
                   <a:schemeClr val="tx2"/>
                 </a:solidFill>
@@ -4236,10 +4208,10 @@
                   <a:schemeClr val="tx2"/>
                 </a:solidFill>
               </a:rPr>
-              <a:t>Voorbeeld: </a:t>
-            </a:r>
-            <a:r>
-              <a:rPr lang="en-US" sz="2400" dirty="0" err="1">
+              <a:t>Voorbeeld:  </a:t>
+            </a:r>
+            <a:r>
+              <a:rPr lang="en-US" sz="2000" dirty="0" err="1">
                 <a:solidFill>
                   <a:schemeClr val="tx2"/>
                 </a:solidFill>
@@ -4247,7 +4219,7 @@
               <a:t>rpc</a:t>
             </a:r>
             <a:r>
-              <a:rPr lang="en-US" sz="2400" dirty="0">
+              <a:rPr lang="en-US" sz="2000" dirty="0">
                 <a:solidFill>
                   <a:schemeClr val="tx2"/>
                 </a:solidFill>
@@ -4255,54 +4227,38 @@
               <a:t> </a:t>
             </a:r>
             <a:r>
-              <a:rPr lang="en-US" sz="2400" dirty="0" err="1">
-                <a:solidFill>
-                  <a:schemeClr val="tx2"/>
-                </a:solidFill>
-              </a:rPr>
-              <a:t>RouteChat</a:t>
-            </a:r>
-            <a:r>
-              <a:rPr lang="en-US" sz="2400" dirty="0">
-                <a:solidFill>
-                  <a:schemeClr val="tx2"/>
-                </a:solidFill>
-              </a:rPr>
-              <a:t>(stream </a:t>
-            </a:r>
-            <a:r>
-              <a:rPr lang="en-US" sz="2400" dirty="0" err="1">
-                <a:solidFill>
-                  <a:schemeClr val="tx2"/>
-                </a:solidFill>
-              </a:rPr>
-              <a:t>RouteNote</a:t>
-            </a:r>
-            <a:r>
-              <a:rPr lang="en-US" sz="2400" dirty="0">
-                <a:solidFill>
-                  <a:schemeClr val="tx2"/>
-                </a:solidFill>
-              </a:rPr>
-              <a:t>) returns (stream </a:t>
-            </a:r>
-            <a:r>
-              <a:rPr lang="en-US" sz="2400" dirty="0" err="1">
-                <a:solidFill>
-                  <a:schemeClr val="tx2"/>
-                </a:solidFill>
-              </a:rPr>
-              <a:t>RouteNote</a:t>
-            </a:r>
-            <a:r>
-              <a:rPr lang="en-US" sz="2400" dirty="0">
+              <a:rPr lang="en-US" sz="2000" dirty="0" err="1">
+                <a:solidFill>
+                  <a:schemeClr val="tx2"/>
+                </a:solidFill>
+              </a:rPr>
+              <a:t>RecordRoute</a:t>
+            </a:r>
+            <a:r>
+              <a:rPr lang="en-US" sz="2000" dirty="0">
+                <a:solidFill>
+                  <a:schemeClr val="tx2"/>
+                </a:solidFill>
+              </a:rPr>
+              <a:t>(stream Point) returns (</a:t>
+            </a:r>
+            <a:r>
+              <a:rPr lang="en-US" sz="2000" dirty="0" err="1">
+                <a:solidFill>
+                  <a:schemeClr val="tx2"/>
+                </a:solidFill>
+              </a:rPr>
+              <a:t>RouteSummary</a:t>
+            </a:r>
+            <a:r>
+              <a:rPr lang="en-US" sz="2000" dirty="0">
                 <a:solidFill>
                   <a:schemeClr val="tx2"/>
                 </a:solidFill>
               </a:rPr>
               <a:t>) {}</a:t>
             </a:r>
-            <a:endParaRPr lang="nl-NL" sz="2400" dirty="0">
+            <a:endParaRPr lang="nl-NL" sz="2000" dirty="0">
               <a:solidFill>
                 <a:schemeClr val="tx2"/>
               </a:solidFill>
@@ -4312,7 +4268,60 @@
             <a:pPr marL="0" indent="0">
               <a:buNone/>
             </a:pPr>
-            <a:endParaRPr lang="nl-NL" sz="2000" dirty="0" smtClean="0">
+            <a:r>
+              <a:rPr lang="en-US" sz="1600" dirty="0" smtClean="0">
+                <a:latin typeface="Consolas" panose="020B0609020204030204" pitchFamily="49" charset="0"/>
+                <a:cs typeface="Consolas" panose="020B0609020204030204" pitchFamily="49" charset="0"/>
+              </a:rPr>
+              <a:t/>
+            </a:r>
+            <a:br>
+              <a:rPr lang="en-US" sz="1600" dirty="0" smtClean="0">
+                <a:latin typeface="Consolas" panose="020B0609020204030204" pitchFamily="49" charset="0"/>
+                <a:cs typeface="Consolas" panose="020B0609020204030204" pitchFamily="49" charset="0"/>
+              </a:rPr>
+            </a:br>
+            <a:r>
+              <a:rPr lang="nl-NL" sz="1400" dirty="0" smtClean="0">
+                <a:latin typeface="Consolas" panose="020B0609020204030204" pitchFamily="49" charset="0"/>
+                <a:cs typeface="Consolas" panose="020B0609020204030204" pitchFamily="49" charset="0"/>
+              </a:rPr>
+              <a:t>StreamObserver&lt;Point</a:t>
+            </a:r>
+            <a:r>
+              <a:rPr lang="nl-NL" sz="1400" dirty="0">
+                <a:latin typeface="Consolas" panose="020B0609020204030204" pitchFamily="49" charset="0"/>
+                <a:cs typeface="Consolas" panose="020B0609020204030204" pitchFamily="49" charset="0"/>
+              </a:rPr>
+              <a:t>&gt; </a:t>
+            </a:r>
+            <a:r>
+              <a:rPr lang="nl-NL" sz="1400" dirty="0" smtClean="0">
+                <a:latin typeface="Consolas" panose="020B0609020204030204" pitchFamily="49" charset="0"/>
+                <a:cs typeface="Consolas" panose="020B0609020204030204" pitchFamily="49" charset="0"/>
+              </a:rPr>
+              <a:t>reqObserver </a:t>
+            </a:r>
+            <a:r>
+              <a:rPr lang="nl-NL" sz="1400" dirty="0">
+                <a:latin typeface="Consolas" panose="020B0609020204030204" pitchFamily="49" charset="0"/>
+                <a:cs typeface="Consolas" panose="020B0609020204030204" pitchFamily="49" charset="0"/>
+              </a:rPr>
+              <a:t>= </a:t>
+            </a:r>
+            <a:r>
+              <a:rPr lang="nl-NL" sz="1400" dirty="0" smtClean="0">
+                <a:latin typeface="Consolas" panose="020B0609020204030204" pitchFamily="49" charset="0"/>
+                <a:cs typeface="Consolas" panose="020B0609020204030204" pitchFamily="49" charset="0"/>
+              </a:rPr>
+              <a:t>asyncStub.recordRoute(respObserver);</a:t>
+            </a:r>
+          </a:p>
+          <a:p>
+            <a:pPr marL="0" indent="0">
+              <a:buNone/>
+            </a:pPr>
+            <a:endParaRPr lang="nl-NL" sz="1400" dirty="0" smtClean="0">
               <a:latin typeface="Consolas" panose="020B0609020204030204" pitchFamily="49" charset="0"/>
               <a:cs typeface="Consolas" panose="020B0609020204030204" pitchFamily="49" charset="0"/>
             </a:endParaRPr>
@@ -4322,116 +4331,66 @@
               <a:buNone/>
             </a:pPr>
             <a:r>
-              <a:rPr lang="en-US" sz="2000" dirty="0">
-                <a:latin typeface="Consolas" panose="020B0609020204030204" pitchFamily="49" charset="0"/>
-                <a:cs typeface="Consolas" panose="020B0609020204030204" pitchFamily="49" charset="0"/>
-              </a:rPr>
-              <a:t>public </a:t>
-            </a:r>
-            <a:r>
-              <a:rPr lang="en-US" sz="2000" dirty="0" err="1">
-                <a:latin typeface="Consolas" panose="020B0609020204030204" pitchFamily="49" charset="0"/>
-                <a:cs typeface="Consolas" panose="020B0609020204030204" pitchFamily="49" charset="0"/>
-              </a:rPr>
-              <a:t>StreamObserver</a:t>
-            </a:r>
-            <a:r>
-              <a:rPr lang="en-US" sz="2000" dirty="0">
-                <a:latin typeface="Consolas" panose="020B0609020204030204" pitchFamily="49" charset="0"/>
-                <a:cs typeface="Consolas" panose="020B0609020204030204" pitchFamily="49" charset="0"/>
-              </a:rPr>
-              <a:t>&lt;</a:t>
-            </a:r>
-            <a:r>
-              <a:rPr lang="en-US" sz="2000" dirty="0" err="1">
-                <a:latin typeface="Consolas" panose="020B0609020204030204" pitchFamily="49" charset="0"/>
-                <a:cs typeface="Consolas" panose="020B0609020204030204" pitchFamily="49" charset="0"/>
-              </a:rPr>
-              <a:t>RouteNote</a:t>
-            </a:r>
-            <a:r>
-              <a:rPr lang="en-US" sz="2000" dirty="0">
-                <a:latin typeface="Consolas" panose="020B0609020204030204" pitchFamily="49" charset="0"/>
-                <a:cs typeface="Consolas" panose="020B0609020204030204" pitchFamily="49" charset="0"/>
-              </a:rPr>
-              <a:t>&gt; </a:t>
-            </a:r>
-            <a:r>
-              <a:rPr lang="en-US" sz="2000" dirty="0" err="1" smtClean="0">
-                <a:latin typeface="Consolas" panose="020B0609020204030204" pitchFamily="49" charset="0"/>
-                <a:cs typeface="Consolas" panose="020B0609020204030204" pitchFamily="49" charset="0"/>
-              </a:rPr>
-              <a:t>routeChat</a:t>
-            </a:r>
-            <a:r>
-              <a:rPr lang="en-US" sz="2000" dirty="0" smtClean="0">
-                <a:latin typeface="Consolas" panose="020B0609020204030204" pitchFamily="49" charset="0"/>
-                <a:cs typeface="Consolas" panose="020B0609020204030204" pitchFamily="49" charset="0"/>
-              </a:rPr>
-              <a:t>(</a:t>
-            </a:r>
-            <a:r>
-              <a:rPr lang="en-US" sz="2000" dirty="0" err="1" smtClean="0">
-                <a:latin typeface="Consolas" panose="020B0609020204030204" pitchFamily="49" charset="0"/>
-                <a:cs typeface="Consolas" panose="020B0609020204030204" pitchFamily="49" charset="0"/>
-              </a:rPr>
-              <a:t>StreamObserver</a:t>
-            </a:r>
-            <a:r>
-              <a:rPr lang="en-US" sz="2000" dirty="0" smtClean="0">
-                <a:latin typeface="Consolas" panose="020B0609020204030204" pitchFamily="49" charset="0"/>
-                <a:cs typeface="Consolas" panose="020B0609020204030204" pitchFamily="49" charset="0"/>
-              </a:rPr>
-              <a:t>&lt;</a:t>
-            </a:r>
-            <a:r>
-              <a:rPr lang="en-US" sz="2000" dirty="0" err="1" smtClean="0">
-                <a:latin typeface="Consolas" panose="020B0609020204030204" pitchFamily="49" charset="0"/>
-                <a:cs typeface="Consolas" panose="020B0609020204030204" pitchFamily="49" charset="0"/>
-              </a:rPr>
-              <a:t>RouteNote</a:t>
-            </a:r>
-            <a:r>
-              <a:rPr lang="en-US" sz="2000" dirty="0" smtClean="0">
-                <a:latin typeface="Consolas" panose="020B0609020204030204" pitchFamily="49" charset="0"/>
-                <a:cs typeface="Consolas" panose="020B0609020204030204" pitchFamily="49" charset="0"/>
-              </a:rPr>
-              <a:t>&gt;</a:t>
-            </a:r>
-          </a:p>
-          <a:p>
-            <a:pPr marL="0" indent="0">
-              <a:buNone/>
-            </a:pPr>
-            <a:r>
-              <a:rPr lang="en-US" sz="2000" dirty="0">
-                <a:latin typeface="Consolas" panose="020B0609020204030204" pitchFamily="49" charset="0"/>
-                <a:cs typeface="Consolas" panose="020B0609020204030204" pitchFamily="49" charset="0"/>
-              </a:rPr>
-              <a:t>	</a:t>
-            </a:r>
-            <a:r>
-              <a:rPr lang="en-US" sz="2000" dirty="0" smtClean="0">
-                <a:latin typeface="Consolas" panose="020B0609020204030204" pitchFamily="49" charset="0"/>
-                <a:cs typeface="Consolas" panose="020B0609020204030204" pitchFamily="49" charset="0"/>
-              </a:rPr>
-              <a:t>  </a:t>
-            </a:r>
-            <a:r>
-              <a:rPr lang="en-US" sz="2000" dirty="0" err="1" smtClean="0">
-                <a:latin typeface="Consolas" panose="020B0609020204030204" pitchFamily="49" charset="0"/>
-                <a:cs typeface="Consolas" panose="020B0609020204030204" pitchFamily="49" charset="0"/>
-              </a:rPr>
-              <a:t>responseObserver</a:t>
-            </a:r>
-            <a:r>
-              <a:rPr lang="en-US" sz="2000" dirty="0">
-                <a:latin typeface="Consolas" panose="020B0609020204030204" pitchFamily="49" charset="0"/>
-                <a:cs typeface="Consolas" panose="020B0609020204030204" pitchFamily="49" charset="0"/>
-              </a:rPr>
-              <a:t>) </a:t>
-            </a:r>
-            <a:endParaRPr lang="en-US" sz="2000" dirty="0" smtClean="0">
+              <a:rPr lang="nl-NL" sz="1400" dirty="0">
+                <a:latin typeface="Consolas" panose="020B0609020204030204" pitchFamily="49" charset="0"/>
+                <a:cs typeface="Consolas" panose="020B0609020204030204" pitchFamily="49" charset="0"/>
+              </a:rPr>
+              <a:t>StreamObserver&lt;RouteSummary&gt; responseObserver = new StreamObserver&lt;RouteSummary&gt;() {</a:t>
+            </a:r>
+          </a:p>
+          <a:p>
+            <a:pPr marL="0" indent="0">
+              <a:buNone/>
+            </a:pPr>
+            <a:r>
+              <a:rPr lang="nl-NL" sz="1400" dirty="0">
+                <a:latin typeface="Consolas" panose="020B0609020204030204" pitchFamily="49" charset="0"/>
+                <a:cs typeface="Consolas" panose="020B0609020204030204" pitchFamily="49" charset="0"/>
+              </a:rPr>
+              <a:t>    @Override</a:t>
+            </a:r>
+          </a:p>
+          <a:p>
+            <a:pPr marL="0" indent="0">
+              <a:buNone/>
+            </a:pPr>
+            <a:r>
+              <a:rPr lang="nl-NL" sz="1400" dirty="0">
+                <a:latin typeface="Consolas" panose="020B0609020204030204" pitchFamily="49" charset="0"/>
+                <a:cs typeface="Consolas" panose="020B0609020204030204" pitchFamily="49" charset="0"/>
+              </a:rPr>
+              <a:t>    public void onNext(RouteSummary summary) {</a:t>
+            </a:r>
+          </a:p>
+          <a:p>
+            <a:pPr marL="0" indent="0">
+              <a:buNone/>
+            </a:pPr>
+            <a:r>
+              <a:rPr lang="nl-NL" sz="1400" dirty="0">
+                <a:latin typeface="Consolas" panose="020B0609020204030204" pitchFamily="49" charset="0"/>
+                <a:cs typeface="Consolas" panose="020B0609020204030204" pitchFamily="49" charset="0"/>
+              </a:rPr>
+              <a:t>		//doe iets met summary</a:t>
+            </a:r>
+          </a:p>
+          <a:p>
+            <a:pPr marL="0" indent="0">
+              <a:buNone/>
+            </a:pPr>
+            <a:r>
+              <a:rPr lang="nl-NL" sz="1400" dirty="0">
+                <a:latin typeface="Consolas" panose="020B0609020204030204" pitchFamily="49" charset="0"/>
+                <a:cs typeface="Consolas" panose="020B0609020204030204" pitchFamily="49" charset="0"/>
+              </a:rPr>
+              <a:t>    }</a:t>
+            </a:r>
+          </a:p>
+          <a:p>
+            <a:pPr marL="0" indent="0">
+              <a:buNone/>
+            </a:pPr>
+            <a:endParaRPr lang="nl-NL" sz="1400" dirty="0">
               <a:latin typeface="Consolas" panose="020B0609020204030204" pitchFamily="49" charset="0"/>
               <a:cs typeface="Consolas" panose="020B0609020204030204" pitchFamily="49" charset="0"/>
             </a:endParaRPr>
@@ -4441,94 +4400,42 @@
               <a:buNone/>
             </a:pPr>
             <a:r>
-              <a:rPr lang="en-US" sz="1800" b="1" dirty="0" smtClean="0"/>
-              <a:t>{</a:t>
-            </a:r>
-          </a:p>
-          <a:p>
-            <a:pPr marL="0" indent="0">
-              <a:buNone/>
-            </a:pPr>
-            <a:r>
-              <a:rPr lang="en-US" sz="1800" b="1" dirty="0">
-                <a:latin typeface="Consolas" panose="020B0609020204030204" pitchFamily="49" charset="0"/>
-                <a:cs typeface="Consolas" panose="020B0609020204030204" pitchFamily="49" charset="0"/>
-              </a:rPr>
-              <a:t> </a:t>
-            </a:r>
-            <a:r>
-              <a:rPr lang="en-US" sz="1800" b="1" dirty="0" smtClean="0">
-                <a:latin typeface="Consolas" panose="020B0609020204030204" pitchFamily="49" charset="0"/>
-                <a:cs typeface="Consolas" panose="020B0609020204030204" pitchFamily="49" charset="0"/>
-              </a:rPr>
-              <a:t> </a:t>
-            </a:r>
-            <a:r>
-              <a:rPr lang="nl-NL" sz="2000" dirty="0" smtClean="0">
-                <a:latin typeface="Consolas" panose="020B0609020204030204" pitchFamily="49" charset="0"/>
-                <a:cs typeface="Consolas" panose="020B0609020204030204" pitchFamily="49" charset="0"/>
-              </a:rPr>
-              <a:t>return </a:t>
-            </a:r>
-            <a:r>
-              <a:rPr lang="nl-NL" sz="2000" dirty="0">
-                <a:latin typeface="Consolas" panose="020B0609020204030204" pitchFamily="49" charset="0"/>
-                <a:cs typeface="Consolas" panose="020B0609020204030204" pitchFamily="49" charset="0"/>
-              </a:rPr>
-              <a:t>new </a:t>
-            </a:r>
-            <a:r>
-              <a:rPr lang="nl-NL" sz="2000" dirty="0" err="1" smtClean="0">
-                <a:latin typeface="Consolas" panose="020B0609020204030204" pitchFamily="49" charset="0"/>
-                <a:cs typeface="Consolas" panose="020B0609020204030204" pitchFamily="49" charset="0"/>
-              </a:rPr>
-              <a:t>StreamObserver</a:t>
-            </a:r>
-            <a:r>
-              <a:rPr lang="nl-NL" sz="2000" dirty="0" smtClean="0">
-                <a:latin typeface="Consolas" panose="020B0609020204030204" pitchFamily="49" charset="0"/>
-                <a:cs typeface="Consolas" panose="020B0609020204030204" pitchFamily="49" charset="0"/>
-              </a:rPr>
-              <a:t>&lt;</a:t>
-            </a:r>
-            <a:r>
-              <a:rPr lang="en-US" sz="2000" dirty="0" err="1" smtClean="0"/>
-              <a:t>RouteNote</a:t>
-            </a:r>
-            <a:r>
-              <a:rPr lang="nl-NL" sz="2000" dirty="0" smtClean="0">
-                <a:latin typeface="Consolas" panose="020B0609020204030204" pitchFamily="49" charset="0"/>
-                <a:cs typeface="Consolas" panose="020B0609020204030204" pitchFamily="49" charset="0"/>
-              </a:rPr>
-              <a:t>&gt;() </a:t>
-            </a:r>
-            <a:r>
-              <a:rPr lang="nl-NL" sz="2000" dirty="0">
-                <a:latin typeface="Consolas" panose="020B0609020204030204" pitchFamily="49" charset="0"/>
-                <a:cs typeface="Consolas" panose="020B0609020204030204" pitchFamily="49" charset="0"/>
-              </a:rPr>
-              <a:t>{</a:t>
-            </a:r>
-          </a:p>
-          <a:p>
-            <a:pPr marL="0" indent="0">
-              <a:buNone/>
-            </a:pPr>
-            <a:r>
-              <a:rPr lang="nl-NL" sz="2000" dirty="0">
-                <a:latin typeface="Consolas" panose="020B0609020204030204" pitchFamily="49" charset="0"/>
-                <a:cs typeface="Consolas" panose="020B0609020204030204" pitchFamily="49" charset="0"/>
-              </a:rPr>
-              <a:t>  @</a:t>
-            </a:r>
-            <a:r>
-              <a:rPr lang="nl-NL" sz="2000" dirty="0" err="1">
-                <a:latin typeface="Consolas" panose="020B0609020204030204" pitchFamily="49" charset="0"/>
-                <a:cs typeface="Consolas" panose="020B0609020204030204" pitchFamily="49" charset="0"/>
-              </a:rPr>
-              <a:t>Override</a:t>
-            </a:r>
-            <a:endParaRPr lang="nl-NL" sz="2000" dirty="0">
+              <a:rPr lang="nl-NL" sz="1400" dirty="0">
+                <a:latin typeface="Consolas" panose="020B0609020204030204" pitchFamily="49" charset="0"/>
+                <a:cs typeface="Consolas" panose="020B0609020204030204" pitchFamily="49" charset="0"/>
+              </a:rPr>
+              <a:t>    @Override</a:t>
+            </a:r>
+          </a:p>
+          <a:p>
+            <a:pPr marL="0" indent="0">
+              <a:buNone/>
+            </a:pPr>
+            <a:r>
+              <a:rPr lang="nl-NL" sz="1400" dirty="0">
+                <a:latin typeface="Consolas" panose="020B0609020204030204" pitchFamily="49" charset="0"/>
+                <a:cs typeface="Consolas" panose="020B0609020204030204" pitchFamily="49" charset="0"/>
+              </a:rPr>
+              <a:t>    public void onError(Throwable t) {</a:t>
+            </a:r>
+          </a:p>
+          <a:p>
+            <a:pPr marL="0" indent="0">
+              <a:buNone/>
+            </a:pPr>
+            <a:r>
+              <a:rPr lang="nl-NL" sz="1400" dirty="0">
+                <a:latin typeface="Consolas" panose="020B0609020204030204" pitchFamily="49" charset="0"/>
+                <a:cs typeface="Consolas" panose="020B0609020204030204" pitchFamily="49" charset="0"/>
+              </a:rPr>
+              <a:t>    }</a:t>
+            </a:r>
+          </a:p>
+          <a:p>
+            <a:pPr marL="0" indent="0">
+              <a:buNone/>
+            </a:pPr>
+            <a:endParaRPr lang="nl-NL" sz="1400" dirty="0">
               <a:latin typeface="Consolas" panose="020B0609020204030204" pitchFamily="49" charset="0"/>
               <a:cs typeface="Consolas" panose="020B0609020204030204" pitchFamily="49" charset="0"/>
             </a:endParaRPr>
@@ -4538,371 +4445,83 @@
               <a:buNone/>
             </a:pPr>
             <a:r>
-              <a:rPr lang="nl-NL" sz="2000" dirty="0">
-                <a:latin typeface="Consolas" panose="020B0609020204030204" pitchFamily="49" charset="0"/>
-                <a:cs typeface="Consolas" panose="020B0609020204030204" pitchFamily="49" charset="0"/>
-              </a:rPr>
-              <a:t>  public </a:t>
-            </a:r>
-            <a:r>
-              <a:rPr lang="nl-NL" sz="2000" dirty="0" err="1">
-                <a:latin typeface="Consolas" panose="020B0609020204030204" pitchFamily="49" charset="0"/>
-                <a:cs typeface="Consolas" panose="020B0609020204030204" pitchFamily="49" charset="0"/>
-              </a:rPr>
-              <a:t>void</a:t>
-            </a:r>
-            <a:r>
-              <a:rPr lang="nl-NL" sz="2000" dirty="0">
-                <a:latin typeface="Consolas" panose="020B0609020204030204" pitchFamily="49" charset="0"/>
-                <a:cs typeface="Consolas" panose="020B0609020204030204" pitchFamily="49" charset="0"/>
-              </a:rPr>
-              <a:t> </a:t>
-            </a:r>
-            <a:r>
-              <a:rPr lang="nl-NL" sz="2000" dirty="0" err="1" smtClean="0">
-                <a:latin typeface="Consolas" panose="020B0609020204030204" pitchFamily="49" charset="0"/>
-                <a:cs typeface="Consolas" panose="020B0609020204030204" pitchFamily="49" charset="0"/>
-              </a:rPr>
-              <a:t>onNext</a:t>
-            </a:r>
-            <a:r>
-              <a:rPr lang="nl-NL" sz="2000" dirty="0" smtClean="0">
-                <a:latin typeface="Consolas" panose="020B0609020204030204" pitchFamily="49" charset="0"/>
-                <a:cs typeface="Consolas" panose="020B0609020204030204" pitchFamily="49" charset="0"/>
-              </a:rPr>
-              <a:t>(</a:t>
-            </a:r>
-            <a:r>
-              <a:rPr lang="en-US" sz="2000" dirty="0" err="1"/>
-              <a:t>RouteNote</a:t>
-            </a:r>
-            <a:r>
-              <a:rPr lang="en-US" sz="2000" dirty="0"/>
-              <a:t> </a:t>
-            </a:r>
-            <a:r>
-              <a:rPr lang="nl-NL" sz="2000" dirty="0" err="1" smtClean="0">
-                <a:latin typeface="Consolas" panose="020B0609020204030204" pitchFamily="49" charset="0"/>
-                <a:cs typeface="Consolas" panose="020B0609020204030204" pitchFamily="49" charset="0"/>
-              </a:rPr>
-              <a:t>note</a:t>
-            </a:r>
-            <a:r>
-              <a:rPr lang="nl-NL" sz="2000" dirty="0">
-                <a:latin typeface="Consolas" panose="020B0609020204030204" pitchFamily="49" charset="0"/>
-                <a:cs typeface="Consolas" panose="020B0609020204030204" pitchFamily="49" charset="0"/>
-              </a:rPr>
-              <a:t>) {</a:t>
-            </a:r>
-          </a:p>
-          <a:p>
-            <a:pPr marL="0" indent="0">
-              <a:buNone/>
-            </a:pPr>
-            <a:r>
-              <a:rPr lang="nl-NL" sz="2000" dirty="0">
-                <a:latin typeface="Consolas" panose="020B0609020204030204" pitchFamily="49" charset="0"/>
-                <a:cs typeface="Consolas" panose="020B0609020204030204" pitchFamily="49" charset="0"/>
-              </a:rPr>
-              <a:t>      ...</a:t>
-            </a:r>
-          </a:p>
-          <a:p>
-            <a:pPr marL="0" indent="0">
-              <a:buNone/>
-            </a:pPr>
-            <a:r>
-              <a:rPr lang="nl-NL" sz="2000" dirty="0">
-                <a:latin typeface="Consolas" panose="020B0609020204030204" pitchFamily="49" charset="0"/>
-                <a:cs typeface="Consolas" panose="020B0609020204030204" pitchFamily="49" charset="0"/>
-              </a:rPr>
-              <a:t>      </a:t>
-            </a:r>
-            <a:r>
-              <a:rPr lang="nl-NL" sz="2000" dirty="0" err="1" smtClean="0">
-                <a:latin typeface="Consolas" panose="020B0609020204030204" pitchFamily="49" charset="0"/>
-                <a:cs typeface="Consolas" panose="020B0609020204030204" pitchFamily="49" charset="0"/>
-              </a:rPr>
-              <a:t>responseObserver.onNext</a:t>
-            </a:r>
-            <a:r>
-              <a:rPr lang="nl-NL" sz="2000" dirty="0" smtClean="0">
-                <a:latin typeface="Consolas" panose="020B0609020204030204" pitchFamily="49" charset="0"/>
-                <a:cs typeface="Consolas" panose="020B0609020204030204" pitchFamily="49" charset="0"/>
-              </a:rPr>
-              <a:t>(</a:t>
-            </a:r>
-            <a:r>
-              <a:rPr lang="nl-NL" sz="2000" dirty="0" err="1" smtClean="0">
-                <a:latin typeface="Consolas" panose="020B0609020204030204" pitchFamily="49" charset="0"/>
-                <a:cs typeface="Consolas" panose="020B0609020204030204" pitchFamily="49" charset="0"/>
-              </a:rPr>
-              <a:t>RouteNote</a:t>
-            </a:r>
-            <a:r>
-              <a:rPr lang="nl-NL" sz="2000" dirty="0" smtClean="0">
-                <a:latin typeface="Consolas" panose="020B0609020204030204" pitchFamily="49" charset="0"/>
-                <a:cs typeface="Consolas" panose="020B0609020204030204" pitchFamily="49" charset="0"/>
-              </a:rPr>
-              <a:t>..</a:t>
-            </a:r>
-            <a:r>
-              <a:rPr lang="nl-NL" sz="2000" dirty="0" err="1" smtClean="0">
-                <a:latin typeface="Consolas" panose="020B0609020204030204" pitchFamily="49" charset="0"/>
-                <a:cs typeface="Consolas" panose="020B0609020204030204" pitchFamily="49" charset="0"/>
-              </a:rPr>
-              <a:t>build</a:t>
-            </a:r>
-            <a:r>
-              <a:rPr lang="nl-NL" sz="2000" dirty="0" smtClean="0">
-                <a:latin typeface="Consolas" panose="020B0609020204030204" pitchFamily="49" charset="0"/>
-                <a:cs typeface="Consolas" panose="020B0609020204030204" pitchFamily="49" charset="0"/>
-              </a:rPr>
-              <a:t>());</a:t>
-            </a:r>
-            <a:endParaRPr lang="nl-NL" sz="2000" dirty="0">
+              <a:rPr lang="nl-NL" sz="1400" dirty="0">
+                <a:latin typeface="Consolas" panose="020B0609020204030204" pitchFamily="49" charset="0"/>
+                <a:cs typeface="Consolas" panose="020B0609020204030204" pitchFamily="49" charset="0"/>
+              </a:rPr>
+              <a:t>    @Override</a:t>
+            </a:r>
+          </a:p>
+          <a:p>
+            <a:pPr marL="0" indent="0">
+              <a:buNone/>
+            </a:pPr>
+            <a:r>
+              <a:rPr lang="nl-NL" sz="1400" dirty="0">
+                <a:latin typeface="Consolas" panose="020B0609020204030204" pitchFamily="49" charset="0"/>
+                <a:cs typeface="Consolas" panose="020B0609020204030204" pitchFamily="49" charset="0"/>
+              </a:rPr>
+              <a:t>    public void onCompleted() {</a:t>
+            </a:r>
+          </a:p>
+          <a:p>
+            <a:pPr marL="0" indent="0">
+              <a:buNone/>
+            </a:pPr>
+            <a:r>
+              <a:rPr lang="nl-NL" sz="1400" dirty="0">
+                <a:latin typeface="Consolas" panose="020B0609020204030204" pitchFamily="49" charset="0"/>
+                <a:cs typeface="Consolas" panose="020B0609020204030204" pitchFamily="49" charset="0"/>
+              </a:rPr>
+              <a:t>      info("Finished RecordRoute");</a:t>
+            </a:r>
+          </a:p>
+          <a:p>
+            <a:pPr marL="0" indent="0">
+              <a:buNone/>
+            </a:pPr>
+            <a:r>
+              <a:rPr lang="nl-NL" sz="1400" dirty="0">
+                <a:latin typeface="Consolas" panose="020B0609020204030204" pitchFamily="49" charset="0"/>
+                <a:cs typeface="Consolas" panose="020B0609020204030204" pitchFamily="49" charset="0"/>
+              </a:rPr>
+              <a:t>      finishLatch.countDown();</a:t>
+            </a:r>
+          </a:p>
+          <a:p>
+            <a:pPr marL="0" indent="0">
+              <a:buNone/>
+            </a:pPr>
+            <a:r>
+              <a:rPr lang="nl-NL" sz="1400" dirty="0">
+                <a:latin typeface="Consolas" panose="020B0609020204030204" pitchFamily="49" charset="0"/>
+                <a:cs typeface="Consolas" panose="020B0609020204030204" pitchFamily="49" charset="0"/>
+              </a:rPr>
+              <a:t>    }</a:t>
+            </a:r>
+          </a:p>
+          <a:p>
+            <a:pPr marL="0" indent="0">
+              <a:buNone/>
+            </a:pPr>
+            <a:r>
+              <a:rPr lang="nl-NL" sz="1400" dirty="0">
+                <a:latin typeface="Consolas" panose="020B0609020204030204" pitchFamily="49" charset="0"/>
+                <a:cs typeface="Consolas" panose="020B0609020204030204" pitchFamily="49" charset="0"/>
+              </a:rPr>
+              <a:t>};</a:t>
+            </a:r>
+            <a:endParaRPr lang="nl-NL" sz="1400" dirty="0">
               <a:latin typeface="Consolas" panose="020B0609020204030204" pitchFamily="49" charset="0"/>
               <a:cs typeface="Consolas" panose="020B0609020204030204" pitchFamily="49" charset="0"/>
             </a:endParaRPr>
           </a:p>
-          <a:p>
-            <a:pPr marL="0" indent="0">
-              <a:buNone/>
-            </a:pPr>
-            <a:r>
-              <a:rPr lang="nl-NL" sz="2000" dirty="0">
-                <a:latin typeface="Consolas" panose="020B0609020204030204" pitchFamily="49" charset="0"/>
-                <a:cs typeface="Consolas" panose="020B0609020204030204" pitchFamily="49" charset="0"/>
-              </a:rPr>
-              <a:t>  }</a:t>
-            </a:r>
-          </a:p>
-          <a:p>
-            <a:pPr marL="0" indent="0">
-              <a:buNone/>
-            </a:pPr>
-            <a:endParaRPr lang="nl-NL" sz="2000" dirty="0">
-              <a:latin typeface="Consolas" panose="020B0609020204030204" pitchFamily="49" charset="0"/>
-              <a:cs typeface="Consolas" panose="020B0609020204030204" pitchFamily="49" charset="0"/>
-            </a:endParaRPr>
-          </a:p>
-          <a:p>
-            <a:pPr marL="0" indent="0">
-              <a:buNone/>
-            </a:pPr>
-            <a:r>
-              <a:rPr lang="nl-NL" sz="2000" dirty="0">
-                <a:latin typeface="Consolas" panose="020B0609020204030204" pitchFamily="49" charset="0"/>
-                <a:cs typeface="Consolas" panose="020B0609020204030204" pitchFamily="49" charset="0"/>
-              </a:rPr>
-              <a:t>  @</a:t>
-            </a:r>
-            <a:r>
-              <a:rPr lang="nl-NL" sz="2000" dirty="0" err="1">
-                <a:latin typeface="Consolas" panose="020B0609020204030204" pitchFamily="49" charset="0"/>
-                <a:cs typeface="Consolas" panose="020B0609020204030204" pitchFamily="49" charset="0"/>
-              </a:rPr>
-              <a:t>Override</a:t>
-            </a:r>
-            <a:endParaRPr lang="nl-NL" sz="2000" dirty="0">
-              <a:latin typeface="Consolas" panose="020B0609020204030204" pitchFamily="49" charset="0"/>
-              <a:cs typeface="Consolas" panose="020B0609020204030204" pitchFamily="49" charset="0"/>
-            </a:endParaRPr>
-          </a:p>
-          <a:p>
-            <a:pPr marL="0" indent="0">
-              <a:buNone/>
-            </a:pPr>
-            <a:r>
-              <a:rPr lang="nl-NL" sz="2000" dirty="0">
-                <a:latin typeface="Consolas" panose="020B0609020204030204" pitchFamily="49" charset="0"/>
-                <a:cs typeface="Consolas" panose="020B0609020204030204" pitchFamily="49" charset="0"/>
-              </a:rPr>
-              <a:t>  public </a:t>
-            </a:r>
-            <a:r>
-              <a:rPr lang="nl-NL" sz="2000" dirty="0" err="1">
-                <a:latin typeface="Consolas" panose="020B0609020204030204" pitchFamily="49" charset="0"/>
-                <a:cs typeface="Consolas" panose="020B0609020204030204" pitchFamily="49" charset="0"/>
-              </a:rPr>
-              <a:t>void</a:t>
-            </a:r>
-            <a:r>
-              <a:rPr lang="nl-NL" sz="2000" dirty="0">
-                <a:latin typeface="Consolas" panose="020B0609020204030204" pitchFamily="49" charset="0"/>
-                <a:cs typeface="Consolas" panose="020B0609020204030204" pitchFamily="49" charset="0"/>
-              </a:rPr>
-              <a:t> </a:t>
-            </a:r>
-            <a:r>
-              <a:rPr lang="nl-NL" sz="2000" dirty="0" err="1">
-                <a:latin typeface="Consolas" panose="020B0609020204030204" pitchFamily="49" charset="0"/>
-                <a:cs typeface="Consolas" panose="020B0609020204030204" pitchFamily="49" charset="0"/>
-              </a:rPr>
-              <a:t>onError</a:t>
-            </a:r>
-            <a:r>
-              <a:rPr lang="nl-NL" sz="2000" dirty="0">
-                <a:latin typeface="Consolas" panose="020B0609020204030204" pitchFamily="49" charset="0"/>
-                <a:cs typeface="Consolas" panose="020B0609020204030204" pitchFamily="49" charset="0"/>
-              </a:rPr>
-              <a:t>(</a:t>
-            </a:r>
-            <a:r>
-              <a:rPr lang="nl-NL" sz="2000" dirty="0" err="1">
-                <a:latin typeface="Consolas" panose="020B0609020204030204" pitchFamily="49" charset="0"/>
-                <a:cs typeface="Consolas" panose="020B0609020204030204" pitchFamily="49" charset="0"/>
-              </a:rPr>
-              <a:t>Throwable</a:t>
-            </a:r>
-            <a:r>
-              <a:rPr lang="nl-NL" sz="2000" dirty="0">
-                <a:latin typeface="Consolas" panose="020B0609020204030204" pitchFamily="49" charset="0"/>
-                <a:cs typeface="Consolas" panose="020B0609020204030204" pitchFamily="49" charset="0"/>
-              </a:rPr>
-              <a:t> t) {</a:t>
-            </a:r>
-          </a:p>
-          <a:p>
-            <a:pPr marL="0" indent="0">
-              <a:buNone/>
-            </a:pPr>
-            <a:r>
-              <a:rPr lang="nl-NL" sz="2000" dirty="0">
-                <a:latin typeface="Consolas" panose="020B0609020204030204" pitchFamily="49" charset="0"/>
-                <a:cs typeface="Consolas" panose="020B0609020204030204" pitchFamily="49" charset="0"/>
-              </a:rPr>
-              <a:t>  }</a:t>
-            </a:r>
-          </a:p>
-          <a:p>
-            <a:pPr marL="0" indent="0">
-              <a:buNone/>
-            </a:pPr>
-            <a:endParaRPr lang="nl-NL" sz="2000" dirty="0">
-              <a:latin typeface="Consolas" panose="020B0609020204030204" pitchFamily="49" charset="0"/>
-              <a:cs typeface="Consolas" panose="020B0609020204030204" pitchFamily="49" charset="0"/>
-            </a:endParaRPr>
-          </a:p>
-          <a:p>
-            <a:pPr marL="0" indent="0">
-              <a:buNone/>
-            </a:pPr>
-            <a:r>
-              <a:rPr lang="nl-NL" sz="2000" dirty="0">
-                <a:latin typeface="Consolas" panose="020B0609020204030204" pitchFamily="49" charset="0"/>
-                <a:cs typeface="Consolas" panose="020B0609020204030204" pitchFamily="49" charset="0"/>
-              </a:rPr>
-              <a:t>  @</a:t>
-            </a:r>
-            <a:r>
-              <a:rPr lang="nl-NL" sz="2000" dirty="0" err="1">
-                <a:latin typeface="Consolas" panose="020B0609020204030204" pitchFamily="49" charset="0"/>
-                <a:cs typeface="Consolas" panose="020B0609020204030204" pitchFamily="49" charset="0"/>
-              </a:rPr>
-              <a:t>Override</a:t>
-            </a:r>
-            <a:endParaRPr lang="nl-NL" sz="2000" dirty="0">
-              <a:latin typeface="Consolas" panose="020B0609020204030204" pitchFamily="49" charset="0"/>
-              <a:cs typeface="Consolas" panose="020B0609020204030204" pitchFamily="49" charset="0"/>
-            </a:endParaRPr>
-          </a:p>
-          <a:p>
-            <a:pPr marL="0" indent="0">
-              <a:buNone/>
-            </a:pPr>
-            <a:r>
-              <a:rPr lang="nl-NL" sz="2000" dirty="0">
-                <a:latin typeface="Consolas" panose="020B0609020204030204" pitchFamily="49" charset="0"/>
-                <a:cs typeface="Consolas" panose="020B0609020204030204" pitchFamily="49" charset="0"/>
-              </a:rPr>
-              <a:t>  public </a:t>
-            </a:r>
-            <a:r>
-              <a:rPr lang="nl-NL" sz="2000" dirty="0" err="1">
-                <a:latin typeface="Consolas" panose="020B0609020204030204" pitchFamily="49" charset="0"/>
-                <a:cs typeface="Consolas" panose="020B0609020204030204" pitchFamily="49" charset="0"/>
-              </a:rPr>
-              <a:t>void</a:t>
-            </a:r>
-            <a:r>
-              <a:rPr lang="nl-NL" sz="2000" dirty="0">
-                <a:latin typeface="Consolas" panose="020B0609020204030204" pitchFamily="49" charset="0"/>
-                <a:cs typeface="Consolas" panose="020B0609020204030204" pitchFamily="49" charset="0"/>
-              </a:rPr>
-              <a:t> </a:t>
-            </a:r>
-            <a:r>
-              <a:rPr lang="nl-NL" sz="2000" dirty="0" err="1">
-                <a:latin typeface="Consolas" panose="020B0609020204030204" pitchFamily="49" charset="0"/>
-                <a:cs typeface="Consolas" panose="020B0609020204030204" pitchFamily="49" charset="0"/>
-              </a:rPr>
-              <a:t>onCompleted</a:t>
-            </a:r>
-            <a:r>
-              <a:rPr lang="nl-NL" sz="2000" dirty="0">
-                <a:latin typeface="Consolas" panose="020B0609020204030204" pitchFamily="49" charset="0"/>
-                <a:cs typeface="Consolas" panose="020B0609020204030204" pitchFamily="49" charset="0"/>
-              </a:rPr>
-              <a:t>() {</a:t>
-            </a:r>
-          </a:p>
-          <a:p>
-            <a:pPr marL="0" indent="0">
-              <a:buNone/>
-            </a:pPr>
-            <a:r>
-              <a:rPr lang="nl-NL" sz="2000" dirty="0">
-                <a:latin typeface="Consolas" panose="020B0609020204030204" pitchFamily="49" charset="0"/>
-                <a:cs typeface="Consolas" panose="020B0609020204030204" pitchFamily="49" charset="0"/>
-              </a:rPr>
-              <a:t>    </a:t>
-            </a:r>
-            <a:r>
-              <a:rPr lang="nl-NL" sz="2000" dirty="0" err="1">
-                <a:latin typeface="Consolas" panose="020B0609020204030204" pitchFamily="49" charset="0"/>
-                <a:cs typeface="Consolas" panose="020B0609020204030204" pitchFamily="49" charset="0"/>
-              </a:rPr>
-              <a:t>responseObserver.onCompleted</a:t>
-            </a:r>
-            <a:r>
-              <a:rPr lang="nl-NL" sz="2000" dirty="0">
-                <a:latin typeface="Consolas" panose="020B0609020204030204" pitchFamily="49" charset="0"/>
-                <a:cs typeface="Consolas" panose="020B0609020204030204" pitchFamily="49" charset="0"/>
-              </a:rPr>
-              <a:t>();</a:t>
-            </a:r>
-          </a:p>
-          <a:p>
-            <a:pPr marL="0" indent="0">
-              <a:buNone/>
-            </a:pPr>
-            <a:r>
-              <a:rPr lang="nl-NL" sz="2000" dirty="0">
-                <a:latin typeface="Consolas" panose="020B0609020204030204" pitchFamily="49" charset="0"/>
-                <a:cs typeface="Consolas" panose="020B0609020204030204" pitchFamily="49" charset="0"/>
-              </a:rPr>
-              <a:t>  }</a:t>
-            </a:r>
-          </a:p>
-          <a:p>
-            <a:pPr marL="0" indent="0">
-              <a:buNone/>
-            </a:pPr>
-            <a:r>
-              <a:rPr lang="nl-NL" sz="2000" dirty="0">
-                <a:latin typeface="Consolas" panose="020B0609020204030204" pitchFamily="49" charset="0"/>
-                <a:cs typeface="Consolas" panose="020B0609020204030204" pitchFamily="49" charset="0"/>
-              </a:rPr>
-              <a:t>};</a:t>
-            </a:r>
-          </a:p>
         </p:txBody>
       </p:sp>
     </p:spTree>
     <p:extLst>
       <p:ext uri="{BB962C8B-B14F-4D97-AF65-F5344CB8AC3E}">
-        <p14:creationId xmlns:p14="http://schemas.microsoft.com/office/powerpoint/2010/main" val="2349294803"/>
+        <p14:creationId xmlns:p14="http://schemas.microsoft.com/office/powerpoint/2010/main" val="3991532252"/>
       </p:ext>
     </p:extLst>
   </p:cSld>
@@ -4952,8 +4571,20 @@
           <a:lstStyle/>
           <a:p>
             <a:r>
+              <a:rPr lang="nl-NL" sz="2800" dirty="0" err="1" smtClean="0"/>
+              <a:t>Implement</a:t>
+            </a:r>
+            <a:r>
               <a:rPr lang="nl-NL" sz="2800" dirty="0" smtClean="0"/>
-              <a:t>Hands-on</a:t>
+              <a:t> </a:t>
+            </a:r>
+            <a:r>
+              <a:rPr lang="nl-NL" sz="2800" dirty="0" err="1" smtClean="0"/>
+              <a:t>grpc</a:t>
+            </a:r>
+            <a:r>
+              <a:rPr lang="nl-NL" sz="2800" dirty="0" smtClean="0"/>
+              <a:t> code vervolg .. 4</a:t>
             </a:r>
             <a:endParaRPr lang="nl-NL" sz="2800" dirty="0"/>
           </a:p>
@@ -4982,7 +4613,7 @@
         </p:spPr>
         <p:txBody>
           <a:bodyPr>
-            <a:normAutofit/>
+            <a:normAutofit fontScale="77500" lnSpcReduction="20000"/>
           </a:bodyPr>
           <a:lstStyle/>
           <a:p>
@@ -4995,20 +4626,31 @@
                   <a:schemeClr val="tx2"/>
                 </a:solidFill>
               </a:rPr>
-              <a:t>Volg de aanwijzing in :</a:t>
-            </a:r>
-          </a:p>
-          <a:p>
-            <a:pPr marL="0" indent="0">
-              <a:buNone/>
-            </a:pPr>
+              <a:t>S</a:t>
+            </a:r>
+            <a:r>
+              <a:rPr lang="nl-NL" sz="2400" dirty="0">
+                <a:solidFill>
+                  <a:schemeClr val="tx2"/>
+                </a:solidFill>
+              </a:rPr>
+              <a:t>erve</a:t>
+            </a:r>
+            <a:r>
+              <a:rPr lang="nl-NL" sz="2400" dirty="0" smtClean="0">
+                <a:solidFill>
+                  <a:schemeClr val="tx2"/>
+                </a:solidFill>
+              </a:rPr>
+              <a:t>r, </a:t>
+            </a:r>
             <a:r>
               <a:rPr lang="nl-NL" sz="2400" dirty="0" err="1" smtClean="0">
                 <a:solidFill>
                   <a:schemeClr val="tx2"/>
                 </a:solidFill>
               </a:rPr>
-              <a:t>doc</a:t>
+              <a:t>implement</a:t>
             </a:r>
             <a:r>
               <a:rPr lang="nl-NL" sz="2400" dirty="0" smtClean="0">
@@ -5016,13 +4658,85 @@
                   <a:schemeClr val="tx2"/>
                 </a:solidFill>
               </a:rPr>
-              <a:t>\workshop.txt</a:t>
-            </a:r>
-          </a:p>
-          <a:p>
-            <a:pPr marL="0" indent="0">
-              <a:buNone/>
-            </a:pPr>
+              <a:t> services:</a:t>
+            </a:r>
+          </a:p>
+          <a:p>
+            <a:pPr marL="0" indent="0">
+              <a:buNone/>
+            </a:pPr>
+            <a:r>
+              <a:rPr lang="nl-NL" sz="2000" dirty="0" smtClean="0">
+                <a:solidFill>
+                  <a:schemeClr val="tx2"/>
+                </a:solidFill>
+              </a:rPr>
+              <a:t>Voorbeeld: </a:t>
+            </a:r>
+            <a:r>
+              <a:rPr lang="en-US" sz="2400" dirty="0" err="1">
+                <a:solidFill>
+                  <a:schemeClr val="tx2"/>
+                </a:solidFill>
+              </a:rPr>
+              <a:t>rpc</a:t>
+            </a:r>
+            <a:r>
+              <a:rPr lang="en-US" sz="2400" dirty="0">
+                <a:solidFill>
+                  <a:schemeClr val="tx2"/>
+                </a:solidFill>
+              </a:rPr>
+              <a:t> </a:t>
+            </a:r>
+            <a:r>
+              <a:rPr lang="en-US" sz="2400" dirty="0" err="1">
+                <a:solidFill>
+                  <a:schemeClr val="tx2"/>
+                </a:solidFill>
+              </a:rPr>
+              <a:t>RouteChat</a:t>
+            </a:r>
+            <a:r>
+              <a:rPr lang="en-US" sz="2400" dirty="0">
+                <a:solidFill>
+                  <a:schemeClr val="tx2"/>
+                </a:solidFill>
+              </a:rPr>
+              <a:t>(stream </a:t>
+            </a:r>
+            <a:r>
+              <a:rPr lang="en-US" sz="2400" dirty="0" err="1">
+                <a:solidFill>
+                  <a:schemeClr val="tx2"/>
+                </a:solidFill>
+              </a:rPr>
+              <a:t>RouteNote</a:t>
+            </a:r>
+            <a:r>
+              <a:rPr lang="en-US" sz="2400" dirty="0">
+                <a:solidFill>
+                  <a:schemeClr val="tx2"/>
+                </a:solidFill>
+              </a:rPr>
+              <a:t>) returns (stream </a:t>
+            </a:r>
+            <a:r>
+              <a:rPr lang="en-US" sz="2400" dirty="0" err="1">
+                <a:solidFill>
+                  <a:schemeClr val="tx2"/>
+                </a:solidFill>
+              </a:rPr>
+              <a:t>RouteNote</a:t>
+            </a:r>
+            <a:r>
+              <a:rPr lang="en-US" sz="2400" dirty="0">
+                <a:solidFill>
+                  <a:schemeClr val="tx2"/>
+                </a:solidFill>
+              </a:rPr>
+              <a:t>) {}</a:t>
+            </a:r>
             <a:endParaRPr lang="nl-NL" sz="2400" dirty="0">
               <a:solidFill>
                 <a:schemeClr val="tx2"/>
@@ -5033,12 +4747,730 @@
             <a:pPr marL="0" indent="0">
               <a:buNone/>
             </a:pPr>
+            <a:endParaRPr lang="nl-NL" sz="2000" dirty="0" smtClean="0">
+              <a:latin typeface="Consolas" panose="020B0609020204030204" pitchFamily="49" charset="0"/>
+              <a:cs typeface="Consolas" panose="020B0609020204030204" pitchFamily="49" charset="0"/>
+            </a:endParaRPr>
+          </a:p>
+          <a:p>
+            <a:pPr marL="0" indent="0">
+              <a:buNone/>
+            </a:pPr>
+            <a:r>
+              <a:rPr lang="en-US" sz="2000" dirty="0">
+                <a:latin typeface="Consolas" panose="020B0609020204030204" pitchFamily="49" charset="0"/>
+                <a:cs typeface="Consolas" panose="020B0609020204030204" pitchFamily="49" charset="0"/>
+              </a:rPr>
+              <a:t>public </a:t>
+            </a:r>
+            <a:r>
+              <a:rPr lang="en-US" sz="2000" dirty="0" err="1">
+                <a:latin typeface="Consolas" panose="020B0609020204030204" pitchFamily="49" charset="0"/>
+                <a:cs typeface="Consolas" panose="020B0609020204030204" pitchFamily="49" charset="0"/>
+              </a:rPr>
+              <a:t>StreamObserver</a:t>
+            </a:r>
+            <a:r>
+              <a:rPr lang="en-US" sz="2000" dirty="0">
+                <a:latin typeface="Consolas" panose="020B0609020204030204" pitchFamily="49" charset="0"/>
+                <a:cs typeface="Consolas" panose="020B0609020204030204" pitchFamily="49" charset="0"/>
+              </a:rPr>
+              <a:t>&lt;</a:t>
+            </a:r>
+            <a:r>
+              <a:rPr lang="en-US" sz="2000" dirty="0" err="1">
+                <a:latin typeface="Consolas" panose="020B0609020204030204" pitchFamily="49" charset="0"/>
+                <a:cs typeface="Consolas" panose="020B0609020204030204" pitchFamily="49" charset="0"/>
+              </a:rPr>
+              <a:t>RouteNote</a:t>
+            </a:r>
+            <a:r>
+              <a:rPr lang="en-US" sz="2000" dirty="0">
+                <a:latin typeface="Consolas" panose="020B0609020204030204" pitchFamily="49" charset="0"/>
+                <a:cs typeface="Consolas" panose="020B0609020204030204" pitchFamily="49" charset="0"/>
+              </a:rPr>
+              <a:t>&gt; </a:t>
+            </a:r>
+            <a:r>
+              <a:rPr lang="en-US" sz="2000" dirty="0" err="1" smtClean="0">
+                <a:latin typeface="Consolas" panose="020B0609020204030204" pitchFamily="49" charset="0"/>
+                <a:cs typeface="Consolas" panose="020B0609020204030204" pitchFamily="49" charset="0"/>
+              </a:rPr>
+              <a:t>routeChat</a:t>
+            </a:r>
+            <a:r>
+              <a:rPr lang="en-US" sz="2000" dirty="0" smtClean="0">
+                <a:latin typeface="Consolas" panose="020B0609020204030204" pitchFamily="49" charset="0"/>
+                <a:cs typeface="Consolas" panose="020B0609020204030204" pitchFamily="49" charset="0"/>
+              </a:rPr>
+              <a:t>(</a:t>
+            </a:r>
+            <a:r>
+              <a:rPr lang="en-US" sz="2000" dirty="0" err="1" smtClean="0">
+                <a:latin typeface="Consolas" panose="020B0609020204030204" pitchFamily="49" charset="0"/>
+                <a:cs typeface="Consolas" panose="020B0609020204030204" pitchFamily="49" charset="0"/>
+              </a:rPr>
+              <a:t>StreamObserver</a:t>
+            </a:r>
+            <a:r>
+              <a:rPr lang="en-US" sz="2000" dirty="0" smtClean="0">
+                <a:latin typeface="Consolas" panose="020B0609020204030204" pitchFamily="49" charset="0"/>
+                <a:cs typeface="Consolas" panose="020B0609020204030204" pitchFamily="49" charset="0"/>
+              </a:rPr>
+              <a:t>&lt;</a:t>
+            </a:r>
+            <a:r>
+              <a:rPr lang="en-US" sz="2000" dirty="0" err="1" smtClean="0">
+                <a:latin typeface="Consolas" panose="020B0609020204030204" pitchFamily="49" charset="0"/>
+                <a:cs typeface="Consolas" panose="020B0609020204030204" pitchFamily="49" charset="0"/>
+              </a:rPr>
+              <a:t>RouteNote</a:t>
+            </a:r>
+            <a:r>
+              <a:rPr lang="en-US" sz="2000" dirty="0" smtClean="0">
+                <a:latin typeface="Consolas" panose="020B0609020204030204" pitchFamily="49" charset="0"/>
+                <a:cs typeface="Consolas" panose="020B0609020204030204" pitchFamily="49" charset="0"/>
+              </a:rPr>
+              <a:t>&gt;</a:t>
+            </a:r>
+          </a:p>
+          <a:p>
+            <a:pPr marL="0" indent="0">
+              <a:buNone/>
+            </a:pPr>
+            <a:r>
+              <a:rPr lang="en-US" sz="2000" dirty="0">
+                <a:latin typeface="Consolas" panose="020B0609020204030204" pitchFamily="49" charset="0"/>
+                <a:cs typeface="Consolas" panose="020B0609020204030204" pitchFamily="49" charset="0"/>
+              </a:rPr>
+              <a:t>	</a:t>
+            </a:r>
+            <a:r>
+              <a:rPr lang="en-US" sz="2000" dirty="0" smtClean="0">
+                <a:latin typeface="Consolas" panose="020B0609020204030204" pitchFamily="49" charset="0"/>
+                <a:cs typeface="Consolas" panose="020B0609020204030204" pitchFamily="49" charset="0"/>
+              </a:rPr>
+              <a:t>  </a:t>
+            </a:r>
+            <a:r>
+              <a:rPr lang="en-US" sz="2000" dirty="0" err="1" smtClean="0">
+                <a:latin typeface="Consolas" panose="020B0609020204030204" pitchFamily="49" charset="0"/>
+                <a:cs typeface="Consolas" panose="020B0609020204030204" pitchFamily="49" charset="0"/>
+              </a:rPr>
+              <a:t>responseObserver</a:t>
+            </a:r>
+            <a:r>
+              <a:rPr lang="en-US" sz="2000" dirty="0">
+                <a:latin typeface="Consolas" panose="020B0609020204030204" pitchFamily="49" charset="0"/>
+                <a:cs typeface="Consolas" panose="020B0609020204030204" pitchFamily="49" charset="0"/>
+              </a:rPr>
+              <a:t>) </a:t>
+            </a:r>
+            <a:endParaRPr lang="en-US" sz="2000" dirty="0" smtClean="0">
+              <a:latin typeface="Consolas" panose="020B0609020204030204" pitchFamily="49" charset="0"/>
+              <a:cs typeface="Consolas" panose="020B0609020204030204" pitchFamily="49" charset="0"/>
+            </a:endParaRPr>
+          </a:p>
+          <a:p>
+            <a:pPr marL="0" indent="0">
+              <a:buNone/>
+            </a:pPr>
+            <a:r>
+              <a:rPr lang="en-US" sz="1800" b="1" dirty="0" smtClean="0"/>
+              <a:t>{</a:t>
+            </a:r>
+          </a:p>
+          <a:p>
+            <a:pPr marL="0" indent="0">
+              <a:buNone/>
+            </a:pPr>
+            <a:r>
+              <a:rPr lang="en-US" sz="1800" b="1" dirty="0">
+                <a:latin typeface="Consolas" panose="020B0609020204030204" pitchFamily="49" charset="0"/>
+                <a:cs typeface="Consolas" panose="020B0609020204030204" pitchFamily="49" charset="0"/>
+              </a:rPr>
+              <a:t> </a:t>
+            </a:r>
+            <a:r>
+              <a:rPr lang="en-US" sz="1800" b="1" dirty="0" smtClean="0">
+                <a:latin typeface="Consolas" panose="020B0609020204030204" pitchFamily="49" charset="0"/>
+                <a:cs typeface="Consolas" panose="020B0609020204030204" pitchFamily="49" charset="0"/>
+              </a:rPr>
+              <a:t> </a:t>
+            </a:r>
+            <a:r>
+              <a:rPr lang="nl-NL" sz="2000" dirty="0" smtClean="0">
+                <a:latin typeface="Consolas" panose="020B0609020204030204" pitchFamily="49" charset="0"/>
+                <a:cs typeface="Consolas" panose="020B0609020204030204" pitchFamily="49" charset="0"/>
+              </a:rPr>
+              <a:t>return </a:t>
+            </a:r>
+            <a:r>
+              <a:rPr lang="nl-NL" sz="2000" dirty="0">
+                <a:latin typeface="Consolas" panose="020B0609020204030204" pitchFamily="49" charset="0"/>
+                <a:cs typeface="Consolas" panose="020B0609020204030204" pitchFamily="49" charset="0"/>
+              </a:rPr>
+              <a:t>new </a:t>
+            </a:r>
+            <a:r>
+              <a:rPr lang="nl-NL" sz="2000" dirty="0" err="1" smtClean="0">
+                <a:latin typeface="Consolas" panose="020B0609020204030204" pitchFamily="49" charset="0"/>
+                <a:cs typeface="Consolas" panose="020B0609020204030204" pitchFamily="49" charset="0"/>
+              </a:rPr>
+              <a:t>StreamObserver</a:t>
+            </a:r>
+            <a:r>
+              <a:rPr lang="nl-NL" sz="2000" dirty="0" smtClean="0">
+                <a:latin typeface="Consolas" panose="020B0609020204030204" pitchFamily="49" charset="0"/>
+                <a:cs typeface="Consolas" panose="020B0609020204030204" pitchFamily="49" charset="0"/>
+              </a:rPr>
+              <a:t>&lt;</a:t>
+            </a:r>
+            <a:r>
+              <a:rPr lang="en-US" sz="2000" dirty="0" err="1" smtClean="0"/>
+              <a:t>RouteNote</a:t>
+            </a:r>
+            <a:r>
+              <a:rPr lang="nl-NL" sz="2000" dirty="0" smtClean="0">
+                <a:latin typeface="Consolas" panose="020B0609020204030204" pitchFamily="49" charset="0"/>
+                <a:cs typeface="Consolas" panose="020B0609020204030204" pitchFamily="49" charset="0"/>
+              </a:rPr>
+              <a:t>&gt;() </a:t>
+            </a:r>
+            <a:r>
+              <a:rPr lang="nl-NL" sz="2000" dirty="0">
+                <a:latin typeface="Consolas" panose="020B0609020204030204" pitchFamily="49" charset="0"/>
+                <a:cs typeface="Consolas" panose="020B0609020204030204" pitchFamily="49" charset="0"/>
+              </a:rPr>
+              <a:t>{</a:t>
+            </a:r>
+          </a:p>
+          <a:p>
+            <a:pPr marL="0" indent="0">
+              <a:buNone/>
+            </a:pPr>
+            <a:r>
+              <a:rPr lang="nl-NL" sz="2000" dirty="0">
+                <a:latin typeface="Consolas" panose="020B0609020204030204" pitchFamily="49" charset="0"/>
+                <a:cs typeface="Consolas" panose="020B0609020204030204" pitchFamily="49" charset="0"/>
+              </a:rPr>
+              <a:t>  @</a:t>
+            </a:r>
+            <a:r>
+              <a:rPr lang="nl-NL" sz="2000" dirty="0" err="1">
+                <a:latin typeface="Consolas" panose="020B0609020204030204" pitchFamily="49" charset="0"/>
+                <a:cs typeface="Consolas" panose="020B0609020204030204" pitchFamily="49" charset="0"/>
+              </a:rPr>
+              <a:t>Override</a:t>
+            </a:r>
+            <a:endParaRPr lang="nl-NL" sz="2000" dirty="0">
+              <a:latin typeface="Consolas" panose="020B0609020204030204" pitchFamily="49" charset="0"/>
+              <a:cs typeface="Consolas" panose="020B0609020204030204" pitchFamily="49" charset="0"/>
+            </a:endParaRPr>
+          </a:p>
+          <a:p>
+            <a:pPr marL="0" indent="0">
+              <a:buNone/>
+            </a:pPr>
+            <a:r>
+              <a:rPr lang="nl-NL" sz="2000" dirty="0">
+                <a:latin typeface="Consolas" panose="020B0609020204030204" pitchFamily="49" charset="0"/>
+                <a:cs typeface="Consolas" panose="020B0609020204030204" pitchFamily="49" charset="0"/>
+              </a:rPr>
+              <a:t>  public </a:t>
+            </a:r>
+            <a:r>
+              <a:rPr lang="nl-NL" sz="2000" dirty="0" err="1">
+                <a:latin typeface="Consolas" panose="020B0609020204030204" pitchFamily="49" charset="0"/>
+                <a:cs typeface="Consolas" panose="020B0609020204030204" pitchFamily="49" charset="0"/>
+              </a:rPr>
+              <a:t>void</a:t>
+            </a:r>
+            <a:r>
+              <a:rPr lang="nl-NL" sz="2000" dirty="0">
+                <a:latin typeface="Consolas" panose="020B0609020204030204" pitchFamily="49" charset="0"/>
+                <a:cs typeface="Consolas" panose="020B0609020204030204" pitchFamily="49" charset="0"/>
+              </a:rPr>
+              <a:t> </a:t>
+            </a:r>
+            <a:r>
+              <a:rPr lang="nl-NL" sz="2000" dirty="0" err="1" smtClean="0">
+                <a:latin typeface="Consolas" panose="020B0609020204030204" pitchFamily="49" charset="0"/>
+                <a:cs typeface="Consolas" panose="020B0609020204030204" pitchFamily="49" charset="0"/>
+              </a:rPr>
+              <a:t>onNext</a:t>
+            </a:r>
+            <a:r>
+              <a:rPr lang="nl-NL" sz="2000" dirty="0" smtClean="0">
+                <a:latin typeface="Consolas" panose="020B0609020204030204" pitchFamily="49" charset="0"/>
+                <a:cs typeface="Consolas" panose="020B0609020204030204" pitchFamily="49" charset="0"/>
+              </a:rPr>
+              <a:t>(</a:t>
+            </a:r>
+            <a:r>
+              <a:rPr lang="en-US" sz="2000" dirty="0" err="1"/>
+              <a:t>RouteNote</a:t>
+            </a:r>
+            <a:r>
+              <a:rPr lang="en-US" sz="2000" dirty="0"/>
+              <a:t> </a:t>
+            </a:r>
+            <a:r>
+              <a:rPr lang="nl-NL" sz="2000" dirty="0" err="1" smtClean="0">
+                <a:latin typeface="Consolas" panose="020B0609020204030204" pitchFamily="49" charset="0"/>
+                <a:cs typeface="Consolas" panose="020B0609020204030204" pitchFamily="49" charset="0"/>
+              </a:rPr>
+              <a:t>note</a:t>
+            </a:r>
+            <a:r>
+              <a:rPr lang="nl-NL" sz="2000" dirty="0">
+                <a:latin typeface="Consolas" panose="020B0609020204030204" pitchFamily="49" charset="0"/>
+                <a:cs typeface="Consolas" panose="020B0609020204030204" pitchFamily="49" charset="0"/>
+              </a:rPr>
+              <a:t>) {</a:t>
+            </a:r>
+          </a:p>
+          <a:p>
+            <a:pPr marL="0" indent="0">
+              <a:buNone/>
+            </a:pPr>
+            <a:r>
+              <a:rPr lang="nl-NL" sz="2000" dirty="0">
+                <a:latin typeface="Consolas" panose="020B0609020204030204" pitchFamily="49" charset="0"/>
+                <a:cs typeface="Consolas" panose="020B0609020204030204" pitchFamily="49" charset="0"/>
+              </a:rPr>
+              <a:t>      ...</a:t>
+            </a:r>
+          </a:p>
+          <a:p>
+            <a:pPr marL="0" indent="0">
+              <a:buNone/>
+            </a:pPr>
+            <a:r>
+              <a:rPr lang="nl-NL" sz="2000" dirty="0">
+                <a:latin typeface="Consolas" panose="020B0609020204030204" pitchFamily="49" charset="0"/>
+                <a:cs typeface="Consolas" panose="020B0609020204030204" pitchFamily="49" charset="0"/>
+              </a:rPr>
+              <a:t>      </a:t>
+            </a:r>
+            <a:r>
+              <a:rPr lang="nl-NL" sz="2000" dirty="0" err="1" smtClean="0">
+                <a:latin typeface="Consolas" panose="020B0609020204030204" pitchFamily="49" charset="0"/>
+                <a:cs typeface="Consolas" panose="020B0609020204030204" pitchFamily="49" charset="0"/>
+              </a:rPr>
+              <a:t>responseObserver.onNext</a:t>
+            </a:r>
+            <a:r>
+              <a:rPr lang="nl-NL" sz="2000" dirty="0" smtClean="0">
+                <a:latin typeface="Consolas" panose="020B0609020204030204" pitchFamily="49" charset="0"/>
+                <a:cs typeface="Consolas" panose="020B0609020204030204" pitchFamily="49" charset="0"/>
+              </a:rPr>
+              <a:t>(</a:t>
+            </a:r>
+            <a:r>
+              <a:rPr lang="nl-NL" sz="2000" dirty="0" err="1" smtClean="0">
+                <a:latin typeface="Consolas" panose="020B0609020204030204" pitchFamily="49" charset="0"/>
+                <a:cs typeface="Consolas" panose="020B0609020204030204" pitchFamily="49" charset="0"/>
+              </a:rPr>
+              <a:t>RouteNote</a:t>
+            </a:r>
+            <a:r>
+              <a:rPr lang="nl-NL" sz="2000" dirty="0" smtClean="0">
+                <a:latin typeface="Consolas" panose="020B0609020204030204" pitchFamily="49" charset="0"/>
+                <a:cs typeface="Consolas" panose="020B0609020204030204" pitchFamily="49" charset="0"/>
+              </a:rPr>
+              <a:t>..</a:t>
+            </a:r>
+            <a:r>
+              <a:rPr lang="nl-NL" sz="2000" dirty="0" err="1" smtClean="0">
+                <a:latin typeface="Consolas" panose="020B0609020204030204" pitchFamily="49" charset="0"/>
+                <a:cs typeface="Consolas" panose="020B0609020204030204" pitchFamily="49" charset="0"/>
+              </a:rPr>
+              <a:t>build</a:t>
+            </a:r>
+            <a:r>
+              <a:rPr lang="nl-NL" sz="2000" dirty="0" smtClean="0">
+                <a:latin typeface="Consolas" panose="020B0609020204030204" pitchFamily="49" charset="0"/>
+                <a:cs typeface="Consolas" panose="020B0609020204030204" pitchFamily="49" charset="0"/>
+              </a:rPr>
+              <a:t>());</a:t>
+            </a:r>
+            <a:endParaRPr lang="nl-NL" sz="2000" dirty="0">
+              <a:latin typeface="Consolas" panose="020B0609020204030204" pitchFamily="49" charset="0"/>
+              <a:cs typeface="Consolas" panose="020B0609020204030204" pitchFamily="49" charset="0"/>
+            </a:endParaRPr>
+          </a:p>
+          <a:p>
+            <a:pPr marL="0" indent="0">
+              <a:buNone/>
+            </a:pPr>
+            <a:r>
+              <a:rPr lang="nl-NL" sz="2000" dirty="0">
+                <a:latin typeface="Consolas" panose="020B0609020204030204" pitchFamily="49" charset="0"/>
+                <a:cs typeface="Consolas" panose="020B0609020204030204" pitchFamily="49" charset="0"/>
+              </a:rPr>
+              <a:t>  }</a:t>
+            </a:r>
+          </a:p>
+          <a:p>
+            <a:pPr marL="0" indent="0">
+              <a:buNone/>
+            </a:pPr>
+            <a:endParaRPr lang="nl-NL" sz="2000" dirty="0">
+              <a:latin typeface="Consolas" panose="020B0609020204030204" pitchFamily="49" charset="0"/>
+              <a:cs typeface="Consolas" panose="020B0609020204030204" pitchFamily="49" charset="0"/>
+            </a:endParaRPr>
+          </a:p>
+          <a:p>
+            <a:pPr marL="0" indent="0">
+              <a:buNone/>
+            </a:pPr>
+            <a:r>
+              <a:rPr lang="nl-NL" sz="2000" dirty="0">
+                <a:latin typeface="Consolas" panose="020B0609020204030204" pitchFamily="49" charset="0"/>
+                <a:cs typeface="Consolas" panose="020B0609020204030204" pitchFamily="49" charset="0"/>
+              </a:rPr>
+              <a:t>  @</a:t>
+            </a:r>
+            <a:r>
+              <a:rPr lang="nl-NL" sz="2000" dirty="0" err="1">
+                <a:latin typeface="Consolas" panose="020B0609020204030204" pitchFamily="49" charset="0"/>
+                <a:cs typeface="Consolas" panose="020B0609020204030204" pitchFamily="49" charset="0"/>
+              </a:rPr>
+              <a:t>Override</a:t>
+            </a:r>
+            <a:endParaRPr lang="nl-NL" sz="2000" dirty="0">
+              <a:latin typeface="Consolas" panose="020B0609020204030204" pitchFamily="49" charset="0"/>
+              <a:cs typeface="Consolas" panose="020B0609020204030204" pitchFamily="49" charset="0"/>
+            </a:endParaRPr>
+          </a:p>
+          <a:p>
+            <a:pPr marL="0" indent="0">
+              <a:buNone/>
+            </a:pPr>
+            <a:r>
+              <a:rPr lang="nl-NL" sz="2000" dirty="0">
+                <a:latin typeface="Consolas" panose="020B0609020204030204" pitchFamily="49" charset="0"/>
+                <a:cs typeface="Consolas" panose="020B0609020204030204" pitchFamily="49" charset="0"/>
+              </a:rPr>
+              <a:t>  public </a:t>
+            </a:r>
+            <a:r>
+              <a:rPr lang="nl-NL" sz="2000" dirty="0" err="1">
+                <a:latin typeface="Consolas" panose="020B0609020204030204" pitchFamily="49" charset="0"/>
+                <a:cs typeface="Consolas" panose="020B0609020204030204" pitchFamily="49" charset="0"/>
+              </a:rPr>
+              <a:t>void</a:t>
+            </a:r>
+            <a:r>
+              <a:rPr lang="nl-NL" sz="2000" dirty="0">
+                <a:latin typeface="Consolas" panose="020B0609020204030204" pitchFamily="49" charset="0"/>
+                <a:cs typeface="Consolas" panose="020B0609020204030204" pitchFamily="49" charset="0"/>
+              </a:rPr>
+              <a:t> </a:t>
+            </a:r>
+            <a:r>
+              <a:rPr lang="nl-NL" sz="2000" dirty="0" err="1">
+                <a:latin typeface="Consolas" panose="020B0609020204030204" pitchFamily="49" charset="0"/>
+                <a:cs typeface="Consolas" panose="020B0609020204030204" pitchFamily="49" charset="0"/>
+              </a:rPr>
+              <a:t>onError</a:t>
+            </a:r>
+            <a:r>
+              <a:rPr lang="nl-NL" sz="2000" dirty="0">
+                <a:latin typeface="Consolas" panose="020B0609020204030204" pitchFamily="49" charset="0"/>
+                <a:cs typeface="Consolas" panose="020B0609020204030204" pitchFamily="49" charset="0"/>
+              </a:rPr>
+              <a:t>(</a:t>
+            </a:r>
+            <a:r>
+              <a:rPr lang="nl-NL" sz="2000" dirty="0" err="1">
+                <a:latin typeface="Consolas" panose="020B0609020204030204" pitchFamily="49" charset="0"/>
+                <a:cs typeface="Consolas" panose="020B0609020204030204" pitchFamily="49" charset="0"/>
+              </a:rPr>
+              <a:t>Throwable</a:t>
+            </a:r>
+            <a:r>
+              <a:rPr lang="nl-NL" sz="2000" dirty="0">
+                <a:latin typeface="Consolas" panose="020B0609020204030204" pitchFamily="49" charset="0"/>
+                <a:cs typeface="Consolas" panose="020B0609020204030204" pitchFamily="49" charset="0"/>
+              </a:rPr>
+              <a:t> t) {</a:t>
+            </a:r>
+          </a:p>
+          <a:p>
+            <a:pPr marL="0" indent="0">
+              <a:buNone/>
+            </a:pPr>
+            <a:r>
+              <a:rPr lang="nl-NL" sz="2000" dirty="0">
+                <a:latin typeface="Consolas" panose="020B0609020204030204" pitchFamily="49" charset="0"/>
+                <a:cs typeface="Consolas" panose="020B0609020204030204" pitchFamily="49" charset="0"/>
+              </a:rPr>
+              <a:t>  }</a:t>
+            </a:r>
+          </a:p>
+          <a:p>
+            <a:pPr marL="0" indent="0">
+              <a:buNone/>
+            </a:pPr>
+            <a:endParaRPr lang="nl-NL" sz="2000" dirty="0">
+              <a:latin typeface="Consolas" panose="020B0609020204030204" pitchFamily="49" charset="0"/>
+              <a:cs typeface="Consolas" panose="020B0609020204030204" pitchFamily="49" charset="0"/>
+            </a:endParaRPr>
+          </a:p>
+          <a:p>
+            <a:pPr marL="0" indent="0">
+              <a:buNone/>
+            </a:pPr>
+            <a:r>
+              <a:rPr lang="nl-NL" sz="2000" dirty="0">
+                <a:latin typeface="Consolas" panose="020B0609020204030204" pitchFamily="49" charset="0"/>
+                <a:cs typeface="Consolas" panose="020B0609020204030204" pitchFamily="49" charset="0"/>
+              </a:rPr>
+              <a:t>  @</a:t>
+            </a:r>
+            <a:r>
+              <a:rPr lang="nl-NL" sz="2000" dirty="0" err="1">
+                <a:latin typeface="Consolas" panose="020B0609020204030204" pitchFamily="49" charset="0"/>
+                <a:cs typeface="Consolas" panose="020B0609020204030204" pitchFamily="49" charset="0"/>
+              </a:rPr>
+              <a:t>Override</a:t>
+            </a:r>
+            <a:endParaRPr lang="nl-NL" sz="2000" dirty="0">
+              <a:latin typeface="Consolas" panose="020B0609020204030204" pitchFamily="49" charset="0"/>
+              <a:cs typeface="Consolas" panose="020B0609020204030204" pitchFamily="49" charset="0"/>
+            </a:endParaRPr>
+          </a:p>
+          <a:p>
+            <a:pPr marL="0" indent="0">
+              <a:buNone/>
+            </a:pPr>
+            <a:r>
+              <a:rPr lang="nl-NL" sz="2000" dirty="0">
+                <a:latin typeface="Consolas" panose="020B0609020204030204" pitchFamily="49" charset="0"/>
+                <a:cs typeface="Consolas" panose="020B0609020204030204" pitchFamily="49" charset="0"/>
+              </a:rPr>
+              <a:t>  public </a:t>
+            </a:r>
+            <a:r>
+              <a:rPr lang="nl-NL" sz="2000" dirty="0" err="1">
+                <a:latin typeface="Consolas" panose="020B0609020204030204" pitchFamily="49" charset="0"/>
+                <a:cs typeface="Consolas" panose="020B0609020204030204" pitchFamily="49" charset="0"/>
+              </a:rPr>
+              <a:t>void</a:t>
+            </a:r>
+            <a:r>
+              <a:rPr lang="nl-NL" sz="2000" dirty="0">
+                <a:latin typeface="Consolas" panose="020B0609020204030204" pitchFamily="49" charset="0"/>
+                <a:cs typeface="Consolas" panose="020B0609020204030204" pitchFamily="49" charset="0"/>
+              </a:rPr>
+              <a:t> </a:t>
+            </a:r>
+            <a:r>
+              <a:rPr lang="nl-NL" sz="2000" dirty="0" err="1">
+                <a:latin typeface="Consolas" panose="020B0609020204030204" pitchFamily="49" charset="0"/>
+                <a:cs typeface="Consolas" panose="020B0609020204030204" pitchFamily="49" charset="0"/>
+              </a:rPr>
+              <a:t>onCompleted</a:t>
+            </a:r>
+            <a:r>
+              <a:rPr lang="nl-NL" sz="2000" dirty="0">
+                <a:latin typeface="Consolas" panose="020B0609020204030204" pitchFamily="49" charset="0"/>
+                <a:cs typeface="Consolas" panose="020B0609020204030204" pitchFamily="49" charset="0"/>
+              </a:rPr>
+              <a:t>() {</a:t>
+            </a:r>
+          </a:p>
+          <a:p>
+            <a:pPr marL="0" indent="0">
+              <a:buNone/>
+            </a:pPr>
+            <a:r>
+              <a:rPr lang="nl-NL" sz="2000" dirty="0">
+                <a:latin typeface="Consolas" panose="020B0609020204030204" pitchFamily="49" charset="0"/>
+                <a:cs typeface="Consolas" panose="020B0609020204030204" pitchFamily="49" charset="0"/>
+              </a:rPr>
+              <a:t>    </a:t>
+            </a:r>
+            <a:r>
+              <a:rPr lang="nl-NL" sz="2000" dirty="0" err="1">
+                <a:latin typeface="Consolas" panose="020B0609020204030204" pitchFamily="49" charset="0"/>
+                <a:cs typeface="Consolas" panose="020B0609020204030204" pitchFamily="49" charset="0"/>
+              </a:rPr>
+              <a:t>responseObserver.onCompleted</a:t>
+            </a:r>
+            <a:r>
+              <a:rPr lang="nl-NL" sz="2000" dirty="0">
+                <a:latin typeface="Consolas" panose="020B0609020204030204" pitchFamily="49" charset="0"/>
+                <a:cs typeface="Consolas" panose="020B0609020204030204" pitchFamily="49" charset="0"/>
+              </a:rPr>
+              <a:t>();</a:t>
+            </a:r>
+          </a:p>
+          <a:p>
+            <a:pPr marL="0" indent="0">
+              <a:buNone/>
+            </a:pPr>
+            <a:r>
+              <a:rPr lang="nl-NL" sz="2000" dirty="0">
+                <a:latin typeface="Consolas" panose="020B0609020204030204" pitchFamily="49" charset="0"/>
+                <a:cs typeface="Consolas" panose="020B0609020204030204" pitchFamily="49" charset="0"/>
+              </a:rPr>
+              <a:t>  }</a:t>
+            </a:r>
+          </a:p>
+          <a:p>
+            <a:pPr marL="0" indent="0">
+              <a:buNone/>
+            </a:pPr>
+            <a:r>
+              <a:rPr lang="nl-NL" sz="2000" dirty="0">
+                <a:latin typeface="Consolas" panose="020B0609020204030204" pitchFamily="49" charset="0"/>
+                <a:cs typeface="Consolas" panose="020B0609020204030204" pitchFamily="49" charset="0"/>
+              </a:rPr>
+              <a:t>};</a:t>
+            </a:r>
+          </a:p>
+        </p:txBody>
+      </p:sp>
+    </p:spTree>
+    <p:extLst>
+      <p:ext uri="{BB962C8B-B14F-4D97-AF65-F5344CB8AC3E}">
+        <p14:creationId xmlns:p14="http://schemas.microsoft.com/office/powerpoint/2010/main" val="2349294803"/>
+      </p:ext>
+    </p:extLst>
+  </p:cSld>
+  <p:clrMapOvr>
+    <a:masterClrMapping/>
+  </p:clrMapOvr>
+</p:sld>
+</file>
+
+<file path=ppt/slides/slide13.xml><?xml version="1.0" encoding="utf-8"?>
+<p:sld xmlns:a="http://schemas.openxmlformats.org/drawingml/2006/main" xmlns:r="http://schemas.openxmlformats.org/officeDocument/2006/relationships" xmlns:p="http://schemas.openxmlformats.org/presentationml/2006/main">
+  <p:cSld>
+    <p:spTree>
+      <p:nvGrpSpPr>
+        <p:cNvPr id="1" name=""/>
+        <p:cNvGrpSpPr/>
+        <p:nvPr/>
+      </p:nvGrpSpPr>
+      <p:grpSpPr>
+        <a:xfrm>
+          <a:off x="0" y="0"/>
+          <a:ext cx="0" cy="0"/>
+          <a:chOff x="0" y="0"/>
+          <a:chExt cx="0" cy="0"/>
+        </a:xfrm>
+      </p:grpSpPr>
+      <p:sp>
+        <p:nvSpPr>
+          <p:cNvPr id="2" name="Title 1"/>
+          <p:cNvSpPr>
+            <a:spLocks noGrp="1"/>
+          </p:cNvSpPr>
+          <p:nvPr>
+            <p:ph type="title"/>
+          </p:nvPr>
+        </p:nvSpPr>
+        <p:spPr>
+          <a:xfrm>
+            <a:off x="457200" y="274638"/>
+            <a:ext cx="8229600" cy="562074"/>
+          </a:xfrm>
+        </p:spPr>
+        <p:txBody>
+          <a:bodyPr>
+            <a:normAutofit/>
+          </a:bodyPr>
+          <a:lstStyle/>
+          <a:p>
+            <a:r>
+              <a:rPr lang="nl-NL" sz="2800" dirty="0" smtClean="0"/>
+              <a:t>Hands-on</a:t>
+            </a:r>
+            <a:endParaRPr lang="nl-NL" sz="2800" dirty="0"/>
+          </a:p>
+        </p:txBody>
+      </p:sp>
+      <p:sp>
+        <p:nvSpPr>
+          <p:cNvPr id="3" name="Content Placeholder 2"/>
+          <p:cNvSpPr>
+            <a:spLocks noGrp="1"/>
+          </p:cNvSpPr>
+          <p:nvPr>
+            <p:ph idx="1"/>
+          </p:nvPr>
+        </p:nvSpPr>
+        <p:spPr>
+          <a:xfrm>
+            <a:off x="467544" y="908720"/>
+            <a:ext cx="8424936" cy="5688632"/>
+          </a:xfrm>
+          <a:ln>
+            <a:solidFill>
+              <a:schemeClr val="tx1"/>
+            </a:solidFill>
+          </a:ln>
+        </p:spPr>
+        <p:txBody>
+          <a:bodyPr>
+            <a:normAutofit/>
+          </a:bodyPr>
+          <a:lstStyle/>
+          <a:p>
+            <a:pPr marL="0" indent="0">
+              <a:buNone/>
+            </a:pPr>
             <a:r>
               <a:rPr lang="nl-NL" sz="2400" dirty="0" smtClean="0">
                 <a:solidFill>
                   <a:schemeClr val="tx2"/>
                 </a:solidFill>
               </a:rPr>
+              <a:t>Volg de aanwijzing in :</a:t>
+            </a:r>
+          </a:p>
+          <a:p>
+            <a:pPr marL="0" indent="0">
+              <a:buNone/>
+            </a:pPr>
+            <a:r>
+              <a:rPr lang="nl-NL" sz="2400" dirty="0" smtClean="0">
+                <a:solidFill>
+                  <a:schemeClr val="tx2"/>
+                </a:solidFill>
+              </a:rPr>
+              <a:t>doc\workshop-hanson.pdf</a:t>
+            </a:r>
+            <a:endParaRPr lang="nl-NL" sz="2400" dirty="0" smtClean="0">
+              <a:solidFill>
+                <a:schemeClr val="tx2"/>
+              </a:solidFill>
+            </a:endParaRPr>
+          </a:p>
+          <a:p>
+            <a:pPr marL="0" indent="0">
+              <a:buNone/>
+            </a:pPr>
+            <a:endParaRPr lang="nl-NL" sz="2400" dirty="0">
+              <a:solidFill>
+                <a:schemeClr val="tx2"/>
+              </a:solidFill>
+            </a:endParaRPr>
+          </a:p>
+          <a:p>
+            <a:pPr marL="0" indent="0">
+              <a:buNone/>
+            </a:pPr>
+            <a:r>
+              <a:rPr lang="nl-NL" sz="2400" dirty="0" smtClean="0">
+                <a:solidFill>
+                  <a:schemeClr val="tx2"/>
+                </a:solidFill>
+              </a:rPr>
               <a:t>Met hints in </a:t>
             </a:r>
             <a:r>
@@ -5056,6 +5488,19 @@
                 </a:solidFill>
               </a:rPr>
               <a:t>\hints.txt (en deze presentatie)</a:t>
+            </a:r>
+          </a:p>
+          <a:p>
+            <a:pPr marL="0" indent="0">
+              <a:buNone/>
+            </a:pPr>
+            <a:r>
+              <a:rPr lang="nl-NL" sz="2400" dirty="0" smtClean="0">
+                <a:solidFill>
+                  <a:schemeClr val="tx2"/>
+                </a:solidFill>
+              </a:rPr>
+              <a:t>(en werkende code in: \doc\working-code )</a:t>
             </a:r>
           </a:p>
           <a:p>
@@ -7694,12 +8139,55 @@
               <a:buNone/>
             </a:pPr>
             <a:r>
+              <a:rPr lang="nl-NL" sz="2000" dirty="0" smtClean="0">
+                <a:latin typeface="Consolas" panose="020B0609020204030204" pitchFamily="49" charset="0"/>
+                <a:cs typeface="Consolas" panose="020B0609020204030204" pitchFamily="49" charset="0"/>
+              </a:rPr>
+              <a:t>}</a:t>
+            </a:r>
+            <a:endParaRPr lang="nl-NL" sz="2000" dirty="0">
+              <a:latin typeface="Consolas" panose="020B0609020204030204" pitchFamily="49" charset="0"/>
+              <a:cs typeface="Consolas" panose="020B0609020204030204" pitchFamily="49" charset="0"/>
+            </a:endParaRPr>
+          </a:p>
+          <a:p>
+            <a:pPr marL="0" indent="0">
+              <a:buNone/>
+            </a:pPr>
+            <a:r>
+              <a:rPr lang="nl-NL" sz="2000" dirty="0" smtClean="0">
+                <a:latin typeface="Consolas" panose="020B0609020204030204" pitchFamily="49" charset="0"/>
+                <a:cs typeface="Consolas" panose="020B0609020204030204" pitchFamily="49" charset="0"/>
+              </a:rPr>
+              <a:t>---</a:t>
+            </a:r>
+            <a:endParaRPr lang="nl-NL" sz="2000" dirty="0" smtClean="0">
+              <a:latin typeface="Consolas" panose="020B0609020204030204" pitchFamily="49" charset="0"/>
+              <a:cs typeface="Consolas" panose="020B0609020204030204" pitchFamily="49" charset="0"/>
+            </a:endParaRPr>
+          </a:p>
+          <a:p>
+            <a:pPr marL="0" indent="0">
+              <a:buNone/>
+            </a:pPr>
+            <a:r>
               <a:rPr lang="nl-NL" sz="2000" dirty="0">
                 <a:latin typeface="Consolas" panose="020B0609020204030204" pitchFamily="49" charset="0"/>
                 <a:cs typeface="Consolas" panose="020B0609020204030204" pitchFamily="49" charset="0"/>
               </a:rPr>
-              <a:t>}</a:t>
-            </a:r>
+              <a:t>feature = blockingStub.getFeature(request</a:t>
+            </a:r>
+            <a:r>
+              <a:rPr lang="nl-NL" sz="2000" dirty="0" smtClean="0">
+                <a:latin typeface="Consolas" panose="020B0609020204030204" pitchFamily="49" charset="0"/>
+                <a:cs typeface="Consolas" panose="020B0609020204030204" pitchFamily="49" charset="0"/>
+              </a:rPr>
+              <a:t>);</a:t>
+            </a:r>
+            <a:endParaRPr lang="nl-NL" sz="2000" dirty="0">
+              <a:latin typeface="Consolas" panose="020B0609020204030204" pitchFamily="49" charset="0"/>
+              <a:cs typeface="Consolas" panose="020B0609020204030204" pitchFamily="49" charset="0"/>
+            </a:endParaRPr>
           </a:p>
         </p:txBody>
       </p:sp>

--- a/doc/doc-source/Workshop-grpc.pptx
+++ b/doc/doc-source/Workshop-grpc.pptx
@@ -14,10 +14,11 @@
     <p:sldId id="267" r:id="rId8"/>
     <p:sldId id="262" r:id="rId9"/>
     <p:sldId id="263" r:id="rId10"/>
-    <p:sldId id="264" r:id="rId11"/>
-    <p:sldId id="268" r:id="rId12"/>
-    <p:sldId id="265" r:id="rId13"/>
-    <p:sldId id="266" r:id="rId14"/>
+    <p:sldId id="269" r:id="rId11"/>
+    <p:sldId id="264" r:id="rId12"/>
+    <p:sldId id="268" r:id="rId13"/>
+    <p:sldId id="265" r:id="rId14"/>
+    <p:sldId id="266" r:id="rId15"/>
   </p:sldIdLst>
   <p:sldSz cx="9144000" cy="6858000" type="screen4x3"/>
   <p:notesSz cx="6858000" cy="9144000"/>
@@ -300,7 +301,7 @@
           <a:p>
             <a:fld id="{B3CF53F8-45F4-4924-B9C9-305402299CCE}" type="datetimeFigureOut">
               <a:rPr lang="nl-NL" smtClean="0"/>
-              <a:t>4-12-2017</a:t>
+              <a:t>6-12-2017</a:t>
             </a:fld>
             <a:endParaRPr lang="nl-NL"/>
           </a:p>
@@ -470,7 +471,7 @@
           <a:p>
             <a:fld id="{B3CF53F8-45F4-4924-B9C9-305402299CCE}" type="datetimeFigureOut">
               <a:rPr lang="nl-NL" smtClean="0"/>
-              <a:t>4-12-2017</a:t>
+              <a:t>6-12-2017</a:t>
             </a:fld>
             <a:endParaRPr lang="nl-NL"/>
           </a:p>
@@ -650,7 +651,7 @@
           <a:p>
             <a:fld id="{B3CF53F8-45F4-4924-B9C9-305402299CCE}" type="datetimeFigureOut">
               <a:rPr lang="nl-NL" smtClean="0"/>
-              <a:t>4-12-2017</a:t>
+              <a:t>6-12-2017</a:t>
             </a:fld>
             <a:endParaRPr lang="nl-NL"/>
           </a:p>
@@ -820,7 +821,7 @@
           <a:p>
             <a:fld id="{B3CF53F8-45F4-4924-B9C9-305402299CCE}" type="datetimeFigureOut">
               <a:rPr lang="nl-NL" smtClean="0"/>
-              <a:t>4-12-2017</a:t>
+              <a:t>6-12-2017</a:t>
             </a:fld>
             <a:endParaRPr lang="nl-NL"/>
           </a:p>
@@ -1066,7 +1067,7 @@
           <a:p>
             <a:fld id="{B3CF53F8-45F4-4924-B9C9-305402299CCE}" type="datetimeFigureOut">
               <a:rPr lang="nl-NL" smtClean="0"/>
-              <a:t>4-12-2017</a:t>
+              <a:t>6-12-2017</a:t>
             </a:fld>
             <a:endParaRPr lang="nl-NL"/>
           </a:p>
@@ -1354,7 +1355,7 @@
           <a:p>
             <a:fld id="{B3CF53F8-45F4-4924-B9C9-305402299CCE}" type="datetimeFigureOut">
               <a:rPr lang="nl-NL" smtClean="0"/>
-              <a:t>4-12-2017</a:t>
+              <a:t>6-12-2017</a:t>
             </a:fld>
             <a:endParaRPr lang="nl-NL"/>
           </a:p>
@@ -1776,7 +1777,7 @@
           <a:p>
             <a:fld id="{B3CF53F8-45F4-4924-B9C9-305402299CCE}" type="datetimeFigureOut">
               <a:rPr lang="nl-NL" smtClean="0"/>
-              <a:t>4-12-2017</a:t>
+              <a:t>6-12-2017</a:t>
             </a:fld>
             <a:endParaRPr lang="nl-NL"/>
           </a:p>
@@ -1894,7 +1895,7 @@
           <a:p>
             <a:fld id="{B3CF53F8-45F4-4924-B9C9-305402299CCE}" type="datetimeFigureOut">
               <a:rPr lang="nl-NL" smtClean="0"/>
-              <a:t>4-12-2017</a:t>
+              <a:t>6-12-2017</a:t>
             </a:fld>
             <a:endParaRPr lang="nl-NL"/>
           </a:p>
@@ -1989,7 +1990,7 @@
           <a:p>
             <a:fld id="{B3CF53F8-45F4-4924-B9C9-305402299CCE}" type="datetimeFigureOut">
               <a:rPr lang="nl-NL" smtClean="0"/>
-              <a:t>4-12-2017</a:t>
+              <a:t>6-12-2017</a:t>
             </a:fld>
             <a:endParaRPr lang="nl-NL"/>
           </a:p>
@@ -2266,7 +2267,7 @@
           <a:p>
             <a:fld id="{B3CF53F8-45F4-4924-B9C9-305402299CCE}" type="datetimeFigureOut">
               <a:rPr lang="nl-NL" smtClean="0"/>
-              <a:t>4-12-2017</a:t>
+              <a:t>6-12-2017</a:t>
             </a:fld>
             <a:endParaRPr lang="nl-NL"/>
           </a:p>
@@ -2519,7 +2520,7 @@
           <a:p>
             <a:fld id="{B3CF53F8-45F4-4924-B9C9-305402299CCE}" type="datetimeFigureOut">
               <a:rPr lang="nl-NL" smtClean="0"/>
-              <a:t>4-12-2017</a:t>
+              <a:t>6-12-2017</a:t>
             </a:fld>
             <a:endParaRPr lang="nl-NL"/>
           </a:p>
@@ -2732,7 +2733,7 @@
           <a:p>
             <a:fld id="{B3CF53F8-45F4-4924-B9C9-305402299CCE}" type="datetimeFigureOut">
               <a:rPr lang="nl-NL" smtClean="0"/>
-              <a:t>4-12-2017</a:t>
+              <a:t>6-12-2017</a:t>
             </a:fld>
             <a:endParaRPr lang="nl-NL"/>
           </a:p>
@@ -3308,11 +3309,15 @@
           <a:p>
             <a:r>
               <a:rPr lang="nl-NL" sz="2800" dirty="0" smtClean="0"/>
-              <a:t>Implement grpc code vervolg .. </a:t>
+              <a:t>grpc </a:t>
             </a:r>
             <a:r>
               <a:rPr lang="nl-NL" sz="2800" dirty="0" smtClean="0"/>
-              <a:t>3a(server)</a:t>
+              <a:t>code </a:t>
+            </a:r>
+            <a:r>
+              <a:rPr lang="nl-NL" sz="2800" dirty="0" smtClean="0"/>
+              <a:t>.. 2b, async request client</a:t>
             </a:r>
             <a:endParaRPr lang="nl-NL" sz="2800" dirty="0"/>
           </a:p>
@@ -3333,25 +3338,15 @@
             <a:off x="467544" y="908720"/>
             <a:ext cx="8424936" cy="5688632"/>
           </a:xfrm>
-          <a:ln/>
+          <a:ln>
+            <a:solidFill>
+              <a:schemeClr val="tx1"/>
+            </a:solidFill>
+          </a:ln>
         </p:spPr>
-        <p:style>
-          <a:lnRef idx="2">
-            <a:schemeClr val="accent1"/>
-          </a:lnRef>
-          <a:fillRef idx="1">
-            <a:schemeClr val="lt1"/>
-          </a:fillRef>
-          <a:effectRef idx="0">
-            <a:schemeClr val="accent1"/>
-          </a:effectRef>
-          <a:fontRef idx="minor">
-            <a:schemeClr val="dk1"/>
-          </a:fontRef>
-        </p:style>
         <p:txBody>
           <a:bodyPr>
-            <a:normAutofit fontScale="92500" lnSpcReduction="20000"/>
+            <a:normAutofit lnSpcReduction="10000"/>
           </a:bodyPr>
           <a:lstStyle/>
           <a:p>
@@ -3364,278 +3359,125 @@
                   <a:schemeClr val="tx2"/>
                 </a:solidFill>
               </a:rPr>
-              <a:t>Server, </a:t>
-            </a:r>
-            <a:r>
-              <a:rPr lang="nl-NL" sz="2400" dirty="0" err="1" smtClean="0">
-                <a:solidFill>
-                  <a:schemeClr val="tx2"/>
-                </a:solidFill>
-              </a:rPr>
-              <a:t>implement</a:t>
-            </a:r>
-            <a:r>
-              <a:rPr lang="nl-NL" sz="2400" dirty="0" smtClean="0">
-                <a:solidFill>
-                  <a:schemeClr val="tx2"/>
-                </a:solidFill>
-              </a:rPr>
-              <a:t> services:</a:t>
-            </a:r>
-          </a:p>
-          <a:p>
-            <a:pPr marL="0" indent="0">
-              <a:buNone/>
-            </a:pPr>
-            <a:r>
-              <a:rPr lang="nl-NL" sz="2000" dirty="0" smtClean="0">
-                <a:solidFill>
-                  <a:schemeClr val="tx2"/>
-                </a:solidFill>
-              </a:rPr>
-              <a:t>Voorbeeld:  </a:t>
-            </a:r>
-            <a:r>
-              <a:rPr lang="en-US" sz="2400" dirty="0" err="1">
-                <a:solidFill>
-                  <a:schemeClr val="tx2"/>
-                </a:solidFill>
-              </a:rPr>
-              <a:t>rpc</a:t>
-            </a:r>
-            <a:r>
-              <a:rPr lang="en-US" sz="2400" dirty="0">
-                <a:solidFill>
-                  <a:schemeClr val="tx2"/>
-                </a:solidFill>
-              </a:rPr>
-              <a:t> </a:t>
-            </a:r>
-            <a:r>
-              <a:rPr lang="en-US" sz="2400" dirty="0" err="1">
-                <a:solidFill>
-                  <a:schemeClr val="tx2"/>
-                </a:solidFill>
-              </a:rPr>
-              <a:t>RecordRoute</a:t>
-            </a:r>
-            <a:r>
-              <a:rPr lang="en-US" sz="2400" dirty="0">
-                <a:solidFill>
-                  <a:schemeClr val="tx2"/>
-                </a:solidFill>
-              </a:rPr>
-              <a:t>(stream Point) returns (</a:t>
-            </a:r>
-            <a:r>
-              <a:rPr lang="en-US" sz="2400" dirty="0" err="1">
-                <a:solidFill>
-                  <a:schemeClr val="tx2"/>
-                </a:solidFill>
-              </a:rPr>
-              <a:t>RouteSummary</a:t>
-            </a:r>
-            <a:r>
-              <a:rPr lang="en-US" sz="2400" dirty="0">
-                <a:solidFill>
-                  <a:schemeClr val="tx2"/>
-                </a:solidFill>
-              </a:rPr>
-              <a:t>) {}</a:t>
-            </a:r>
-            <a:endParaRPr lang="nl-NL" sz="2400" dirty="0">
-              <a:solidFill>
-                <a:schemeClr val="tx2"/>
-              </a:solidFill>
-            </a:endParaRPr>
-          </a:p>
-          <a:p>
-            <a:pPr marL="0" indent="0">
-              <a:buNone/>
-            </a:pPr>
-            <a:r>
-              <a:rPr lang="en-US" sz="1600" dirty="0" smtClean="0">
-                <a:latin typeface="Consolas" panose="020B0609020204030204" pitchFamily="49" charset="0"/>
-                <a:cs typeface="Consolas" panose="020B0609020204030204" pitchFamily="49" charset="0"/>
-              </a:rPr>
-              <a:t/>
-            </a:r>
-            <a:br>
-              <a:rPr lang="en-US" sz="1600" dirty="0" smtClean="0">
-                <a:latin typeface="Consolas" panose="020B0609020204030204" pitchFamily="49" charset="0"/>
-                <a:cs typeface="Consolas" panose="020B0609020204030204" pitchFamily="49" charset="0"/>
-              </a:rPr>
-            </a:br>
-            <a:r>
-              <a:rPr lang="en-US" sz="1700" dirty="0" smtClean="0">
-                <a:latin typeface="Consolas" panose="020B0609020204030204" pitchFamily="49" charset="0"/>
-                <a:cs typeface="Consolas" panose="020B0609020204030204" pitchFamily="49" charset="0"/>
-              </a:rPr>
-              <a:t>public </a:t>
-            </a:r>
-            <a:r>
-              <a:rPr lang="en-US" sz="1700" dirty="0" err="1">
-                <a:latin typeface="Consolas" panose="020B0609020204030204" pitchFamily="49" charset="0"/>
-                <a:cs typeface="Consolas" panose="020B0609020204030204" pitchFamily="49" charset="0"/>
-              </a:rPr>
-              <a:t>StreamObserver</a:t>
-            </a:r>
-            <a:r>
-              <a:rPr lang="en-US" sz="1700" dirty="0">
-                <a:latin typeface="Consolas" panose="020B0609020204030204" pitchFamily="49" charset="0"/>
-                <a:cs typeface="Consolas" panose="020B0609020204030204" pitchFamily="49" charset="0"/>
-              </a:rPr>
-              <a:t>&lt;Point</a:t>
-            </a:r>
-            <a:r>
-              <a:rPr lang="en-US" sz="1700" dirty="0" smtClean="0">
-                <a:latin typeface="Consolas" panose="020B0609020204030204" pitchFamily="49" charset="0"/>
-                <a:cs typeface="Consolas" panose="020B0609020204030204" pitchFamily="49" charset="0"/>
-              </a:rPr>
-              <a:t>&gt;</a:t>
-            </a:r>
-          </a:p>
-          <a:p>
-            <a:pPr marL="0" indent="0">
-              <a:buNone/>
-            </a:pPr>
-            <a:r>
-              <a:rPr lang="en-US" sz="1700" dirty="0" smtClean="0">
-                <a:latin typeface="Consolas" panose="020B0609020204030204" pitchFamily="49" charset="0"/>
-                <a:cs typeface="Consolas" panose="020B0609020204030204" pitchFamily="49" charset="0"/>
-              </a:rPr>
-              <a:t> </a:t>
-            </a:r>
-            <a:r>
-              <a:rPr lang="en-US" sz="1700" dirty="0" err="1" smtClean="0">
-                <a:latin typeface="Consolas" panose="020B0609020204030204" pitchFamily="49" charset="0"/>
-                <a:cs typeface="Consolas" panose="020B0609020204030204" pitchFamily="49" charset="0"/>
-              </a:rPr>
-              <a:t>recordRoute</a:t>
-            </a:r>
-            <a:r>
-              <a:rPr lang="en-US" sz="1700" dirty="0" smtClean="0">
-                <a:latin typeface="Consolas" panose="020B0609020204030204" pitchFamily="49" charset="0"/>
-                <a:cs typeface="Consolas" panose="020B0609020204030204" pitchFamily="49" charset="0"/>
-              </a:rPr>
-              <a:t>(</a:t>
-            </a:r>
-            <a:r>
-              <a:rPr lang="en-US" sz="1700" dirty="0" err="1" smtClean="0">
-                <a:latin typeface="Consolas" panose="020B0609020204030204" pitchFamily="49" charset="0"/>
-                <a:cs typeface="Consolas" panose="020B0609020204030204" pitchFamily="49" charset="0"/>
-              </a:rPr>
-              <a:t>StreamObserver</a:t>
-            </a:r>
-            <a:r>
-              <a:rPr lang="en-US" sz="1700" dirty="0" smtClean="0">
-                <a:latin typeface="Consolas" panose="020B0609020204030204" pitchFamily="49" charset="0"/>
-                <a:cs typeface="Consolas" panose="020B0609020204030204" pitchFamily="49" charset="0"/>
-              </a:rPr>
-              <a:t>&lt;</a:t>
-            </a:r>
-            <a:r>
-              <a:rPr lang="en-US" sz="1700" dirty="0" err="1" smtClean="0">
-                <a:latin typeface="Consolas" panose="020B0609020204030204" pitchFamily="49" charset="0"/>
-                <a:cs typeface="Consolas" panose="020B0609020204030204" pitchFamily="49" charset="0"/>
-              </a:rPr>
-              <a:t>RouteSummary</a:t>
-            </a:r>
-            <a:r>
-              <a:rPr lang="en-US" sz="1700" dirty="0">
-                <a:latin typeface="Consolas" panose="020B0609020204030204" pitchFamily="49" charset="0"/>
-                <a:cs typeface="Consolas" panose="020B0609020204030204" pitchFamily="49" charset="0"/>
-              </a:rPr>
-              <a:t>&gt; </a:t>
-            </a:r>
-            <a:r>
-              <a:rPr lang="en-US" sz="1700" dirty="0" err="1" smtClean="0">
-                <a:latin typeface="Consolas" panose="020B0609020204030204" pitchFamily="49" charset="0"/>
-                <a:cs typeface="Consolas" panose="020B0609020204030204" pitchFamily="49" charset="0"/>
-              </a:rPr>
-              <a:t>responseObserver</a:t>
-            </a:r>
-            <a:r>
-              <a:rPr lang="en-US" sz="1700" dirty="0">
-                <a:latin typeface="Consolas" panose="020B0609020204030204" pitchFamily="49" charset="0"/>
-                <a:cs typeface="Consolas" panose="020B0609020204030204" pitchFamily="49" charset="0"/>
-              </a:rPr>
-              <a:t>) </a:t>
-            </a:r>
-            <a:r>
-              <a:rPr lang="en-US" sz="1700" dirty="0" smtClean="0">
+              <a:t>Server is identiek.</a:t>
+            </a:r>
+          </a:p>
+          <a:p>
+            <a:pPr marL="0" indent="0">
+              <a:buNone/>
+            </a:pPr>
+            <a:r>
+              <a:rPr lang="nl-NL" sz="1700" dirty="0" smtClean="0">
+                <a:latin typeface="Consolas" panose="020B0609020204030204" pitchFamily="49" charset="0"/>
+                <a:cs typeface="Consolas" panose="020B0609020204030204" pitchFamily="49" charset="0"/>
+              </a:rPr>
+              <a:t>//client</a:t>
+            </a:r>
+          </a:p>
+          <a:p>
+            <a:pPr marL="0" indent="0">
+              <a:buNone/>
+            </a:pPr>
+            <a:r>
+              <a:rPr lang="nl-NL" sz="1700" dirty="0" smtClean="0">
+                <a:latin typeface="Consolas" panose="020B0609020204030204" pitchFamily="49" charset="0"/>
+                <a:cs typeface="Consolas" panose="020B0609020204030204" pitchFamily="49" charset="0"/>
+              </a:rPr>
+              <a:t>asyncStub.getFeature(request, responseObserver);</a:t>
+            </a:r>
+          </a:p>
+          <a:p>
+            <a:pPr marL="0" indent="0">
+              <a:buNone/>
+            </a:pPr>
+            <a:r>
+              <a:rPr lang="nl-NL" sz="1700" dirty="0" smtClean="0">
+                <a:latin typeface="Consolas" panose="020B0609020204030204" pitchFamily="49" charset="0"/>
+                <a:cs typeface="Consolas" panose="020B0609020204030204" pitchFamily="49" charset="0"/>
+              </a:rPr>
+              <a:t>..</a:t>
+            </a:r>
+          </a:p>
+          <a:p>
+            <a:pPr marL="0" indent="0">
+              <a:buNone/>
+            </a:pPr>
+            <a:r>
+              <a:rPr lang="nl-NL" sz="1700" dirty="0" smtClean="0">
+                <a:latin typeface="Consolas" panose="020B0609020204030204" pitchFamily="49" charset="0"/>
+                <a:cs typeface="Consolas" panose="020B0609020204030204" pitchFamily="49" charset="0"/>
+              </a:rPr>
+              <a:t>private StreamObserver&lt;Feature&gt; getObserver(CountDownLatch cdl) </a:t>
+            </a:r>
+            <a:r>
+              <a:rPr lang="nl-NL" sz="1700" dirty="0">
                 <a:latin typeface="Consolas" panose="020B0609020204030204" pitchFamily="49" charset="0"/>
                 <a:cs typeface="Consolas" panose="020B0609020204030204" pitchFamily="49" charset="0"/>
               </a:rPr>
               <a:t>{</a:t>
             </a:r>
-            <a:endParaRPr lang="en-US" sz="1700" b="1" dirty="0" smtClean="0"/>
-          </a:p>
-          <a:p>
-            <a:pPr marL="0" indent="0">
-              <a:buNone/>
-            </a:pPr>
-            <a:r>
-              <a:rPr lang="en-US" sz="1700" b="1" dirty="0">
-                <a:latin typeface="Consolas" panose="020B0609020204030204" pitchFamily="49" charset="0"/>
-                <a:cs typeface="Consolas" panose="020B0609020204030204" pitchFamily="49" charset="0"/>
-              </a:rPr>
-              <a:t> </a:t>
-            </a:r>
-            <a:r>
-              <a:rPr lang="en-US" sz="1700" b="1" dirty="0" smtClean="0">
-                <a:latin typeface="Consolas" panose="020B0609020204030204" pitchFamily="49" charset="0"/>
-                <a:cs typeface="Consolas" panose="020B0609020204030204" pitchFamily="49" charset="0"/>
-              </a:rPr>
-              <a:t> </a:t>
-            </a:r>
+          </a:p>
+          <a:p>
+            <a:pPr marL="0" indent="0">
+              <a:buNone/>
+            </a:pPr>
             <a:r>
               <a:rPr lang="nl-NL" sz="1700" dirty="0" smtClean="0">
                 <a:latin typeface="Consolas" panose="020B0609020204030204" pitchFamily="49" charset="0"/>
                 <a:cs typeface="Consolas" panose="020B0609020204030204" pitchFamily="49" charset="0"/>
               </a:rPr>
-              <a:t>return </a:t>
+              <a:t>  return </a:t>
             </a:r>
             <a:r>
               <a:rPr lang="nl-NL" sz="1700" dirty="0">
                 <a:latin typeface="Consolas" panose="020B0609020204030204" pitchFamily="49" charset="0"/>
                 <a:cs typeface="Consolas" panose="020B0609020204030204" pitchFamily="49" charset="0"/>
               </a:rPr>
-              <a:t>new StreamObserver&lt;Point&gt;() {</a:t>
-            </a:r>
-          </a:p>
-          <a:p>
-            <a:pPr marL="0" indent="0">
-              <a:buNone/>
-            </a:pPr>
+              <a:t>new StreamObserver&lt;TranslateStringMsg&gt;() {</a:t>
+            </a:r>
+          </a:p>
+          <a:p>
+            <a:pPr marL="0" indent="0">
+              <a:buNone/>
+            </a:pPr>
+            <a:r>
+              <a:rPr lang="nl-NL" sz="1700" dirty="0" smtClean="0">
+                <a:latin typeface="Consolas" panose="020B0609020204030204" pitchFamily="49" charset="0"/>
+                <a:cs typeface="Consolas" panose="020B0609020204030204" pitchFamily="49" charset="0"/>
+              </a:rPr>
+              <a:t>    @</a:t>
+            </a:r>
             <a:r>
               <a:rPr lang="nl-NL" sz="1700" dirty="0">
                 <a:latin typeface="Consolas" panose="020B0609020204030204" pitchFamily="49" charset="0"/>
                 <a:cs typeface="Consolas" panose="020B0609020204030204" pitchFamily="49" charset="0"/>
               </a:rPr>
-              <a:t> </a:t>
-            </a:r>
+              <a:t>Override</a:t>
+            </a:r>
+          </a:p>
+          <a:p>
+            <a:pPr marL="0" indent="0">
+              <a:buNone/>
+            </a:pPr>
             <a:r>
               <a:rPr lang="nl-NL" sz="1700" dirty="0" smtClean="0">
                 <a:latin typeface="Consolas" panose="020B0609020204030204" pitchFamily="49" charset="0"/>
                 <a:cs typeface="Consolas" panose="020B0609020204030204" pitchFamily="49" charset="0"/>
               </a:rPr>
-              <a:t>  </a:t>
+              <a:t>    public </a:t>
             </a:r>
             <a:r>
               <a:rPr lang="nl-NL" sz="1700" dirty="0">
                 <a:latin typeface="Consolas" panose="020B0609020204030204" pitchFamily="49" charset="0"/>
                 <a:cs typeface="Consolas" panose="020B0609020204030204" pitchFamily="49" charset="0"/>
               </a:rPr>
-              <a:t>@</a:t>
-            </a:r>
-            <a:r>
-              <a:rPr lang="nl-NL" sz="1700" dirty="0" err="1">
-                <a:latin typeface="Consolas" panose="020B0609020204030204" pitchFamily="49" charset="0"/>
-                <a:cs typeface="Consolas" panose="020B0609020204030204" pitchFamily="49" charset="0"/>
-              </a:rPr>
-              <a:t>Override</a:t>
-            </a:r>
+              <a:t>void onNext(TranslateStringMsg msg) {...}</a:t>
+            </a:r>
+          </a:p>
+          <a:p>
+            <a:pPr marL="0" indent="0">
+              <a:buNone/>
+            </a:pPr>
             <a:endParaRPr lang="nl-NL" sz="1700" dirty="0">
               <a:latin typeface="Consolas" panose="020B0609020204030204" pitchFamily="49" charset="0"/>
               <a:cs typeface="Consolas" panose="020B0609020204030204" pitchFamily="49" charset="0"/>
@@ -3646,337 +3488,57 @@
               <a:buNone/>
             </a:pPr>
             <a:r>
+              <a:rPr lang="nl-NL" sz="1700" dirty="0" smtClean="0">
+                <a:latin typeface="Consolas" panose="020B0609020204030204" pitchFamily="49" charset="0"/>
+                <a:cs typeface="Consolas" panose="020B0609020204030204" pitchFamily="49" charset="0"/>
+              </a:rPr>
+              <a:t>    @</a:t>
+            </a:r>
+            <a:r>
               <a:rPr lang="nl-NL" sz="1700" dirty="0">
                 <a:latin typeface="Consolas" panose="020B0609020204030204" pitchFamily="49" charset="0"/>
                 <a:cs typeface="Consolas" panose="020B0609020204030204" pitchFamily="49" charset="0"/>
               </a:rPr>
-              <a:t> </a:t>
-            </a:r>
+              <a:t>Override</a:t>
+            </a:r>
+          </a:p>
+          <a:p>
+            <a:pPr marL="0" indent="0">
+              <a:buNone/>
+            </a:pPr>
             <a:r>
               <a:rPr lang="nl-NL" sz="1700" dirty="0" smtClean="0">
                 <a:latin typeface="Consolas" panose="020B0609020204030204" pitchFamily="49" charset="0"/>
                 <a:cs typeface="Consolas" panose="020B0609020204030204" pitchFamily="49" charset="0"/>
               </a:rPr>
-              <a:t>  </a:t>
+              <a:t>    public </a:t>
             </a:r>
             <a:r>
               <a:rPr lang="nl-NL" sz="1700" dirty="0">
                 <a:latin typeface="Consolas" panose="020B0609020204030204" pitchFamily="49" charset="0"/>
                 <a:cs typeface="Consolas" panose="020B0609020204030204" pitchFamily="49" charset="0"/>
               </a:rPr>
-              <a:t>public </a:t>
-            </a:r>
-            <a:r>
-              <a:rPr lang="nl-NL" sz="1700" dirty="0" err="1">
-                <a:latin typeface="Consolas" panose="020B0609020204030204" pitchFamily="49" charset="0"/>
-                <a:cs typeface="Consolas" panose="020B0609020204030204" pitchFamily="49" charset="0"/>
-              </a:rPr>
-              <a:t>void</a:t>
+              <a:t>void onError(Throwable t) </a:t>
+            </a:r>
+            <a:r>
+              <a:rPr lang="nl-NL" sz="1700" dirty="0" smtClean="0">
+                <a:latin typeface="Consolas" panose="020B0609020204030204" pitchFamily="49" charset="0"/>
+                <a:cs typeface="Consolas" panose="020B0609020204030204" pitchFamily="49" charset="0"/>
+              </a:rPr>
+              <a:t>{cdl.countDown</a:t>
             </a:r>
             <a:r>
               <a:rPr lang="nl-NL" sz="1700" dirty="0">
                 <a:latin typeface="Consolas" panose="020B0609020204030204" pitchFamily="49" charset="0"/>
                 <a:cs typeface="Consolas" panose="020B0609020204030204" pitchFamily="49" charset="0"/>
               </a:rPr>
-              <a:t> </a:t>
-            </a:r>
-            <a:r>
-              <a:rPr lang="nl-NL" sz="1700" dirty="0" err="1">
-                <a:latin typeface="Consolas" panose="020B0609020204030204" pitchFamily="49" charset="0"/>
-                <a:cs typeface="Consolas" panose="020B0609020204030204" pitchFamily="49" charset="0"/>
-              </a:rPr>
-              <a:t>onNext</a:t>
-            </a:r>
-            <a:r>
-              <a:rPr lang="nl-NL" sz="1700" dirty="0">
-                <a:latin typeface="Consolas" panose="020B0609020204030204" pitchFamily="49" charset="0"/>
-                <a:cs typeface="Consolas" panose="020B0609020204030204" pitchFamily="49" charset="0"/>
-              </a:rPr>
-              <a:t>(Point point) {</a:t>
-            </a:r>
-          </a:p>
-          <a:p>
-            <a:pPr marL="0" indent="0">
-              <a:buNone/>
-            </a:pPr>
-            <a:r>
-              <a:rPr lang="nl-NL" sz="1700" dirty="0">
-                <a:latin typeface="Consolas" panose="020B0609020204030204" pitchFamily="49" charset="0"/>
-                <a:cs typeface="Consolas" panose="020B0609020204030204" pitchFamily="49" charset="0"/>
-              </a:rPr>
-              <a:t>	...</a:t>
-            </a:r>
-          </a:p>
-          <a:p>
-            <a:pPr marL="0" indent="0">
-              <a:buNone/>
-            </a:pPr>
-            <a:r>
-              <a:rPr lang="nl-NL" sz="1700" dirty="0" smtClean="0">
-                <a:latin typeface="Consolas" panose="020B0609020204030204" pitchFamily="49" charset="0"/>
-                <a:cs typeface="Consolas" panose="020B0609020204030204" pitchFamily="49" charset="0"/>
-              </a:rPr>
-              <a:t>   </a:t>
-            </a:r>
-            <a:r>
-              <a:rPr lang="nl-NL" sz="1700" dirty="0">
-                <a:latin typeface="Consolas" panose="020B0609020204030204" pitchFamily="49" charset="0"/>
-                <a:cs typeface="Consolas" panose="020B0609020204030204" pitchFamily="49" charset="0"/>
-              </a:rPr>
-              <a:t>}</a:t>
-            </a:r>
-          </a:p>
-          <a:p>
-            <a:pPr marL="0" indent="0">
-              <a:buNone/>
-            </a:pPr>
-            <a:r>
-              <a:rPr lang="nl-NL" sz="1700" dirty="0" smtClean="0">
-                <a:latin typeface="Consolas" panose="020B0609020204030204" pitchFamily="49" charset="0"/>
-                <a:cs typeface="Consolas" panose="020B0609020204030204" pitchFamily="49" charset="0"/>
-              </a:rPr>
-              <a:t>   </a:t>
-            </a:r>
-            <a:r>
-              <a:rPr lang="nl-NL" sz="1700" dirty="0">
-                <a:latin typeface="Consolas" panose="020B0609020204030204" pitchFamily="49" charset="0"/>
-                <a:cs typeface="Consolas" panose="020B0609020204030204" pitchFamily="49" charset="0"/>
-              </a:rPr>
-              <a:t>@Override</a:t>
-            </a:r>
-          </a:p>
-          <a:p>
-            <a:pPr marL="0" indent="0">
-              <a:buNone/>
-            </a:pPr>
-            <a:r>
-              <a:rPr lang="nl-NL" sz="1700" dirty="0" smtClean="0">
-                <a:latin typeface="Consolas" panose="020B0609020204030204" pitchFamily="49" charset="0"/>
-                <a:cs typeface="Consolas" panose="020B0609020204030204" pitchFamily="49" charset="0"/>
-              </a:rPr>
-              <a:t>   </a:t>
-            </a:r>
-            <a:r>
-              <a:rPr lang="nl-NL" sz="1700" dirty="0">
-                <a:latin typeface="Consolas" panose="020B0609020204030204" pitchFamily="49" charset="0"/>
-                <a:cs typeface="Consolas" panose="020B0609020204030204" pitchFamily="49" charset="0"/>
-              </a:rPr>
-              <a:t>public </a:t>
-            </a:r>
-            <a:r>
-              <a:rPr lang="nl-NL" sz="1700" dirty="0" err="1">
-                <a:latin typeface="Consolas" panose="020B0609020204030204" pitchFamily="49" charset="0"/>
-                <a:cs typeface="Consolas" panose="020B0609020204030204" pitchFamily="49" charset="0"/>
-              </a:rPr>
-              <a:t>void</a:t>
-            </a:r>
-            <a:r>
-              <a:rPr lang="nl-NL" sz="1700" dirty="0">
-                <a:latin typeface="Consolas" panose="020B0609020204030204" pitchFamily="49" charset="0"/>
-                <a:cs typeface="Consolas" panose="020B0609020204030204" pitchFamily="49" charset="0"/>
-              </a:rPr>
-              <a:t> </a:t>
-            </a:r>
-            <a:r>
-              <a:rPr lang="nl-NL" sz="1700" dirty="0" err="1">
-                <a:latin typeface="Consolas" panose="020B0609020204030204" pitchFamily="49" charset="0"/>
-                <a:cs typeface="Consolas" panose="020B0609020204030204" pitchFamily="49" charset="0"/>
-              </a:rPr>
-              <a:t>onError</a:t>
-            </a:r>
-            <a:r>
-              <a:rPr lang="nl-NL" sz="1700" dirty="0">
-                <a:latin typeface="Consolas" panose="020B0609020204030204" pitchFamily="49" charset="0"/>
-                <a:cs typeface="Consolas" panose="020B0609020204030204" pitchFamily="49" charset="0"/>
-              </a:rPr>
-              <a:t>(</a:t>
-            </a:r>
-            <a:r>
-              <a:rPr lang="nl-NL" sz="1700" dirty="0" err="1">
-                <a:latin typeface="Consolas" panose="020B0609020204030204" pitchFamily="49" charset="0"/>
-                <a:cs typeface="Consolas" panose="020B0609020204030204" pitchFamily="49" charset="0"/>
-              </a:rPr>
-              <a:t>Throwable</a:t>
-            </a:r>
-            <a:r>
-              <a:rPr lang="nl-NL" sz="1700" dirty="0">
-                <a:latin typeface="Consolas" panose="020B0609020204030204" pitchFamily="49" charset="0"/>
-                <a:cs typeface="Consolas" panose="020B0609020204030204" pitchFamily="49" charset="0"/>
-              </a:rPr>
-              <a:t> t) {</a:t>
-            </a:r>
-          </a:p>
-          <a:p>
-            <a:pPr marL="0" indent="0">
-              <a:buNone/>
-            </a:pPr>
-            <a:r>
-              <a:rPr lang="nl-NL" sz="1700" dirty="0" smtClean="0">
-                <a:latin typeface="Consolas" panose="020B0609020204030204" pitchFamily="49" charset="0"/>
-                <a:cs typeface="Consolas" panose="020B0609020204030204" pitchFamily="49" charset="0"/>
-              </a:rPr>
-              <a:t>     </a:t>
-            </a:r>
-            <a:r>
-              <a:rPr lang="nl-NL" sz="1700" dirty="0">
-                <a:latin typeface="Consolas" panose="020B0609020204030204" pitchFamily="49" charset="0"/>
-                <a:cs typeface="Consolas" panose="020B0609020204030204" pitchFamily="49" charset="0"/>
-              </a:rPr>
-              <a:t>...</a:t>
-            </a:r>
-          </a:p>
-          <a:p>
-            <a:pPr marL="0" indent="0">
-              <a:buNone/>
-            </a:pPr>
-            <a:r>
-              <a:rPr lang="nl-NL" sz="1700" dirty="0" smtClean="0">
-                <a:latin typeface="Consolas" panose="020B0609020204030204" pitchFamily="49" charset="0"/>
-                <a:cs typeface="Consolas" panose="020B0609020204030204" pitchFamily="49" charset="0"/>
-              </a:rPr>
-              <a:t>   </a:t>
-            </a:r>
-            <a:r>
-              <a:rPr lang="nl-NL" sz="1700" dirty="0">
-                <a:latin typeface="Consolas" panose="020B0609020204030204" pitchFamily="49" charset="0"/>
-                <a:cs typeface="Consolas" panose="020B0609020204030204" pitchFamily="49" charset="0"/>
-              </a:rPr>
-              <a:t>}</a:t>
-            </a:r>
-          </a:p>
-          <a:p>
-            <a:pPr marL="0" indent="0">
-              <a:buNone/>
-            </a:pPr>
-            <a:r>
-              <a:rPr lang="nl-NL" sz="1700" dirty="0" smtClean="0">
-                <a:latin typeface="Consolas" panose="020B0609020204030204" pitchFamily="49" charset="0"/>
-                <a:cs typeface="Consolas" panose="020B0609020204030204" pitchFamily="49" charset="0"/>
-              </a:rPr>
-              <a:t>   </a:t>
-            </a:r>
-            <a:r>
-              <a:rPr lang="nl-NL" sz="1700" dirty="0" smtClean="0">
-                <a:latin typeface="Consolas" panose="020B0609020204030204" pitchFamily="49" charset="0"/>
-                <a:cs typeface="Consolas" panose="020B0609020204030204" pitchFamily="49" charset="0"/>
-              </a:rPr>
-              <a:t>@</a:t>
-            </a:r>
-            <a:r>
-              <a:rPr lang="nl-NL" sz="1700" dirty="0">
-                <a:latin typeface="Consolas" panose="020B0609020204030204" pitchFamily="49" charset="0"/>
-                <a:cs typeface="Consolas" panose="020B0609020204030204" pitchFamily="49" charset="0"/>
-              </a:rPr>
-              <a:t>Override</a:t>
-            </a:r>
-          </a:p>
-          <a:p>
-            <a:pPr marL="0" indent="0">
-              <a:buNone/>
-            </a:pPr>
-            <a:r>
-              <a:rPr lang="nl-NL" sz="1700" dirty="0">
-                <a:latin typeface="Consolas" panose="020B0609020204030204" pitchFamily="49" charset="0"/>
-                <a:cs typeface="Consolas" panose="020B0609020204030204" pitchFamily="49" charset="0"/>
-              </a:rPr>
-              <a:t> </a:t>
-            </a:r>
-            <a:r>
-              <a:rPr lang="nl-NL" sz="1700" dirty="0" smtClean="0">
-                <a:latin typeface="Consolas" panose="020B0609020204030204" pitchFamily="49" charset="0"/>
-                <a:cs typeface="Consolas" panose="020B0609020204030204" pitchFamily="49" charset="0"/>
-              </a:rPr>
-              <a:t>  public </a:t>
-            </a:r>
-            <a:r>
-              <a:rPr lang="nl-NL" sz="1700" dirty="0" err="1">
-                <a:latin typeface="Consolas" panose="020B0609020204030204" pitchFamily="49" charset="0"/>
-                <a:cs typeface="Consolas" panose="020B0609020204030204" pitchFamily="49" charset="0"/>
-              </a:rPr>
-              <a:t>void</a:t>
-            </a:r>
-            <a:r>
-              <a:rPr lang="nl-NL" sz="1700" dirty="0">
-                <a:latin typeface="Consolas" panose="020B0609020204030204" pitchFamily="49" charset="0"/>
-                <a:cs typeface="Consolas" panose="020B0609020204030204" pitchFamily="49" charset="0"/>
-              </a:rPr>
-              <a:t> </a:t>
-            </a:r>
-            <a:r>
-              <a:rPr lang="nl-NL" sz="1700" dirty="0" err="1">
-                <a:latin typeface="Consolas" panose="020B0609020204030204" pitchFamily="49" charset="0"/>
-                <a:cs typeface="Consolas" panose="020B0609020204030204" pitchFamily="49" charset="0"/>
-              </a:rPr>
-              <a:t>onCompleted</a:t>
-            </a:r>
-            <a:r>
-              <a:rPr lang="nl-NL" sz="1700" dirty="0">
-                <a:latin typeface="Consolas" panose="020B0609020204030204" pitchFamily="49" charset="0"/>
-                <a:cs typeface="Consolas" panose="020B0609020204030204" pitchFamily="49" charset="0"/>
-              </a:rPr>
-              <a:t>() {</a:t>
-            </a:r>
-          </a:p>
-          <a:p>
-            <a:pPr marL="0" indent="0">
-              <a:buNone/>
-            </a:pPr>
-            <a:r>
-              <a:rPr lang="nl-NL" sz="1700" dirty="0">
-                <a:latin typeface="Consolas" panose="020B0609020204030204" pitchFamily="49" charset="0"/>
-                <a:cs typeface="Consolas" panose="020B0609020204030204" pitchFamily="49" charset="0"/>
-              </a:rPr>
-              <a:t> </a:t>
-            </a:r>
-            <a:r>
-              <a:rPr lang="nl-NL" sz="1700" dirty="0" smtClean="0">
-                <a:latin typeface="Consolas" panose="020B0609020204030204" pitchFamily="49" charset="0"/>
-                <a:cs typeface="Consolas" panose="020B0609020204030204" pitchFamily="49" charset="0"/>
-              </a:rPr>
-              <a:t>    </a:t>
-            </a:r>
-            <a:r>
-              <a:rPr lang="nl-NL" sz="1700" dirty="0" err="1" smtClean="0">
-                <a:latin typeface="Consolas" panose="020B0609020204030204" pitchFamily="49" charset="0"/>
-                <a:cs typeface="Consolas" panose="020B0609020204030204" pitchFamily="49" charset="0"/>
-              </a:rPr>
-              <a:t>responseObserver.onNext</a:t>
-            </a:r>
-            <a:r>
-              <a:rPr lang="nl-NL" sz="1700" dirty="0" smtClean="0">
-                <a:latin typeface="Consolas" panose="020B0609020204030204" pitchFamily="49" charset="0"/>
-                <a:cs typeface="Consolas" panose="020B0609020204030204" pitchFamily="49" charset="0"/>
-              </a:rPr>
-              <a:t>(</a:t>
-            </a:r>
-            <a:r>
-              <a:rPr lang="nl-NL" sz="1700" dirty="0" err="1" smtClean="0">
-                <a:latin typeface="Consolas" panose="020B0609020204030204" pitchFamily="49" charset="0"/>
-                <a:cs typeface="Consolas" panose="020B0609020204030204" pitchFamily="49" charset="0"/>
-              </a:rPr>
-              <a:t>RouteSummary.newBuilder</a:t>
-            </a:r>
-            <a:r>
-              <a:rPr lang="nl-NL" sz="1700" dirty="0" smtClean="0">
-                <a:latin typeface="Consolas" panose="020B0609020204030204" pitchFamily="49" charset="0"/>
-                <a:cs typeface="Consolas" panose="020B0609020204030204" pitchFamily="49" charset="0"/>
-              </a:rPr>
-              <a:t>()..</a:t>
-            </a:r>
-            <a:r>
-              <a:rPr lang="nl-NL" sz="1700" dirty="0" err="1" smtClean="0">
-                <a:latin typeface="Consolas" panose="020B0609020204030204" pitchFamily="49" charset="0"/>
-                <a:cs typeface="Consolas" panose="020B0609020204030204" pitchFamily="49" charset="0"/>
-              </a:rPr>
-              <a:t>build</a:t>
-            </a:r>
-            <a:r>
-              <a:rPr lang="nl-NL" sz="1700" dirty="0" smtClean="0">
-                <a:latin typeface="Consolas" panose="020B0609020204030204" pitchFamily="49" charset="0"/>
-                <a:cs typeface="Consolas" panose="020B0609020204030204" pitchFamily="49" charset="0"/>
-              </a:rPr>
-              <a:t>();</a:t>
-            </a:r>
+              <a:t>();}</a:t>
+            </a:r>
+          </a:p>
+          <a:p>
+            <a:pPr marL="0" indent="0">
+              <a:buNone/>
+            </a:pPr>
             <a:endParaRPr lang="nl-NL" sz="1700" dirty="0">
               <a:latin typeface="Consolas" panose="020B0609020204030204" pitchFamily="49" charset="0"/>
               <a:cs typeface="Consolas" panose="020B0609020204030204" pitchFamily="49" charset="0"/>
@@ -3987,31 +3549,74 @@
               <a:buNone/>
             </a:pPr>
             <a:r>
+              <a:rPr lang="nl-NL" sz="1700" dirty="0" smtClean="0">
+                <a:latin typeface="Consolas" panose="020B0609020204030204" pitchFamily="49" charset="0"/>
+                <a:cs typeface="Consolas" panose="020B0609020204030204" pitchFamily="49" charset="0"/>
+              </a:rPr>
+              <a:t>    @</a:t>
+            </a:r>
+            <a:r>
               <a:rPr lang="nl-NL" sz="1700" dirty="0">
                 <a:latin typeface="Consolas" panose="020B0609020204030204" pitchFamily="49" charset="0"/>
                 <a:cs typeface="Consolas" panose="020B0609020204030204" pitchFamily="49" charset="0"/>
               </a:rPr>
-              <a:t>  </a:t>
-            </a:r>
+              <a:t>Override</a:t>
+            </a:r>
+          </a:p>
+          <a:p>
+            <a:pPr marL="0" indent="0">
+              <a:buNone/>
+            </a:pPr>
             <a:r>
               <a:rPr lang="nl-NL" sz="1700" dirty="0" smtClean="0">
                 <a:latin typeface="Consolas" panose="020B0609020204030204" pitchFamily="49" charset="0"/>
                 <a:cs typeface="Consolas" panose="020B0609020204030204" pitchFamily="49" charset="0"/>
               </a:rPr>
-              <a:t>   </a:t>
-            </a:r>
-            <a:r>
-              <a:rPr lang="nl-NL" sz="1700" dirty="0" err="1" smtClean="0">
-                <a:latin typeface="Consolas" panose="020B0609020204030204" pitchFamily="49" charset="0"/>
-                <a:cs typeface="Consolas" panose="020B0609020204030204" pitchFamily="49" charset="0"/>
-              </a:rPr>
-              <a:t>responseObserver.onCompleted</a:t>
+              <a:t>    public </a:t>
             </a:r>
             <a:r>
               <a:rPr lang="nl-NL" sz="1700" dirty="0">
                 <a:latin typeface="Consolas" panose="020B0609020204030204" pitchFamily="49" charset="0"/>
                 <a:cs typeface="Consolas" panose="020B0609020204030204" pitchFamily="49" charset="0"/>
               </a:rPr>
+              <a:t>void onCompleted() {</a:t>
+            </a:r>
+          </a:p>
+          <a:p>
+            <a:pPr marL="0" indent="0">
+              <a:buNone/>
+            </a:pPr>
+            <a:r>
+              <a:rPr lang="nl-NL" sz="1700" dirty="0">
+                <a:latin typeface="Consolas" panose="020B0609020204030204" pitchFamily="49" charset="0"/>
+                <a:cs typeface="Consolas" panose="020B0609020204030204" pitchFamily="49" charset="0"/>
+              </a:rPr>
+              <a:t>	...</a:t>
+            </a:r>
+          </a:p>
+          <a:p>
+            <a:pPr marL="0" indent="0">
+              <a:buNone/>
+            </a:pPr>
+            <a:r>
+              <a:rPr lang="nl-NL" sz="1700" dirty="0">
+                <a:latin typeface="Consolas" panose="020B0609020204030204" pitchFamily="49" charset="0"/>
+                <a:cs typeface="Consolas" panose="020B0609020204030204" pitchFamily="49" charset="0"/>
+              </a:rPr>
+              <a:t>	</a:t>
+            </a:r>
+            <a:r>
+              <a:rPr lang="nl-NL" sz="1700" dirty="0" smtClean="0">
+                <a:latin typeface="Consolas" panose="020B0609020204030204" pitchFamily="49" charset="0"/>
+                <a:cs typeface="Consolas" panose="020B0609020204030204" pitchFamily="49" charset="0"/>
+              </a:rPr>
+              <a:t>cdl.countDown</a:t>
+            </a:r>
+            <a:r>
+              <a:rPr lang="nl-NL" sz="1700" dirty="0">
+                <a:latin typeface="Consolas" panose="020B0609020204030204" pitchFamily="49" charset="0"/>
+                <a:cs typeface="Consolas" panose="020B0609020204030204" pitchFamily="49" charset="0"/>
+              </a:rPr>
               <a:t>();</a:t>
             </a:r>
           </a:p>
@@ -4020,18 +3625,11 @@
               <a:buNone/>
             </a:pPr>
             <a:r>
-              <a:rPr lang="nl-NL" sz="1700" dirty="0">
-                <a:latin typeface="Consolas" panose="020B0609020204030204" pitchFamily="49" charset="0"/>
-                <a:cs typeface="Consolas" panose="020B0609020204030204" pitchFamily="49" charset="0"/>
-              </a:rPr>
-              <a:t>  </a:t>
-            </a:r>
-            <a:r>
               <a:rPr lang="nl-NL" sz="1700" dirty="0" smtClean="0">
                 <a:latin typeface="Consolas" panose="020B0609020204030204" pitchFamily="49" charset="0"/>
                 <a:cs typeface="Consolas" panose="020B0609020204030204" pitchFamily="49" charset="0"/>
               </a:rPr>
-              <a:t>}</a:t>
+              <a:t>    }</a:t>
             </a:r>
             <a:endParaRPr lang="nl-NL" sz="1700" dirty="0">
               <a:latin typeface="Consolas" panose="020B0609020204030204" pitchFamily="49" charset="0"/>
@@ -4043,26 +3641,47 @@
               <a:buNone/>
             </a:pPr>
             <a:r>
-              <a:rPr lang="nl-NL" sz="1700" dirty="0">
-                <a:latin typeface="Consolas" panose="020B0609020204030204" pitchFamily="49" charset="0"/>
-                <a:cs typeface="Consolas" panose="020B0609020204030204" pitchFamily="49" charset="0"/>
-              </a:rPr>
-              <a:t> </a:t>
-            </a:r>
-            <a:r>
               <a:rPr lang="nl-NL" sz="1700" dirty="0" smtClean="0">
                 <a:latin typeface="Consolas" panose="020B0609020204030204" pitchFamily="49" charset="0"/>
                 <a:cs typeface="Consolas" panose="020B0609020204030204" pitchFamily="49" charset="0"/>
               </a:rPr>
-              <a:t>};</a:t>
-            </a:r>
-            <a:br>
+              <a:t>  };</a:t>
+            </a:r>
+            <a:endParaRPr lang="nl-NL" sz="1700" dirty="0">
+              <a:latin typeface="Consolas" panose="020B0609020204030204" pitchFamily="49" charset="0"/>
+              <a:cs typeface="Consolas" panose="020B0609020204030204" pitchFamily="49" charset="0"/>
+            </a:endParaRPr>
+          </a:p>
+          <a:p>
+            <a:pPr marL="0" indent="0">
+              <a:buNone/>
+            </a:pPr>
+            <a:r>
               <a:rPr lang="nl-NL" sz="1700" dirty="0" smtClean="0">
                 <a:latin typeface="Consolas" panose="020B0609020204030204" pitchFamily="49" charset="0"/>
                 <a:cs typeface="Consolas" panose="020B0609020204030204" pitchFamily="49" charset="0"/>
               </a:rPr>
-            </a:br>
-            <a:endParaRPr lang="nl-NL" sz="1700" dirty="0" smtClean="0">
+              <a:t>}</a:t>
+            </a:r>
+            <a:endParaRPr lang="nl-NL" sz="1700" dirty="0">
+              <a:latin typeface="Consolas" panose="020B0609020204030204" pitchFamily="49" charset="0"/>
+              <a:cs typeface="Consolas" panose="020B0609020204030204" pitchFamily="49" charset="0"/>
+            </a:endParaRPr>
+          </a:p>
+          <a:p>
+            <a:pPr marL="0" indent="0">
+              <a:buNone/>
+            </a:pPr>
+            <a:endParaRPr lang="nl-NL" sz="2000" dirty="0" smtClean="0">
+              <a:latin typeface="Consolas" panose="020B0609020204030204" pitchFamily="49" charset="0"/>
+              <a:cs typeface="Consolas" panose="020B0609020204030204" pitchFamily="49" charset="0"/>
+            </a:endParaRPr>
+          </a:p>
+          <a:p>
+            <a:pPr marL="0" indent="0">
+              <a:buNone/>
+            </a:pPr>
+            <a:endParaRPr lang="nl-NL" sz="2000" dirty="0">
               <a:latin typeface="Consolas" panose="020B0609020204030204" pitchFamily="49" charset="0"/>
               <a:cs typeface="Consolas" panose="020B0609020204030204" pitchFamily="49" charset="0"/>
             </a:endParaRPr>
@@ -4072,7 +3691,7 @@
     </p:spTree>
     <p:extLst>
       <p:ext uri="{BB962C8B-B14F-4D97-AF65-F5344CB8AC3E}">
-        <p14:creationId xmlns:p14="http://schemas.microsoft.com/office/powerpoint/2010/main" val="293693459"/>
+        <p14:creationId xmlns:p14="http://schemas.microsoft.com/office/powerpoint/2010/main" val="3841896515"/>
       </p:ext>
     </p:extLst>
   </p:cSld>
@@ -4123,11 +3742,7 @@
           <a:p>
             <a:r>
               <a:rPr lang="nl-NL" sz="2800" dirty="0" smtClean="0"/>
-              <a:t>Implement grpc code vervolg .. </a:t>
-            </a:r>
-            <a:r>
-              <a:rPr lang="nl-NL" sz="2800" dirty="0" smtClean="0"/>
-              <a:t>3b (client)</a:t>
+              <a:t>grpc code .. 3a streaming api, server</a:t>
             </a:r>
             <a:endParaRPr lang="nl-NL" sz="2800" dirty="0"/>
           </a:p>
@@ -4166,7 +3781,7 @@
         </p:style>
         <p:txBody>
           <a:bodyPr>
-            <a:normAutofit lnSpcReduction="10000"/>
+            <a:normAutofit fontScale="92500" lnSpcReduction="20000"/>
           </a:bodyPr>
           <a:lstStyle/>
           <a:p>
@@ -4174,44 +3789,44 @@
               <a:buNone/>
             </a:pPr>
             <a:r>
+              <a:rPr lang="nl-NL" sz="2400" dirty="0" smtClean="0">
+                <a:solidFill>
+                  <a:schemeClr val="tx2"/>
+                </a:solidFill>
+              </a:rPr>
+              <a:t>Server, </a:t>
+            </a:r>
+            <a:r>
+              <a:rPr lang="nl-NL" sz="2400" dirty="0" err="1" smtClean="0">
+                <a:solidFill>
+                  <a:schemeClr val="tx2"/>
+                </a:solidFill>
+              </a:rPr>
+              <a:t>implement</a:t>
+            </a:r>
+            <a:r>
+              <a:rPr lang="nl-NL" sz="2400" dirty="0" smtClean="0">
+                <a:solidFill>
+                  <a:schemeClr val="tx2"/>
+                </a:solidFill>
+              </a:rPr>
+              <a:t> services:</a:t>
+            </a:r>
+          </a:p>
+          <a:p>
+            <a:pPr marL="0" indent="0">
+              <a:buNone/>
+            </a:pPr>
+            <a:r>
               <a:rPr lang="nl-NL" sz="2000" dirty="0" smtClean="0">
                 <a:solidFill>
                   <a:schemeClr val="tx2"/>
                 </a:solidFill>
               </a:rPr>
-              <a:t>Server, </a:t>
-            </a:r>
-            <a:r>
-              <a:rPr lang="nl-NL" sz="2000" dirty="0" err="1" smtClean="0">
-                <a:solidFill>
-                  <a:schemeClr val="tx2"/>
-                </a:solidFill>
-              </a:rPr>
-              <a:t>implement</a:t>
-            </a:r>
-            <a:r>
-              <a:rPr lang="nl-NL" sz="2000" dirty="0" smtClean="0">
-                <a:solidFill>
-                  <a:schemeClr val="tx2"/>
-                </a:solidFill>
-              </a:rPr>
-              <a:t> services:</a:t>
-            </a:r>
-          </a:p>
-          <a:p>
-            <a:pPr marL="0" indent="0">
-              <a:buNone/>
-            </a:pPr>
-            <a:r>
-              <a:rPr lang="nl-NL" sz="2000" dirty="0" smtClean="0">
-                <a:solidFill>
-                  <a:schemeClr val="tx2"/>
-                </a:solidFill>
-              </a:rPr>
               <a:t>Voorbeeld:  </a:t>
             </a:r>
             <a:r>
-              <a:rPr lang="en-US" sz="2000" dirty="0" err="1">
+              <a:rPr lang="en-US" sz="2400" dirty="0" err="1">
                 <a:solidFill>
                   <a:schemeClr val="tx2"/>
                 </a:solidFill>
@@ -4219,7 +3834,7 @@
               <a:t>rpc</a:t>
             </a:r>
             <a:r>
-              <a:rPr lang="en-US" sz="2000" dirty="0">
+              <a:rPr lang="en-US" sz="2400" dirty="0">
                 <a:solidFill>
                   <a:schemeClr val="tx2"/>
                 </a:solidFill>
@@ -4227,7 +3842,7 @@
               <a:t> </a:t>
             </a:r>
             <a:r>
-              <a:rPr lang="en-US" sz="2000" dirty="0" err="1">
+              <a:rPr lang="en-US" sz="2400" dirty="0" err="1">
                 <a:solidFill>
                   <a:schemeClr val="tx2"/>
                 </a:solidFill>
@@ -4235,7 +3850,7 @@
               <a:t>RecordRoute</a:t>
             </a:r>
             <a:r>
-              <a:rPr lang="en-US" sz="2000" dirty="0">
+              <a:rPr lang="en-US" sz="2400" dirty="0">
                 <a:solidFill>
                   <a:schemeClr val="tx2"/>
                 </a:solidFill>
@@ -4243,7 +3858,7 @@
               <a:t>(stream Point) returns (</a:t>
             </a:r>
             <a:r>
-              <a:rPr lang="en-US" sz="2000" dirty="0" err="1">
+              <a:rPr lang="en-US" sz="2400" dirty="0" err="1">
                 <a:solidFill>
                   <a:schemeClr val="tx2"/>
                 </a:solidFill>
@@ -4251,14 +3866,14 @@
               <a:t>RouteSummary</a:t>
             </a:r>
             <a:r>
-              <a:rPr lang="en-US" sz="2000" dirty="0">
+              <a:rPr lang="en-US" sz="2400" dirty="0">
                 <a:solidFill>
                   <a:schemeClr val="tx2"/>
                 </a:solidFill>
               </a:rPr>
               <a:t>) {}</a:t>
             </a:r>
-            <a:endParaRPr lang="nl-NL" sz="2000" dirty="0">
+            <a:endParaRPr lang="nl-NL" sz="2400" dirty="0">
               <a:solidFill>
                 <a:schemeClr val="tx2"/>
               </a:solidFill>
@@ -4282,46 +3897,176 @@
               </a:rPr>
             </a:br>
             <a:r>
-              <a:rPr lang="nl-NL" sz="1400" dirty="0" smtClean="0">
-                <a:latin typeface="Consolas" panose="020B0609020204030204" pitchFamily="49" charset="0"/>
-                <a:cs typeface="Consolas" panose="020B0609020204030204" pitchFamily="49" charset="0"/>
-              </a:rPr>
-              <a:t>StreamObserver&lt;Point</a:t>
-            </a:r>
-            <a:r>
-              <a:rPr lang="nl-NL" sz="1400" dirty="0">
+              <a:rPr lang="en-US" sz="1700" dirty="0" smtClean="0">
+                <a:latin typeface="Consolas" panose="020B0609020204030204" pitchFamily="49" charset="0"/>
+                <a:cs typeface="Consolas" panose="020B0609020204030204" pitchFamily="49" charset="0"/>
+              </a:rPr>
+              <a:t>public </a:t>
+            </a:r>
+            <a:r>
+              <a:rPr lang="en-US" sz="1700" dirty="0" err="1">
+                <a:latin typeface="Consolas" panose="020B0609020204030204" pitchFamily="49" charset="0"/>
+                <a:cs typeface="Consolas" panose="020B0609020204030204" pitchFamily="49" charset="0"/>
+              </a:rPr>
+              <a:t>StreamObserver</a:t>
+            </a:r>
+            <a:r>
+              <a:rPr lang="en-US" sz="1700" dirty="0">
+                <a:latin typeface="Consolas" panose="020B0609020204030204" pitchFamily="49" charset="0"/>
+                <a:cs typeface="Consolas" panose="020B0609020204030204" pitchFamily="49" charset="0"/>
+              </a:rPr>
+              <a:t>&lt;Point</a:t>
+            </a:r>
+            <a:r>
+              <a:rPr lang="en-US" sz="1700" dirty="0" smtClean="0">
+                <a:latin typeface="Consolas" panose="020B0609020204030204" pitchFamily="49" charset="0"/>
+                <a:cs typeface="Consolas" panose="020B0609020204030204" pitchFamily="49" charset="0"/>
+              </a:rPr>
+              <a:t>&gt;</a:t>
+            </a:r>
+          </a:p>
+          <a:p>
+            <a:pPr marL="0" indent="0">
+              <a:buNone/>
+            </a:pPr>
+            <a:r>
+              <a:rPr lang="en-US" sz="1700" dirty="0" smtClean="0">
+                <a:latin typeface="Consolas" panose="020B0609020204030204" pitchFamily="49" charset="0"/>
+                <a:cs typeface="Consolas" panose="020B0609020204030204" pitchFamily="49" charset="0"/>
+              </a:rPr>
+              <a:t> </a:t>
+            </a:r>
+            <a:r>
+              <a:rPr lang="en-US" sz="1700" dirty="0" err="1" smtClean="0">
+                <a:latin typeface="Consolas" panose="020B0609020204030204" pitchFamily="49" charset="0"/>
+                <a:cs typeface="Consolas" panose="020B0609020204030204" pitchFamily="49" charset="0"/>
+              </a:rPr>
+              <a:t>recordRoute</a:t>
+            </a:r>
+            <a:r>
+              <a:rPr lang="en-US" sz="1700" dirty="0" smtClean="0">
+                <a:latin typeface="Consolas" panose="020B0609020204030204" pitchFamily="49" charset="0"/>
+                <a:cs typeface="Consolas" panose="020B0609020204030204" pitchFamily="49" charset="0"/>
+              </a:rPr>
+              <a:t>(</a:t>
+            </a:r>
+            <a:r>
+              <a:rPr lang="en-US" sz="1700" dirty="0" err="1" smtClean="0">
+                <a:latin typeface="Consolas" panose="020B0609020204030204" pitchFamily="49" charset="0"/>
+                <a:cs typeface="Consolas" panose="020B0609020204030204" pitchFamily="49" charset="0"/>
+              </a:rPr>
+              <a:t>StreamObserver</a:t>
+            </a:r>
+            <a:r>
+              <a:rPr lang="en-US" sz="1700" dirty="0" smtClean="0">
+                <a:latin typeface="Consolas" panose="020B0609020204030204" pitchFamily="49" charset="0"/>
+                <a:cs typeface="Consolas" panose="020B0609020204030204" pitchFamily="49" charset="0"/>
+              </a:rPr>
+              <a:t>&lt;</a:t>
+            </a:r>
+            <a:r>
+              <a:rPr lang="en-US" sz="1700" dirty="0" err="1" smtClean="0">
+                <a:latin typeface="Consolas" panose="020B0609020204030204" pitchFamily="49" charset="0"/>
+                <a:cs typeface="Consolas" panose="020B0609020204030204" pitchFamily="49" charset="0"/>
+              </a:rPr>
+              <a:t>RouteSummary</a:t>
+            </a:r>
+            <a:r>
+              <a:rPr lang="en-US" sz="1700" dirty="0">
                 <a:latin typeface="Consolas" panose="020B0609020204030204" pitchFamily="49" charset="0"/>
                 <a:cs typeface="Consolas" panose="020B0609020204030204" pitchFamily="49" charset="0"/>
               </a:rPr>
               <a:t>&gt; </a:t>
             </a:r>
             <a:r>
-              <a:rPr lang="nl-NL" sz="1400" dirty="0" smtClean="0">
-                <a:latin typeface="Consolas" panose="020B0609020204030204" pitchFamily="49" charset="0"/>
-                <a:cs typeface="Consolas" panose="020B0609020204030204" pitchFamily="49" charset="0"/>
-              </a:rPr>
-              <a:t>reqObserver </a:t>
-            </a:r>
-            <a:r>
-              <a:rPr lang="nl-NL" sz="1400" dirty="0">
-                <a:latin typeface="Consolas" panose="020B0609020204030204" pitchFamily="49" charset="0"/>
-                <a:cs typeface="Consolas" panose="020B0609020204030204" pitchFamily="49" charset="0"/>
-              </a:rPr>
-              <a:t>= </a:t>
-            </a:r>
-            <a:r>
-              <a:rPr lang="nl-NL" sz="1400" dirty="0" smtClean="0">
-                <a:latin typeface="Consolas" panose="020B0609020204030204" pitchFamily="49" charset="0"/>
-                <a:cs typeface="Consolas" panose="020B0609020204030204" pitchFamily="49" charset="0"/>
-              </a:rPr>
-              <a:t>asyncStub.recordRoute(respObserver);</a:t>
-            </a:r>
-          </a:p>
-          <a:p>
-            <a:pPr marL="0" indent="0">
-              <a:buNone/>
-            </a:pPr>
-            <a:endParaRPr lang="nl-NL" sz="1400" dirty="0" smtClean="0">
+              <a:rPr lang="en-US" sz="1700" dirty="0" err="1" smtClean="0">
+                <a:latin typeface="Consolas" panose="020B0609020204030204" pitchFamily="49" charset="0"/>
+                <a:cs typeface="Consolas" panose="020B0609020204030204" pitchFamily="49" charset="0"/>
+              </a:rPr>
+              <a:t>responseObserver</a:t>
+            </a:r>
+            <a:r>
+              <a:rPr lang="en-US" sz="1700" dirty="0">
+                <a:latin typeface="Consolas" panose="020B0609020204030204" pitchFamily="49" charset="0"/>
+                <a:cs typeface="Consolas" panose="020B0609020204030204" pitchFamily="49" charset="0"/>
+              </a:rPr>
+              <a:t>) </a:t>
+            </a:r>
+            <a:r>
+              <a:rPr lang="en-US" sz="1700" dirty="0" smtClean="0">
+                <a:latin typeface="Consolas" panose="020B0609020204030204" pitchFamily="49" charset="0"/>
+                <a:cs typeface="Consolas" panose="020B0609020204030204" pitchFamily="49" charset="0"/>
+              </a:rPr>
+              <a:t>{</a:t>
+            </a:r>
+            <a:endParaRPr lang="en-US" sz="1700" b="1" dirty="0" smtClean="0"/>
+          </a:p>
+          <a:p>
+            <a:pPr marL="0" indent="0">
+              <a:buNone/>
+            </a:pPr>
+            <a:r>
+              <a:rPr lang="en-US" sz="1700" b="1" dirty="0">
+                <a:latin typeface="Consolas" panose="020B0609020204030204" pitchFamily="49" charset="0"/>
+                <a:cs typeface="Consolas" panose="020B0609020204030204" pitchFamily="49" charset="0"/>
+              </a:rPr>
+              <a:t> </a:t>
+            </a:r>
+            <a:r>
+              <a:rPr lang="en-US" sz="1700" b="1" dirty="0" smtClean="0">
+                <a:latin typeface="Consolas" panose="020B0609020204030204" pitchFamily="49" charset="0"/>
+                <a:cs typeface="Consolas" panose="020B0609020204030204" pitchFamily="49" charset="0"/>
+              </a:rPr>
+              <a:t> </a:t>
+            </a:r>
+            <a:r>
+              <a:rPr lang="nl-NL" sz="1700" dirty="0" smtClean="0">
+                <a:latin typeface="Consolas" panose="020B0609020204030204" pitchFamily="49" charset="0"/>
+                <a:cs typeface="Consolas" panose="020B0609020204030204" pitchFamily="49" charset="0"/>
+              </a:rPr>
+              <a:t>return </a:t>
+            </a:r>
+            <a:r>
+              <a:rPr lang="nl-NL" sz="1700" dirty="0">
+                <a:latin typeface="Consolas" panose="020B0609020204030204" pitchFamily="49" charset="0"/>
+                <a:cs typeface="Consolas" panose="020B0609020204030204" pitchFamily="49" charset="0"/>
+              </a:rPr>
+              <a:t>new StreamObserver&lt;Point&gt;() {</a:t>
+            </a:r>
+          </a:p>
+          <a:p>
+            <a:pPr marL="0" indent="0">
+              <a:buNone/>
+            </a:pPr>
+            <a:r>
+              <a:rPr lang="nl-NL" sz="1700" dirty="0">
+                <a:latin typeface="Consolas" panose="020B0609020204030204" pitchFamily="49" charset="0"/>
+                <a:cs typeface="Consolas" panose="020B0609020204030204" pitchFamily="49" charset="0"/>
+              </a:rPr>
+              <a:t> </a:t>
+            </a:r>
+            <a:r>
+              <a:rPr lang="nl-NL" sz="1700" dirty="0" smtClean="0">
+                <a:latin typeface="Consolas" panose="020B0609020204030204" pitchFamily="49" charset="0"/>
+                <a:cs typeface="Consolas" panose="020B0609020204030204" pitchFamily="49" charset="0"/>
+              </a:rPr>
+              <a:t>  </a:t>
+            </a:r>
+            <a:r>
+              <a:rPr lang="nl-NL" sz="1700" dirty="0">
+                <a:latin typeface="Consolas" panose="020B0609020204030204" pitchFamily="49" charset="0"/>
+                <a:cs typeface="Consolas" panose="020B0609020204030204" pitchFamily="49" charset="0"/>
+              </a:rPr>
+              <a:t>@</a:t>
+            </a:r>
+            <a:r>
+              <a:rPr lang="nl-NL" sz="1700" dirty="0" err="1">
+                <a:latin typeface="Consolas" panose="020B0609020204030204" pitchFamily="49" charset="0"/>
+                <a:cs typeface="Consolas" panose="020B0609020204030204" pitchFamily="49" charset="0"/>
+              </a:rPr>
+              <a:t>Override</a:t>
+            </a:r>
+            <a:endParaRPr lang="nl-NL" sz="1700" dirty="0">
               <a:latin typeface="Consolas" panose="020B0609020204030204" pitchFamily="49" charset="0"/>
               <a:cs typeface="Consolas" panose="020B0609020204030204" pitchFamily="49" charset="0"/>
             </a:endParaRPr>
@@ -4331,66 +4076,331 @@
               <a:buNone/>
             </a:pPr>
             <a:r>
-              <a:rPr lang="nl-NL" sz="1400" dirty="0">
-                <a:latin typeface="Consolas" panose="020B0609020204030204" pitchFamily="49" charset="0"/>
-                <a:cs typeface="Consolas" panose="020B0609020204030204" pitchFamily="49" charset="0"/>
-              </a:rPr>
-              <a:t>StreamObserver&lt;RouteSummary&gt; responseObserver = new StreamObserver&lt;RouteSummary&gt;() {</a:t>
-            </a:r>
-          </a:p>
-          <a:p>
-            <a:pPr marL="0" indent="0">
-              <a:buNone/>
-            </a:pPr>
-            <a:r>
-              <a:rPr lang="nl-NL" sz="1400" dirty="0">
-                <a:latin typeface="Consolas" panose="020B0609020204030204" pitchFamily="49" charset="0"/>
-                <a:cs typeface="Consolas" panose="020B0609020204030204" pitchFamily="49" charset="0"/>
-              </a:rPr>
-              <a:t>    @Override</a:t>
-            </a:r>
-          </a:p>
-          <a:p>
-            <a:pPr marL="0" indent="0">
-              <a:buNone/>
-            </a:pPr>
-            <a:r>
-              <a:rPr lang="nl-NL" sz="1400" dirty="0">
-                <a:latin typeface="Consolas" panose="020B0609020204030204" pitchFamily="49" charset="0"/>
-                <a:cs typeface="Consolas" panose="020B0609020204030204" pitchFamily="49" charset="0"/>
-              </a:rPr>
-              <a:t>    public void onNext(RouteSummary summary) {</a:t>
-            </a:r>
-          </a:p>
-          <a:p>
-            <a:pPr marL="0" indent="0">
-              <a:buNone/>
-            </a:pPr>
-            <a:r>
-              <a:rPr lang="nl-NL" sz="1400" dirty="0">
-                <a:latin typeface="Consolas" panose="020B0609020204030204" pitchFamily="49" charset="0"/>
-                <a:cs typeface="Consolas" panose="020B0609020204030204" pitchFamily="49" charset="0"/>
-              </a:rPr>
-              <a:t>		//doe iets met summary</a:t>
-            </a:r>
-          </a:p>
-          <a:p>
-            <a:pPr marL="0" indent="0">
-              <a:buNone/>
-            </a:pPr>
-            <a:r>
-              <a:rPr lang="nl-NL" sz="1400" dirty="0">
-                <a:latin typeface="Consolas" panose="020B0609020204030204" pitchFamily="49" charset="0"/>
-                <a:cs typeface="Consolas" panose="020B0609020204030204" pitchFamily="49" charset="0"/>
-              </a:rPr>
-              <a:t>    }</a:t>
-            </a:r>
-          </a:p>
-          <a:p>
-            <a:pPr marL="0" indent="0">
-              <a:buNone/>
-            </a:pPr>
-            <a:endParaRPr lang="nl-NL" sz="1400" dirty="0">
+              <a:rPr lang="nl-NL" sz="1700" dirty="0">
+                <a:latin typeface="Consolas" panose="020B0609020204030204" pitchFamily="49" charset="0"/>
+                <a:cs typeface="Consolas" panose="020B0609020204030204" pitchFamily="49" charset="0"/>
+              </a:rPr>
+              <a:t> </a:t>
+            </a:r>
+            <a:r>
+              <a:rPr lang="nl-NL" sz="1700" dirty="0" smtClean="0">
+                <a:latin typeface="Consolas" panose="020B0609020204030204" pitchFamily="49" charset="0"/>
+                <a:cs typeface="Consolas" panose="020B0609020204030204" pitchFamily="49" charset="0"/>
+              </a:rPr>
+              <a:t>  </a:t>
+            </a:r>
+            <a:r>
+              <a:rPr lang="nl-NL" sz="1700" dirty="0">
+                <a:latin typeface="Consolas" panose="020B0609020204030204" pitchFamily="49" charset="0"/>
+                <a:cs typeface="Consolas" panose="020B0609020204030204" pitchFamily="49" charset="0"/>
+              </a:rPr>
+              <a:t>public </a:t>
+            </a:r>
+            <a:r>
+              <a:rPr lang="nl-NL" sz="1700" dirty="0" err="1">
+                <a:latin typeface="Consolas" panose="020B0609020204030204" pitchFamily="49" charset="0"/>
+                <a:cs typeface="Consolas" panose="020B0609020204030204" pitchFamily="49" charset="0"/>
+              </a:rPr>
+              <a:t>void</a:t>
+            </a:r>
+            <a:r>
+              <a:rPr lang="nl-NL" sz="1700" dirty="0">
+                <a:latin typeface="Consolas" panose="020B0609020204030204" pitchFamily="49" charset="0"/>
+                <a:cs typeface="Consolas" panose="020B0609020204030204" pitchFamily="49" charset="0"/>
+              </a:rPr>
+              <a:t> </a:t>
+            </a:r>
+            <a:r>
+              <a:rPr lang="nl-NL" sz="1700" dirty="0" err="1">
+                <a:latin typeface="Consolas" panose="020B0609020204030204" pitchFamily="49" charset="0"/>
+                <a:cs typeface="Consolas" panose="020B0609020204030204" pitchFamily="49" charset="0"/>
+              </a:rPr>
+              <a:t>onNext</a:t>
+            </a:r>
+            <a:r>
+              <a:rPr lang="nl-NL" sz="1700" dirty="0">
+                <a:latin typeface="Consolas" panose="020B0609020204030204" pitchFamily="49" charset="0"/>
+                <a:cs typeface="Consolas" panose="020B0609020204030204" pitchFamily="49" charset="0"/>
+              </a:rPr>
+              <a:t>(Point point) {</a:t>
+            </a:r>
+          </a:p>
+          <a:p>
+            <a:pPr marL="0" indent="0">
+              <a:buNone/>
+            </a:pPr>
+            <a:r>
+              <a:rPr lang="nl-NL" sz="1700" dirty="0">
+                <a:latin typeface="Consolas" panose="020B0609020204030204" pitchFamily="49" charset="0"/>
+                <a:cs typeface="Consolas" panose="020B0609020204030204" pitchFamily="49" charset="0"/>
+              </a:rPr>
+              <a:t>	...</a:t>
+            </a:r>
+          </a:p>
+          <a:p>
+            <a:pPr marL="0" indent="0">
+              <a:buNone/>
+            </a:pPr>
+            <a:r>
+              <a:rPr lang="nl-NL" sz="1700" dirty="0" smtClean="0">
+                <a:latin typeface="Consolas" panose="020B0609020204030204" pitchFamily="49" charset="0"/>
+                <a:cs typeface="Consolas" panose="020B0609020204030204" pitchFamily="49" charset="0"/>
+              </a:rPr>
+              <a:t>   </a:t>
+            </a:r>
+            <a:r>
+              <a:rPr lang="nl-NL" sz="1700" dirty="0">
+                <a:latin typeface="Consolas" panose="020B0609020204030204" pitchFamily="49" charset="0"/>
+                <a:cs typeface="Consolas" panose="020B0609020204030204" pitchFamily="49" charset="0"/>
+              </a:rPr>
+              <a:t>}</a:t>
+            </a:r>
+          </a:p>
+          <a:p>
+            <a:pPr marL="0" indent="0">
+              <a:buNone/>
+            </a:pPr>
+            <a:r>
+              <a:rPr lang="nl-NL" sz="1700" dirty="0" smtClean="0">
+                <a:latin typeface="Consolas" panose="020B0609020204030204" pitchFamily="49" charset="0"/>
+                <a:cs typeface="Consolas" panose="020B0609020204030204" pitchFamily="49" charset="0"/>
+              </a:rPr>
+              <a:t>   </a:t>
+            </a:r>
+            <a:r>
+              <a:rPr lang="nl-NL" sz="1700" dirty="0">
+                <a:latin typeface="Consolas" panose="020B0609020204030204" pitchFamily="49" charset="0"/>
+                <a:cs typeface="Consolas" panose="020B0609020204030204" pitchFamily="49" charset="0"/>
+              </a:rPr>
+              <a:t>@Override</a:t>
+            </a:r>
+          </a:p>
+          <a:p>
+            <a:pPr marL="0" indent="0">
+              <a:buNone/>
+            </a:pPr>
+            <a:r>
+              <a:rPr lang="nl-NL" sz="1700" dirty="0" smtClean="0">
+                <a:latin typeface="Consolas" panose="020B0609020204030204" pitchFamily="49" charset="0"/>
+                <a:cs typeface="Consolas" panose="020B0609020204030204" pitchFamily="49" charset="0"/>
+              </a:rPr>
+              <a:t>   </a:t>
+            </a:r>
+            <a:r>
+              <a:rPr lang="nl-NL" sz="1700" dirty="0">
+                <a:latin typeface="Consolas" panose="020B0609020204030204" pitchFamily="49" charset="0"/>
+                <a:cs typeface="Consolas" panose="020B0609020204030204" pitchFamily="49" charset="0"/>
+              </a:rPr>
+              <a:t>public </a:t>
+            </a:r>
+            <a:r>
+              <a:rPr lang="nl-NL" sz="1700" dirty="0" err="1">
+                <a:latin typeface="Consolas" panose="020B0609020204030204" pitchFamily="49" charset="0"/>
+                <a:cs typeface="Consolas" panose="020B0609020204030204" pitchFamily="49" charset="0"/>
+              </a:rPr>
+              <a:t>void</a:t>
+            </a:r>
+            <a:r>
+              <a:rPr lang="nl-NL" sz="1700" dirty="0">
+                <a:latin typeface="Consolas" panose="020B0609020204030204" pitchFamily="49" charset="0"/>
+                <a:cs typeface="Consolas" panose="020B0609020204030204" pitchFamily="49" charset="0"/>
+              </a:rPr>
+              <a:t> </a:t>
+            </a:r>
+            <a:r>
+              <a:rPr lang="nl-NL" sz="1700" dirty="0" err="1">
+                <a:latin typeface="Consolas" panose="020B0609020204030204" pitchFamily="49" charset="0"/>
+                <a:cs typeface="Consolas" panose="020B0609020204030204" pitchFamily="49" charset="0"/>
+              </a:rPr>
+              <a:t>onError</a:t>
+            </a:r>
+            <a:r>
+              <a:rPr lang="nl-NL" sz="1700" dirty="0">
+                <a:latin typeface="Consolas" panose="020B0609020204030204" pitchFamily="49" charset="0"/>
+                <a:cs typeface="Consolas" panose="020B0609020204030204" pitchFamily="49" charset="0"/>
+              </a:rPr>
+              <a:t>(</a:t>
+            </a:r>
+            <a:r>
+              <a:rPr lang="nl-NL" sz="1700" dirty="0" err="1">
+                <a:latin typeface="Consolas" panose="020B0609020204030204" pitchFamily="49" charset="0"/>
+                <a:cs typeface="Consolas" panose="020B0609020204030204" pitchFamily="49" charset="0"/>
+              </a:rPr>
+              <a:t>Throwable</a:t>
+            </a:r>
+            <a:r>
+              <a:rPr lang="nl-NL" sz="1700" dirty="0">
+                <a:latin typeface="Consolas" panose="020B0609020204030204" pitchFamily="49" charset="0"/>
+                <a:cs typeface="Consolas" panose="020B0609020204030204" pitchFamily="49" charset="0"/>
+              </a:rPr>
+              <a:t> t) {</a:t>
+            </a:r>
+          </a:p>
+          <a:p>
+            <a:pPr marL="0" indent="0">
+              <a:buNone/>
+            </a:pPr>
+            <a:r>
+              <a:rPr lang="nl-NL" sz="1700" dirty="0" smtClean="0">
+                <a:latin typeface="Consolas" panose="020B0609020204030204" pitchFamily="49" charset="0"/>
+                <a:cs typeface="Consolas" panose="020B0609020204030204" pitchFamily="49" charset="0"/>
+              </a:rPr>
+              <a:t>     </a:t>
+            </a:r>
+            <a:r>
+              <a:rPr lang="nl-NL" sz="1700" dirty="0">
+                <a:latin typeface="Consolas" panose="020B0609020204030204" pitchFamily="49" charset="0"/>
+                <a:cs typeface="Consolas" panose="020B0609020204030204" pitchFamily="49" charset="0"/>
+              </a:rPr>
+              <a:t>...</a:t>
+            </a:r>
+          </a:p>
+          <a:p>
+            <a:pPr marL="0" indent="0">
+              <a:buNone/>
+            </a:pPr>
+            <a:r>
+              <a:rPr lang="nl-NL" sz="1700" dirty="0" smtClean="0">
+                <a:latin typeface="Consolas" panose="020B0609020204030204" pitchFamily="49" charset="0"/>
+                <a:cs typeface="Consolas" panose="020B0609020204030204" pitchFamily="49" charset="0"/>
+              </a:rPr>
+              <a:t>   </a:t>
+            </a:r>
+            <a:r>
+              <a:rPr lang="nl-NL" sz="1700" dirty="0">
+                <a:latin typeface="Consolas" panose="020B0609020204030204" pitchFamily="49" charset="0"/>
+                <a:cs typeface="Consolas" panose="020B0609020204030204" pitchFamily="49" charset="0"/>
+              </a:rPr>
+              <a:t>}</a:t>
+            </a:r>
+          </a:p>
+          <a:p>
+            <a:pPr marL="0" indent="0">
+              <a:buNone/>
+            </a:pPr>
+            <a:r>
+              <a:rPr lang="nl-NL" sz="1700" dirty="0" smtClean="0">
+                <a:latin typeface="Consolas" panose="020B0609020204030204" pitchFamily="49" charset="0"/>
+                <a:cs typeface="Consolas" panose="020B0609020204030204" pitchFamily="49" charset="0"/>
+              </a:rPr>
+              <a:t>   @</a:t>
+            </a:r>
+            <a:r>
+              <a:rPr lang="nl-NL" sz="1700" dirty="0">
+                <a:latin typeface="Consolas" panose="020B0609020204030204" pitchFamily="49" charset="0"/>
+                <a:cs typeface="Consolas" panose="020B0609020204030204" pitchFamily="49" charset="0"/>
+              </a:rPr>
+              <a:t>Override</a:t>
+            </a:r>
+          </a:p>
+          <a:p>
+            <a:pPr marL="0" indent="0">
+              <a:buNone/>
+            </a:pPr>
+            <a:r>
+              <a:rPr lang="nl-NL" sz="1700" dirty="0">
+                <a:latin typeface="Consolas" panose="020B0609020204030204" pitchFamily="49" charset="0"/>
+                <a:cs typeface="Consolas" panose="020B0609020204030204" pitchFamily="49" charset="0"/>
+              </a:rPr>
+              <a:t> </a:t>
+            </a:r>
+            <a:r>
+              <a:rPr lang="nl-NL" sz="1700" dirty="0" smtClean="0">
+                <a:latin typeface="Consolas" panose="020B0609020204030204" pitchFamily="49" charset="0"/>
+                <a:cs typeface="Consolas" panose="020B0609020204030204" pitchFamily="49" charset="0"/>
+              </a:rPr>
+              <a:t>  public </a:t>
+            </a:r>
+            <a:r>
+              <a:rPr lang="nl-NL" sz="1700" dirty="0" err="1">
+                <a:latin typeface="Consolas" panose="020B0609020204030204" pitchFamily="49" charset="0"/>
+                <a:cs typeface="Consolas" panose="020B0609020204030204" pitchFamily="49" charset="0"/>
+              </a:rPr>
+              <a:t>void</a:t>
+            </a:r>
+            <a:r>
+              <a:rPr lang="nl-NL" sz="1700" dirty="0">
+                <a:latin typeface="Consolas" panose="020B0609020204030204" pitchFamily="49" charset="0"/>
+                <a:cs typeface="Consolas" panose="020B0609020204030204" pitchFamily="49" charset="0"/>
+              </a:rPr>
+              <a:t> </a:t>
+            </a:r>
+            <a:r>
+              <a:rPr lang="nl-NL" sz="1700" dirty="0" err="1">
+                <a:latin typeface="Consolas" panose="020B0609020204030204" pitchFamily="49" charset="0"/>
+                <a:cs typeface="Consolas" panose="020B0609020204030204" pitchFamily="49" charset="0"/>
+              </a:rPr>
+              <a:t>onCompleted</a:t>
+            </a:r>
+            <a:r>
+              <a:rPr lang="nl-NL" sz="1700" dirty="0">
+                <a:latin typeface="Consolas" panose="020B0609020204030204" pitchFamily="49" charset="0"/>
+                <a:cs typeface="Consolas" panose="020B0609020204030204" pitchFamily="49" charset="0"/>
+              </a:rPr>
+              <a:t>() {</a:t>
+            </a:r>
+          </a:p>
+          <a:p>
+            <a:pPr marL="0" indent="0">
+              <a:buNone/>
+            </a:pPr>
+            <a:r>
+              <a:rPr lang="nl-NL" sz="1700" dirty="0">
+                <a:latin typeface="Consolas" panose="020B0609020204030204" pitchFamily="49" charset="0"/>
+                <a:cs typeface="Consolas" panose="020B0609020204030204" pitchFamily="49" charset="0"/>
+              </a:rPr>
+              <a:t> </a:t>
+            </a:r>
+            <a:r>
+              <a:rPr lang="nl-NL" sz="1700" dirty="0" smtClean="0">
+                <a:latin typeface="Consolas" panose="020B0609020204030204" pitchFamily="49" charset="0"/>
+                <a:cs typeface="Consolas" panose="020B0609020204030204" pitchFamily="49" charset="0"/>
+              </a:rPr>
+              <a:t>    </a:t>
+            </a:r>
+            <a:r>
+              <a:rPr lang="nl-NL" sz="1700" dirty="0" err="1" smtClean="0">
+                <a:latin typeface="Consolas" panose="020B0609020204030204" pitchFamily="49" charset="0"/>
+                <a:cs typeface="Consolas" panose="020B0609020204030204" pitchFamily="49" charset="0"/>
+              </a:rPr>
+              <a:t>responseObserver.onNext</a:t>
+            </a:r>
+            <a:r>
+              <a:rPr lang="nl-NL" sz="1700" dirty="0" smtClean="0">
+                <a:latin typeface="Consolas" panose="020B0609020204030204" pitchFamily="49" charset="0"/>
+                <a:cs typeface="Consolas" panose="020B0609020204030204" pitchFamily="49" charset="0"/>
+              </a:rPr>
+              <a:t>(</a:t>
+            </a:r>
+            <a:r>
+              <a:rPr lang="nl-NL" sz="1700" dirty="0" err="1" smtClean="0">
+                <a:latin typeface="Consolas" panose="020B0609020204030204" pitchFamily="49" charset="0"/>
+                <a:cs typeface="Consolas" panose="020B0609020204030204" pitchFamily="49" charset="0"/>
+              </a:rPr>
+              <a:t>RouteSummary.newBuilder</a:t>
+            </a:r>
+            <a:r>
+              <a:rPr lang="nl-NL" sz="1700" dirty="0" smtClean="0">
+                <a:latin typeface="Consolas" panose="020B0609020204030204" pitchFamily="49" charset="0"/>
+                <a:cs typeface="Consolas" panose="020B0609020204030204" pitchFamily="49" charset="0"/>
+              </a:rPr>
+              <a:t>()..</a:t>
+            </a:r>
+            <a:r>
+              <a:rPr lang="nl-NL" sz="1700" dirty="0" err="1" smtClean="0">
+                <a:latin typeface="Consolas" panose="020B0609020204030204" pitchFamily="49" charset="0"/>
+                <a:cs typeface="Consolas" panose="020B0609020204030204" pitchFamily="49" charset="0"/>
+              </a:rPr>
+              <a:t>build</a:t>
+            </a:r>
+            <a:r>
+              <a:rPr lang="nl-NL" sz="1700" dirty="0" smtClean="0">
+                <a:latin typeface="Consolas" panose="020B0609020204030204" pitchFamily="49" charset="0"/>
+                <a:cs typeface="Consolas" panose="020B0609020204030204" pitchFamily="49" charset="0"/>
+              </a:rPr>
+              <a:t>();</a:t>
+            </a:r>
+            <a:endParaRPr lang="nl-NL" sz="1700" dirty="0">
               <a:latin typeface="Consolas" panose="020B0609020204030204" pitchFamily="49" charset="0"/>
               <a:cs typeface="Consolas" panose="020B0609020204030204" pitchFamily="49" charset="0"/>
             </a:endParaRPr>
@@ -4400,42 +4410,53 @@
               <a:buNone/>
             </a:pPr>
             <a:r>
-              <a:rPr lang="nl-NL" sz="1400" dirty="0">
-                <a:latin typeface="Consolas" panose="020B0609020204030204" pitchFamily="49" charset="0"/>
-                <a:cs typeface="Consolas" panose="020B0609020204030204" pitchFamily="49" charset="0"/>
-              </a:rPr>
-              <a:t>    @Override</a:t>
-            </a:r>
-          </a:p>
-          <a:p>
-            <a:pPr marL="0" indent="0">
-              <a:buNone/>
-            </a:pPr>
-            <a:r>
-              <a:rPr lang="nl-NL" sz="1400" dirty="0">
-                <a:latin typeface="Consolas" panose="020B0609020204030204" pitchFamily="49" charset="0"/>
-                <a:cs typeface="Consolas" panose="020B0609020204030204" pitchFamily="49" charset="0"/>
-              </a:rPr>
-              <a:t>    public void onError(Throwable t) {</a:t>
-            </a:r>
-          </a:p>
-          <a:p>
-            <a:pPr marL="0" indent="0">
-              <a:buNone/>
-            </a:pPr>
-            <a:r>
-              <a:rPr lang="nl-NL" sz="1400" dirty="0">
-                <a:latin typeface="Consolas" panose="020B0609020204030204" pitchFamily="49" charset="0"/>
-                <a:cs typeface="Consolas" panose="020B0609020204030204" pitchFamily="49" charset="0"/>
-              </a:rPr>
-              <a:t>    }</a:t>
-            </a:r>
-          </a:p>
-          <a:p>
-            <a:pPr marL="0" indent="0">
-              <a:buNone/>
-            </a:pPr>
-            <a:endParaRPr lang="nl-NL" sz="1400" dirty="0">
+              <a:rPr lang="nl-NL" sz="1700" dirty="0">
+                <a:latin typeface="Consolas" panose="020B0609020204030204" pitchFamily="49" charset="0"/>
+                <a:cs typeface="Consolas" panose="020B0609020204030204" pitchFamily="49" charset="0"/>
+              </a:rPr>
+              <a:t>  </a:t>
+            </a:r>
+            <a:r>
+              <a:rPr lang="nl-NL" sz="1700" dirty="0" smtClean="0">
+                <a:latin typeface="Consolas" panose="020B0609020204030204" pitchFamily="49" charset="0"/>
+                <a:cs typeface="Consolas" panose="020B0609020204030204" pitchFamily="49" charset="0"/>
+              </a:rPr>
+              <a:t>   </a:t>
+            </a:r>
+            <a:r>
+              <a:rPr lang="nl-NL" sz="1700" dirty="0" err="1" smtClean="0">
+                <a:latin typeface="Consolas" panose="020B0609020204030204" pitchFamily="49" charset="0"/>
+                <a:cs typeface="Consolas" panose="020B0609020204030204" pitchFamily="49" charset="0"/>
+              </a:rPr>
+              <a:t>responseObserver.onCompleted</a:t>
+            </a:r>
+            <a:r>
+              <a:rPr lang="nl-NL" sz="1700" dirty="0">
+                <a:latin typeface="Consolas" panose="020B0609020204030204" pitchFamily="49" charset="0"/>
+                <a:cs typeface="Consolas" panose="020B0609020204030204" pitchFamily="49" charset="0"/>
+              </a:rPr>
+              <a:t>();</a:t>
+            </a:r>
+          </a:p>
+          <a:p>
+            <a:pPr marL="0" indent="0">
+              <a:buNone/>
+            </a:pPr>
+            <a:r>
+              <a:rPr lang="nl-NL" sz="1700" dirty="0">
+                <a:latin typeface="Consolas" panose="020B0609020204030204" pitchFamily="49" charset="0"/>
+                <a:cs typeface="Consolas" panose="020B0609020204030204" pitchFamily="49" charset="0"/>
+              </a:rPr>
+              <a:t>  </a:t>
+            </a:r>
+            <a:r>
+              <a:rPr lang="nl-NL" sz="1700" dirty="0" smtClean="0">
+                <a:latin typeface="Consolas" panose="020B0609020204030204" pitchFamily="49" charset="0"/>
+                <a:cs typeface="Consolas" panose="020B0609020204030204" pitchFamily="49" charset="0"/>
+              </a:rPr>
+              <a:t>}</a:t>
+            </a:r>
+            <a:endParaRPr lang="nl-NL" sz="1700" dirty="0">
               <a:latin typeface="Consolas" panose="020B0609020204030204" pitchFamily="49" charset="0"/>
               <a:cs typeface="Consolas" panose="020B0609020204030204" pitchFamily="49" charset="0"/>
             </a:endParaRPr>
@@ -4445,73 +4466,26 @@
               <a:buNone/>
             </a:pPr>
             <a:r>
-              <a:rPr lang="nl-NL" sz="1400" dirty="0">
-                <a:latin typeface="Consolas" panose="020B0609020204030204" pitchFamily="49" charset="0"/>
-                <a:cs typeface="Consolas" panose="020B0609020204030204" pitchFamily="49" charset="0"/>
-              </a:rPr>
-              <a:t>    @Override</a:t>
-            </a:r>
-          </a:p>
-          <a:p>
-            <a:pPr marL="0" indent="0">
-              <a:buNone/>
-            </a:pPr>
-            <a:r>
-              <a:rPr lang="nl-NL" sz="1400" dirty="0">
-                <a:latin typeface="Consolas" panose="020B0609020204030204" pitchFamily="49" charset="0"/>
-                <a:cs typeface="Consolas" panose="020B0609020204030204" pitchFamily="49" charset="0"/>
-              </a:rPr>
-              <a:t>    public void onCompleted() {</a:t>
-            </a:r>
-          </a:p>
-          <a:p>
-            <a:pPr marL="0" indent="0">
-              <a:buNone/>
-            </a:pPr>
-            <a:r>
-              <a:rPr lang="nl-NL" sz="1400" dirty="0">
-                <a:latin typeface="Consolas" panose="020B0609020204030204" pitchFamily="49" charset="0"/>
-                <a:cs typeface="Consolas" panose="020B0609020204030204" pitchFamily="49" charset="0"/>
-              </a:rPr>
-              <a:t>      info("Finished RecordRoute");</a:t>
-            </a:r>
-          </a:p>
-          <a:p>
-            <a:pPr marL="0" indent="0">
-              <a:buNone/>
-            </a:pPr>
-            <a:r>
-              <a:rPr lang="nl-NL" sz="1400" dirty="0">
-                <a:latin typeface="Consolas" panose="020B0609020204030204" pitchFamily="49" charset="0"/>
-                <a:cs typeface="Consolas" panose="020B0609020204030204" pitchFamily="49" charset="0"/>
-              </a:rPr>
-              <a:t>      finishLatch.countDown();</a:t>
-            </a:r>
-          </a:p>
-          <a:p>
-            <a:pPr marL="0" indent="0">
-              <a:buNone/>
-            </a:pPr>
-            <a:r>
-              <a:rPr lang="nl-NL" sz="1400" dirty="0">
-                <a:latin typeface="Consolas" panose="020B0609020204030204" pitchFamily="49" charset="0"/>
-                <a:cs typeface="Consolas" panose="020B0609020204030204" pitchFamily="49" charset="0"/>
-              </a:rPr>
-              <a:t>    }</a:t>
-            </a:r>
-          </a:p>
-          <a:p>
-            <a:pPr marL="0" indent="0">
-              <a:buNone/>
-            </a:pPr>
-            <a:r>
-              <a:rPr lang="nl-NL" sz="1400" dirty="0">
+              <a:rPr lang="nl-NL" sz="1700" dirty="0">
+                <a:latin typeface="Consolas" panose="020B0609020204030204" pitchFamily="49" charset="0"/>
+                <a:cs typeface="Consolas" panose="020B0609020204030204" pitchFamily="49" charset="0"/>
+              </a:rPr>
+              <a:t> </a:t>
+            </a:r>
+            <a:r>
+              <a:rPr lang="nl-NL" sz="1700" dirty="0" smtClean="0">
                 <a:latin typeface="Consolas" panose="020B0609020204030204" pitchFamily="49" charset="0"/>
                 <a:cs typeface="Consolas" panose="020B0609020204030204" pitchFamily="49" charset="0"/>
               </a:rPr>
               <a:t>};</a:t>
             </a:r>
-            <a:endParaRPr lang="nl-NL" sz="1400" dirty="0">
+            <a:br>
+              <a:rPr lang="nl-NL" sz="1700" dirty="0" smtClean="0">
+                <a:latin typeface="Consolas" panose="020B0609020204030204" pitchFamily="49" charset="0"/>
+                <a:cs typeface="Consolas" panose="020B0609020204030204" pitchFamily="49" charset="0"/>
+              </a:rPr>
+            </a:br>
+            <a:endParaRPr lang="nl-NL" sz="1700" dirty="0" smtClean="0">
               <a:latin typeface="Consolas" panose="020B0609020204030204" pitchFamily="49" charset="0"/>
               <a:cs typeface="Consolas" panose="020B0609020204030204" pitchFamily="49" charset="0"/>
             </a:endParaRPr>
@@ -4521,7 +4495,7 @@
     </p:spTree>
     <p:extLst>
       <p:ext uri="{BB962C8B-B14F-4D97-AF65-F5344CB8AC3E}">
-        <p14:creationId xmlns:p14="http://schemas.microsoft.com/office/powerpoint/2010/main" val="3991532252"/>
+        <p14:creationId xmlns:p14="http://schemas.microsoft.com/office/powerpoint/2010/main" val="293693459"/>
       </p:ext>
     </p:extLst>
   </p:cSld>
@@ -4571,20 +4545,20 @@
           <a:lstStyle/>
           <a:p>
             <a:r>
-              <a:rPr lang="nl-NL" sz="2800" dirty="0" err="1" smtClean="0"/>
-              <a:t>Implement</a:t>
+              <a:rPr lang="nl-NL" sz="2800" dirty="0"/>
+              <a:t>grpc code .. </a:t>
             </a:r>
             <a:r>
               <a:rPr lang="nl-NL" sz="2800" dirty="0" smtClean="0"/>
-              <a:t> </a:t>
-            </a:r>
-            <a:r>
-              <a:rPr lang="nl-NL" sz="2800" dirty="0" err="1" smtClean="0"/>
-              <a:t>grpc</a:t>
+              <a:t>3b </a:t>
+            </a:r>
+            <a:r>
+              <a:rPr lang="nl-NL" sz="2800" dirty="0"/>
+              <a:t>streaming api, </a:t>
             </a:r>
             <a:r>
               <a:rPr lang="nl-NL" sz="2800" dirty="0" smtClean="0"/>
-              <a:t> code vervolg .. 4</a:t>
+              <a:t>client</a:t>
             </a:r>
             <a:endParaRPr lang="nl-NL" sz="2800" dirty="0"/>
           </a:p>
@@ -4605,15 +4579,25 @@
             <a:off x="467544" y="908720"/>
             <a:ext cx="8424936" cy="5688632"/>
           </a:xfrm>
-          <a:ln>
-            <a:solidFill>
-              <a:schemeClr val="tx1"/>
-            </a:solidFill>
-          </a:ln>
+          <a:ln/>
         </p:spPr>
+        <p:style>
+          <a:lnRef idx="2">
+            <a:schemeClr val="accent1"/>
+          </a:lnRef>
+          <a:fillRef idx="1">
+            <a:schemeClr val="lt1"/>
+          </a:fillRef>
+          <a:effectRef idx="0">
+            <a:schemeClr val="accent1"/>
+          </a:effectRef>
+          <a:fontRef idx="minor">
+            <a:schemeClr val="dk1"/>
+          </a:fontRef>
+        </p:style>
         <p:txBody>
           <a:bodyPr>
-            <a:normAutofit fontScale="77500" lnSpcReduction="20000"/>
+            <a:normAutofit/>
           </a:bodyPr>
           <a:lstStyle/>
           <a:p>
@@ -4621,60 +4605,15 @@
               <a:buNone/>
             </a:pPr>
             <a:r>
-              <a:rPr lang="nl-NL" sz="2400" dirty="0" smtClean="0">
-                <a:solidFill>
-                  <a:schemeClr val="tx2"/>
-                </a:solidFill>
-              </a:rPr>
-              <a:t>S</a:t>
-            </a:r>
-            <a:r>
-              <a:rPr lang="nl-NL" sz="2400" dirty="0">
-                <a:solidFill>
-                  <a:schemeClr val="tx2"/>
-                </a:solidFill>
-              </a:rPr>
-              <a:t>erve</a:t>
-            </a:r>
-            <a:r>
-              <a:rPr lang="nl-NL" sz="2400" dirty="0" smtClean="0">
-                <a:solidFill>
-                  <a:schemeClr val="tx2"/>
-                </a:solidFill>
-              </a:rPr>
-              <a:t>r, </a:t>
-            </a:r>
-            <a:r>
-              <a:rPr lang="nl-NL" sz="2400" dirty="0" err="1" smtClean="0">
-                <a:solidFill>
-                  <a:schemeClr val="tx2"/>
-                </a:solidFill>
-              </a:rPr>
-              <a:t>implement</a:t>
-            </a:r>
-            <a:r>
-              <a:rPr lang="nl-NL" sz="2400" dirty="0" smtClean="0">
-                <a:solidFill>
-                  <a:schemeClr val="tx2"/>
-                </a:solidFill>
-              </a:rPr>
-              <a:t> services:</a:t>
-            </a:r>
-          </a:p>
-          <a:p>
-            <a:pPr marL="0" indent="0">
-              <a:buNone/>
-            </a:pPr>
-            <a:r>
               <a:rPr lang="nl-NL" sz="2000" dirty="0" smtClean="0">
                 <a:solidFill>
                   <a:schemeClr val="tx2"/>
                 </a:solidFill>
               </a:rPr>
-              <a:t>Voorbeeld: </a:t>
-            </a:r>
-            <a:r>
-              <a:rPr lang="en-US" sz="2400" dirty="0" err="1">
+              <a:t>voorb:  </a:t>
+            </a:r>
+            <a:r>
+              <a:rPr lang="en-US" sz="2000" dirty="0" err="1" smtClean="0">
                 <a:solidFill>
                   <a:schemeClr val="tx2"/>
                 </a:solidFill>
@@ -4682,7 +4621,7 @@
               <a:t>rpc</a:t>
             </a:r>
             <a:r>
-              <a:rPr lang="en-US" sz="2400" dirty="0">
+              <a:rPr lang="en-US" sz="2000" dirty="0" smtClean="0">
                 <a:solidFill>
                   <a:schemeClr val="tx2"/>
                 </a:solidFill>
@@ -4690,54 +4629,38 @@
               <a:t> </a:t>
             </a:r>
             <a:r>
-              <a:rPr lang="en-US" sz="2400" dirty="0" err="1">
-                <a:solidFill>
-                  <a:schemeClr val="tx2"/>
-                </a:solidFill>
-              </a:rPr>
-              <a:t>RouteChat</a:t>
-            </a:r>
-            <a:r>
-              <a:rPr lang="en-US" sz="2400" dirty="0">
-                <a:solidFill>
-                  <a:schemeClr val="tx2"/>
-                </a:solidFill>
-              </a:rPr>
-              <a:t>(stream </a:t>
-            </a:r>
-            <a:r>
-              <a:rPr lang="en-US" sz="2400" dirty="0" err="1">
-                <a:solidFill>
-                  <a:schemeClr val="tx2"/>
-                </a:solidFill>
-              </a:rPr>
-              <a:t>RouteNote</a:t>
-            </a:r>
-            <a:r>
-              <a:rPr lang="en-US" sz="2400" dirty="0">
-                <a:solidFill>
-                  <a:schemeClr val="tx2"/>
-                </a:solidFill>
-              </a:rPr>
-              <a:t>) returns (stream </a:t>
-            </a:r>
-            <a:r>
-              <a:rPr lang="en-US" sz="2400" dirty="0" err="1">
-                <a:solidFill>
-                  <a:schemeClr val="tx2"/>
-                </a:solidFill>
-              </a:rPr>
-              <a:t>RouteNote</a:t>
-            </a:r>
-            <a:r>
-              <a:rPr lang="en-US" sz="2400" dirty="0">
+              <a:rPr lang="en-US" sz="2000" dirty="0" err="1" smtClean="0">
+                <a:solidFill>
+                  <a:schemeClr val="tx2"/>
+                </a:solidFill>
+              </a:rPr>
+              <a:t>RecordRoute</a:t>
+            </a:r>
+            <a:r>
+              <a:rPr lang="en-US" sz="2000" dirty="0" smtClean="0">
+                <a:solidFill>
+                  <a:schemeClr val="tx2"/>
+                </a:solidFill>
+              </a:rPr>
+              <a:t>(stream Point) returns (</a:t>
+            </a:r>
+            <a:r>
+              <a:rPr lang="en-US" sz="2000" dirty="0" err="1" smtClean="0">
+                <a:solidFill>
+                  <a:schemeClr val="tx2"/>
+                </a:solidFill>
+              </a:rPr>
+              <a:t>RouteSummary</a:t>
+            </a:r>
+            <a:r>
+              <a:rPr lang="en-US" sz="2000" dirty="0" smtClean="0">
                 <a:solidFill>
                   <a:schemeClr val="tx2"/>
                 </a:solidFill>
               </a:rPr>
               <a:t>) {}</a:t>
             </a:r>
-            <a:endParaRPr lang="nl-NL" sz="2400" dirty="0">
+            <a:endParaRPr lang="nl-NL" sz="2000" dirty="0" smtClean="0">
               <a:solidFill>
                 <a:schemeClr val="tx2"/>
               </a:solidFill>
@@ -4747,7 +4670,60 @@
             <a:pPr marL="0" indent="0">
               <a:buNone/>
             </a:pPr>
-            <a:endParaRPr lang="nl-NL" sz="2000" dirty="0" smtClean="0">
+            <a:r>
+              <a:rPr lang="en-US" sz="1600" dirty="0" smtClean="0">
+                <a:latin typeface="Consolas" panose="020B0609020204030204" pitchFamily="49" charset="0"/>
+                <a:cs typeface="Consolas" panose="020B0609020204030204" pitchFamily="49" charset="0"/>
+              </a:rPr>
+              <a:t/>
+            </a:r>
+            <a:br>
+              <a:rPr lang="en-US" sz="1600" dirty="0" smtClean="0">
+                <a:latin typeface="Consolas" panose="020B0609020204030204" pitchFamily="49" charset="0"/>
+                <a:cs typeface="Consolas" panose="020B0609020204030204" pitchFamily="49" charset="0"/>
+              </a:rPr>
+            </a:br>
+            <a:r>
+              <a:rPr lang="nl-NL" sz="1400" dirty="0" smtClean="0">
+                <a:latin typeface="Consolas" panose="020B0609020204030204" pitchFamily="49" charset="0"/>
+                <a:cs typeface="Consolas" panose="020B0609020204030204" pitchFamily="49" charset="0"/>
+              </a:rPr>
+              <a:t>StreamObserver&lt;Point</a:t>
+            </a:r>
+            <a:r>
+              <a:rPr lang="nl-NL" sz="1400" dirty="0">
+                <a:latin typeface="Consolas" panose="020B0609020204030204" pitchFamily="49" charset="0"/>
+                <a:cs typeface="Consolas" panose="020B0609020204030204" pitchFamily="49" charset="0"/>
+              </a:rPr>
+              <a:t>&gt; </a:t>
+            </a:r>
+            <a:r>
+              <a:rPr lang="nl-NL" sz="1400" dirty="0" smtClean="0">
+                <a:latin typeface="Consolas" panose="020B0609020204030204" pitchFamily="49" charset="0"/>
+                <a:cs typeface="Consolas" panose="020B0609020204030204" pitchFamily="49" charset="0"/>
+              </a:rPr>
+              <a:t>reqObserver </a:t>
+            </a:r>
+            <a:r>
+              <a:rPr lang="nl-NL" sz="1400" dirty="0">
+                <a:latin typeface="Consolas" panose="020B0609020204030204" pitchFamily="49" charset="0"/>
+                <a:cs typeface="Consolas" panose="020B0609020204030204" pitchFamily="49" charset="0"/>
+              </a:rPr>
+              <a:t>= </a:t>
+            </a:r>
+            <a:r>
+              <a:rPr lang="nl-NL" sz="1400" dirty="0" smtClean="0">
+                <a:latin typeface="Consolas" panose="020B0609020204030204" pitchFamily="49" charset="0"/>
+                <a:cs typeface="Consolas" panose="020B0609020204030204" pitchFamily="49" charset="0"/>
+              </a:rPr>
+              <a:t>asyncStub.recordRoute(respObserver);</a:t>
+            </a:r>
+          </a:p>
+          <a:p>
+            <a:pPr marL="0" indent="0">
+              <a:buNone/>
+            </a:pPr>
+            <a:endParaRPr lang="nl-NL" sz="1400" dirty="0" smtClean="0">
               <a:latin typeface="Consolas" panose="020B0609020204030204" pitchFamily="49" charset="0"/>
               <a:cs typeface="Consolas" panose="020B0609020204030204" pitchFamily="49" charset="0"/>
             </a:endParaRPr>
@@ -4757,116 +4733,80 @@
               <a:buNone/>
             </a:pPr>
             <a:r>
-              <a:rPr lang="en-US" sz="2000" dirty="0">
-                <a:latin typeface="Consolas" panose="020B0609020204030204" pitchFamily="49" charset="0"/>
-                <a:cs typeface="Consolas" panose="020B0609020204030204" pitchFamily="49" charset="0"/>
-              </a:rPr>
-              <a:t>public </a:t>
-            </a:r>
-            <a:r>
-              <a:rPr lang="en-US" sz="2000" dirty="0" err="1">
-                <a:latin typeface="Consolas" panose="020B0609020204030204" pitchFamily="49" charset="0"/>
-                <a:cs typeface="Consolas" panose="020B0609020204030204" pitchFamily="49" charset="0"/>
-              </a:rPr>
-              <a:t>StreamObserver</a:t>
-            </a:r>
-            <a:r>
-              <a:rPr lang="en-US" sz="2000" dirty="0">
-                <a:latin typeface="Consolas" panose="020B0609020204030204" pitchFamily="49" charset="0"/>
-                <a:cs typeface="Consolas" panose="020B0609020204030204" pitchFamily="49" charset="0"/>
-              </a:rPr>
-              <a:t>&lt;</a:t>
-            </a:r>
-            <a:r>
-              <a:rPr lang="en-US" sz="2000" dirty="0" err="1">
-                <a:latin typeface="Consolas" panose="020B0609020204030204" pitchFamily="49" charset="0"/>
-                <a:cs typeface="Consolas" panose="020B0609020204030204" pitchFamily="49" charset="0"/>
-              </a:rPr>
-              <a:t>RouteNote</a:t>
-            </a:r>
-            <a:r>
-              <a:rPr lang="en-US" sz="2000" dirty="0">
-                <a:latin typeface="Consolas" panose="020B0609020204030204" pitchFamily="49" charset="0"/>
-                <a:cs typeface="Consolas" panose="020B0609020204030204" pitchFamily="49" charset="0"/>
-              </a:rPr>
-              <a:t>&gt; </a:t>
-            </a:r>
-            <a:r>
-              <a:rPr lang="en-US" sz="2000" dirty="0" err="1" smtClean="0">
-                <a:latin typeface="Consolas" panose="020B0609020204030204" pitchFamily="49" charset="0"/>
-                <a:cs typeface="Consolas" panose="020B0609020204030204" pitchFamily="49" charset="0"/>
-              </a:rPr>
-              <a:t>routeChat</a:t>
-            </a:r>
-            <a:r>
-              <a:rPr lang="en-US" sz="2000" dirty="0" smtClean="0">
-                <a:latin typeface="Consolas" panose="020B0609020204030204" pitchFamily="49" charset="0"/>
-                <a:cs typeface="Consolas" panose="020B0609020204030204" pitchFamily="49" charset="0"/>
-              </a:rPr>
-              <a:t>(</a:t>
-            </a:r>
-            <a:r>
-              <a:rPr lang="en-US" sz="2000" dirty="0" err="1" smtClean="0">
-                <a:latin typeface="Consolas" panose="020B0609020204030204" pitchFamily="49" charset="0"/>
-                <a:cs typeface="Consolas" panose="020B0609020204030204" pitchFamily="49" charset="0"/>
-              </a:rPr>
-              <a:t>StreamObserver</a:t>
-            </a:r>
-            <a:r>
-              <a:rPr lang="en-US" sz="2000" dirty="0" smtClean="0">
-                <a:latin typeface="Consolas" panose="020B0609020204030204" pitchFamily="49" charset="0"/>
-                <a:cs typeface="Consolas" panose="020B0609020204030204" pitchFamily="49" charset="0"/>
-              </a:rPr>
-              <a:t>&lt;</a:t>
-            </a:r>
-            <a:r>
-              <a:rPr lang="en-US" sz="2000" dirty="0" err="1" smtClean="0">
-                <a:latin typeface="Consolas" panose="020B0609020204030204" pitchFamily="49" charset="0"/>
-                <a:cs typeface="Consolas" panose="020B0609020204030204" pitchFamily="49" charset="0"/>
-              </a:rPr>
-              <a:t>RouteNote</a:t>
-            </a:r>
-            <a:r>
-              <a:rPr lang="en-US" sz="2000" dirty="0" smtClean="0">
-                <a:latin typeface="Consolas" panose="020B0609020204030204" pitchFamily="49" charset="0"/>
-                <a:cs typeface="Consolas" panose="020B0609020204030204" pitchFamily="49" charset="0"/>
-              </a:rPr>
-              <a:t>&gt;</a:t>
-            </a:r>
-          </a:p>
-          <a:p>
-            <a:pPr marL="0" indent="0">
-              <a:buNone/>
-            </a:pPr>
-            <a:r>
-              <a:rPr lang="en-US" sz="2000" dirty="0">
+              <a:rPr lang="nl-NL" sz="1400" dirty="0">
+                <a:latin typeface="Consolas" panose="020B0609020204030204" pitchFamily="49" charset="0"/>
+                <a:cs typeface="Consolas" panose="020B0609020204030204" pitchFamily="49" charset="0"/>
+              </a:rPr>
+              <a:t>StreamObserver&lt;RouteSummary&gt; responseObserver = new StreamObserver&lt;RouteSummary&gt;() {</a:t>
+            </a:r>
+          </a:p>
+          <a:p>
+            <a:pPr marL="0" indent="0">
+              <a:buNone/>
+            </a:pPr>
+            <a:r>
+              <a:rPr lang="nl-NL" sz="1400" dirty="0">
+                <a:latin typeface="Consolas" panose="020B0609020204030204" pitchFamily="49" charset="0"/>
+                <a:cs typeface="Consolas" panose="020B0609020204030204" pitchFamily="49" charset="0"/>
+              </a:rPr>
+              <a:t>    @Override</a:t>
+            </a:r>
+          </a:p>
+          <a:p>
+            <a:pPr marL="0" indent="0">
+              <a:buNone/>
+            </a:pPr>
+            <a:r>
+              <a:rPr lang="nl-NL" sz="1400" dirty="0">
+                <a:latin typeface="Consolas" panose="020B0609020204030204" pitchFamily="49" charset="0"/>
+                <a:cs typeface="Consolas" panose="020B0609020204030204" pitchFamily="49" charset="0"/>
+              </a:rPr>
+              <a:t>    public void onNext(RouteSummary summary) {</a:t>
+            </a:r>
+          </a:p>
+          <a:p>
+            <a:pPr marL="0" indent="0">
+              <a:buNone/>
+            </a:pPr>
+            <a:r>
+              <a:rPr lang="nl-NL" sz="1400" dirty="0">
                 <a:latin typeface="Consolas" panose="020B0609020204030204" pitchFamily="49" charset="0"/>
                 <a:cs typeface="Consolas" panose="020B0609020204030204" pitchFamily="49" charset="0"/>
               </a:rPr>
               <a:t>	</a:t>
             </a:r>
             <a:r>
-              <a:rPr lang="en-US" sz="2000" dirty="0" smtClean="0">
-                <a:latin typeface="Consolas" panose="020B0609020204030204" pitchFamily="49" charset="0"/>
-                <a:cs typeface="Consolas" panose="020B0609020204030204" pitchFamily="49" charset="0"/>
-              </a:rPr>
-              <a:t>  </a:t>
-            </a:r>
-            <a:r>
-              <a:rPr lang="en-US" sz="2000" dirty="0" err="1" smtClean="0">
-                <a:latin typeface="Consolas" panose="020B0609020204030204" pitchFamily="49" charset="0"/>
-                <a:cs typeface="Consolas" panose="020B0609020204030204" pitchFamily="49" charset="0"/>
-              </a:rPr>
-              <a:t>responseObserver</a:t>
-            </a:r>
-            <a:r>
-              <a:rPr lang="en-US" sz="2000" dirty="0">
-                <a:latin typeface="Consolas" panose="020B0609020204030204" pitchFamily="49" charset="0"/>
-                <a:cs typeface="Consolas" panose="020B0609020204030204" pitchFamily="49" charset="0"/>
-              </a:rPr>
-              <a:t>) </a:t>
-            </a:r>
-            <a:endParaRPr lang="en-US" sz="2000" dirty="0" smtClean="0">
+              <a:rPr lang="nl-NL" sz="1400" dirty="0" smtClean="0">
+                <a:latin typeface="Consolas" panose="020B0609020204030204" pitchFamily="49" charset="0"/>
+                <a:cs typeface="Consolas" panose="020B0609020204030204" pitchFamily="49" charset="0"/>
+              </a:rPr>
+              <a:t>//</a:t>
+            </a:r>
+            <a:r>
+              <a:rPr lang="nl-NL" sz="1400" dirty="0">
+                <a:latin typeface="Consolas" panose="020B0609020204030204" pitchFamily="49" charset="0"/>
+                <a:cs typeface="Consolas" panose="020B0609020204030204" pitchFamily="49" charset="0"/>
+              </a:rPr>
+              <a:t>doe iets met summary</a:t>
+            </a:r>
+          </a:p>
+          <a:p>
+            <a:pPr marL="0" indent="0">
+              <a:buNone/>
+            </a:pPr>
+            <a:r>
+              <a:rPr lang="nl-NL" sz="1400" dirty="0">
+                <a:latin typeface="Consolas" panose="020B0609020204030204" pitchFamily="49" charset="0"/>
+                <a:cs typeface="Consolas" panose="020B0609020204030204" pitchFamily="49" charset="0"/>
+              </a:rPr>
+              <a:t>    }</a:t>
+            </a:r>
+          </a:p>
+          <a:p>
+            <a:pPr marL="0" indent="0">
+              <a:buNone/>
+            </a:pPr>
+            <a:endParaRPr lang="nl-NL" sz="1400" dirty="0">
               <a:latin typeface="Consolas" panose="020B0609020204030204" pitchFamily="49" charset="0"/>
               <a:cs typeface="Consolas" panose="020B0609020204030204" pitchFamily="49" charset="0"/>
             </a:endParaRPr>
@@ -4876,94 +4816,42 @@
               <a:buNone/>
             </a:pPr>
             <a:r>
-              <a:rPr lang="en-US" sz="1800" b="1" dirty="0" smtClean="0"/>
-              <a:t>{</a:t>
-            </a:r>
-          </a:p>
-          <a:p>
-            <a:pPr marL="0" indent="0">
-              <a:buNone/>
-            </a:pPr>
-            <a:r>
-              <a:rPr lang="en-US" sz="1800" b="1" dirty="0">
-                <a:latin typeface="Consolas" panose="020B0609020204030204" pitchFamily="49" charset="0"/>
-                <a:cs typeface="Consolas" panose="020B0609020204030204" pitchFamily="49" charset="0"/>
-              </a:rPr>
-              <a:t> </a:t>
-            </a:r>
-            <a:r>
-              <a:rPr lang="en-US" sz="1800" b="1" dirty="0" smtClean="0">
-                <a:latin typeface="Consolas" panose="020B0609020204030204" pitchFamily="49" charset="0"/>
-                <a:cs typeface="Consolas" panose="020B0609020204030204" pitchFamily="49" charset="0"/>
-              </a:rPr>
-              <a:t> </a:t>
-            </a:r>
-            <a:r>
-              <a:rPr lang="nl-NL" sz="2000" dirty="0" smtClean="0">
-                <a:latin typeface="Consolas" panose="020B0609020204030204" pitchFamily="49" charset="0"/>
-                <a:cs typeface="Consolas" panose="020B0609020204030204" pitchFamily="49" charset="0"/>
-              </a:rPr>
-              <a:t>return </a:t>
-            </a:r>
-            <a:r>
-              <a:rPr lang="nl-NL" sz="2000" dirty="0">
-                <a:latin typeface="Consolas" panose="020B0609020204030204" pitchFamily="49" charset="0"/>
-                <a:cs typeface="Consolas" panose="020B0609020204030204" pitchFamily="49" charset="0"/>
-              </a:rPr>
-              <a:t>new </a:t>
-            </a:r>
-            <a:r>
-              <a:rPr lang="nl-NL" sz="2000" dirty="0" err="1" smtClean="0">
-                <a:latin typeface="Consolas" panose="020B0609020204030204" pitchFamily="49" charset="0"/>
-                <a:cs typeface="Consolas" panose="020B0609020204030204" pitchFamily="49" charset="0"/>
-              </a:rPr>
-              <a:t>StreamObserver</a:t>
-            </a:r>
-            <a:r>
-              <a:rPr lang="nl-NL" sz="2000" dirty="0" smtClean="0">
-                <a:latin typeface="Consolas" panose="020B0609020204030204" pitchFamily="49" charset="0"/>
-                <a:cs typeface="Consolas" panose="020B0609020204030204" pitchFamily="49" charset="0"/>
-              </a:rPr>
-              <a:t>&lt;</a:t>
-            </a:r>
-            <a:r>
-              <a:rPr lang="en-US" sz="2000" dirty="0" err="1" smtClean="0"/>
-              <a:t>RouteNote</a:t>
-            </a:r>
-            <a:r>
-              <a:rPr lang="nl-NL" sz="2000" dirty="0" smtClean="0">
-                <a:latin typeface="Consolas" panose="020B0609020204030204" pitchFamily="49" charset="0"/>
-                <a:cs typeface="Consolas" panose="020B0609020204030204" pitchFamily="49" charset="0"/>
-              </a:rPr>
-              <a:t>&gt;() </a:t>
-            </a:r>
-            <a:r>
-              <a:rPr lang="nl-NL" sz="2000" dirty="0">
-                <a:latin typeface="Consolas" panose="020B0609020204030204" pitchFamily="49" charset="0"/>
-                <a:cs typeface="Consolas" panose="020B0609020204030204" pitchFamily="49" charset="0"/>
-              </a:rPr>
-              <a:t>{</a:t>
-            </a:r>
-          </a:p>
-          <a:p>
-            <a:pPr marL="0" indent="0">
-              <a:buNone/>
-            </a:pPr>
-            <a:r>
-              <a:rPr lang="nl-NL" sz="2000" dirty="0">
-                <a:latin typeface="Consolas" panose="020B0609020204030204" pitchFamily="49" charset="0"/>
-                <a:cs typeface="Consolas" panose="020B0609020204030204" pitchFamily="49" charset="0"/>
-              </a:rPr>
-              <a:t>  @</a:t>
-            </a:r>
-            <a:r>
-              <a:rPr lang="nl-NL" sz="2000" dirty="0" err="1">
-                <a:latin typeface="Consolas" panose="020B0609020204030204" pitchFamily="49" charset="0"/>
-                <a:cs typeface="Consolas" panose="020B0609020204030204" pitchFamily="49" charset="0"/>
-              </a:rPr>
-              <a:t>Override</a:t>
-            </a:r>
-            <a:endParaRPr lang="nl-NL" sz="2000" dirty="0">
+              <a:rPr lang="nl-NL" sz="1400" dirty="0">
+                <a:latin typeface="Consolas" panose="020B0609020204030204" pitchFamily="49" charset="0"/>
+                <a:cs typeface="Consolas" panose="020B0609020204030204" pitchFamily="49" charset="0"/>
+              </a:rPr>
+              <a:t>    @Override</a:t>
+            </a:r>
+          </a:p>
+          <a:p>
+            <a:pPr marL="0" indent="0">
+              <a:buNone/>
+            </a:pPr>
+            <a:r>
+              <a:rPr lang="nl-NL" sz="1400" dirty="0">
+                <a:latin typeface="Consolas" panose="020B0609020204030204" pitchFamily="49" charset="0"/>
+                <a:cs typeface="Consolas" panose="020B0609020204030204" pitchFamily="49" charset="0"/>
+              </a:rPr>
+              <a:t>    public void onError(Throwable t) {</a:t>
+            </a:r>
+          </a:p>
+          <a:p>
+            <a:pPr marL="0" indent="0">
+              <a:buNone/>
+            </a:pPr>
+            <a:r>
+              <a:rPr lang="nl-NL" sz="1400" dirty="0">
+                <a:latin typeface="Consolas" panose="020B0609020204030204" pitchFamily="49" charset="0"/>
+                <a:cs typeface="Consolas" panose="020B0609020204030204" pitchFamily="49" charset="0"/>
+              </a:rPr>
+              <a:t>    }</a:t>
+            </a:r>
+          </a:p>
+          <a:p>
+            <a:pPr marL="0" indent="0">
+              <a:buNone/>
+            </a:pPr>
+            <a:endParaRPr lang="nl-NL" sz="1400" dirty="0">
               <a:latin typeface="Consolas" panose="020B0609020204030204" pitchFamily="49" charset="0"/>
               <a:cs typeface="Consolas" panose="020B0609020204030204" pitchFamily="49" charset="0"/>
             </a:endParaRPr>
@@ -4973,359 +4861,67 @@
               <a:buNone/>
             </a:pPr>
             <a:r>
-              <a:rPr lang="nl-NL" sz="2000" dirty="0">
-                <a:latin typeface="Consolas" panose="020B0609020204030204" pitchFamily="49" charset="0"/>
-                <a:cs typeface="Consolas" panose="020B0609020204030204" pitchFamily="49" charset="0"/>
-              </a:rPr>
-              <a:t>  public </a:t>
-            </a:r>
-            <a:r>
-              <a:rPr lang="nl-NL" sz="2000" dirty="0" err="1">
-                <a:latin typeface="Consolas" panose="020B0609020204030204" pitchFamily="49" charset="0"/>
-                <a:cs typeface="Consolas" panose="020B0609020204030204" pitchFamily="49" charset="0"/>
-              </a:rPr>
-              <a:t>void</a:t>
-            </a:r>
-            <a:r>
-              <a:rPr lang="nl-NL" sz="2000" dirty="0">
-                <a:latin typeface="Consolas" panose="020B0609020204030204" pitchFamily="49" charset="0"/>
-                <a:cs typeface="Consolas" panose="020B0609020204030204" pitchFamily="49" charset="0"/>
-              </a:rPr>
-              <a:t> </a:t>
-            </a:r>
-            <a:r>
-              <a:rPr lang="nl-NL" sz="2000" dirty="0" err="1" smtClean="0">
-                <a:latin typeface="Consolas" panose="020B0609020204030204" pitchFamily="49" charset="0"/>
-                <a:cs typeface="Consolas" panose="020B0609020204030204" pitchFamily="49" charset="0"/>
-              </a:rPr>
-              <a:t>onNext</a:t>
-            </a:r>
-            <a:r>
-              <a:rPr lang="nl-NL" sz="2000" dirty="0" smtClean="0">
-                <a:latin typeface="Consolas" panose="020B0609020204030204" pitchFamily="49" charset="0"/>
-                <a:cs typeface="Consolas" panose="020B0609020204030204" pitchFamily="49" charset="0"/>
-              </a:rPr>
-              <a:t>(</a:t>
-            </a:r>
-            <a:r>
-              <a:rPr lang="en-US" sz="2000" dirty="0" err="1"/>
-              <a:t>RouteNote</a:t>
-            </a:r>
-            <a:r>
-              <a:rPr lang="en-US" sz="2000" dirty="0"/>
-              <a:t> </a:t>
-            </a:r>
-            <a:r>
-              <a:rPr lang="nl-NL" sz="2000" dirty="0" err="1" smtClean="0">
-                <a:latin typeface="Consolas" panose="020B0609020204030204" pitchFamily="49" charset="0"/>
-                <a:cs typeface="Consolas" panose="020B0609020204030204" pitchFamily="49" charset="0"/>
-              </a:rPr>
-              <a:t>note</a:t>
-            </a:r>
-            <a:r>
-              <a:rPr lang="nl-NL" sz="2000" dirty="0">
-                <a:latin typeface="Consolas" panose="020B0609020204030204" pitchFamily="49" charset="0"/>
-                <a:cs typeface="Consolas" panose="020B0609020204030204" pitchFamily="49" charset="0"/>
-              </a:rPr>
-              <a:t>) {</a:t>
-            </a:r>
-          </a:p>
-          <a:p>
-            <a:pPr marL="0" indent="0">
-              <a:buNone/>
-            </a:pPr>
-            <a:r>
-              <a:rPr lang="nl-NL" sz="2000" dirty="0">
-                <a:latin typeface="Consolas" panose="020B0609020204030204" pitchFamily="49" charset="0"/>
-                <a:cs typeface="Consolas" panose="020B0609020204030204" pitchFamily="49" charset="0"/>
-              </a:rPr>
-              <a:t>      ...</a:t>
-            </a:r>
-          </a:p>
-          <a:p>
-            <a:pPr marL="0" indent="0">
-              <a:buNone/>
-            </a:pPr>
-            <a:r>
-              <a:rPr lang="nl-NL" sz="2000" dirty="0">
-                <a:latin typeface="Consolas" panose="020B0609020204030204" pitchFamily="49" charset="0"/>
-                <a:cs typeface="Consolas" panose="020B0609020204030204" pitchFamily="49" charset="0"/>
-              </a:rPr>
-              <a:t>      </a:t>
-            </a:r>
-            <a:r>
-              <a:rPr lang="nl-NL" sz="2000" dirty="0" err="1" smtClean="0">
-                <a:latin typeface="Consolas" panose="020B0609020204030204" pitchFamily="49" charset="0"/>
-                <a:cs typeface="Consolas" panose="020B0609020204030204" pitchFamily="49" charset="0"/>
-              </a:rPr>
-              <a:t>responseObserver.onNext</a:t>
-            </a:r>
-            <a:r>
-              <a:rPr lang="nl-NL" sz="2000" dirty="0" smtClean="0">
-                <a:latin typeface="Consolas" panose="020B0609020204030204" pitchFamily="49" charset="0"/>
-                <a:cs typeface="Consolas" panose="020B0609020204030204" pitchFamily="49" charset="0"/>
-              </a:rPr>
-              <a:t>(</a:t>
-            </a:r>
-            <a:r>
-              <a:rPr lang="nl-NL" sz="2000" dirty="0" err="1" smtClean="0">
-                <a:latin typeface="Consolas" panose="020B0609020204030204" pitchFamily="49" charset="0"/>
-                <a:cs typeface="Consolas" panose="020B0609020204030204" pitchFamily="49" charset="0"/>
-              </a:rPr>
-              <a:t>RouteNote</a:t>
-            </a:r>
-            <a:r>
-              <a:rPr lang="nl-NL" sz="2000" dirty="0" smtClean="0">
-                <a:latin typeface="Consolas" panose="020B0609020204030204" pitchFamily="49" charset="0"/>
-                <a:cs typeface="Consolas" panose="020B0609020204030204" pitchFamily="49" charset="0"/>
-              </a:rPr>
-              <a:t>..</a:t>
-            </a:r>
-            <a:r>
-              <a:rPr lang="nl-NL" sz="2000" dirty="0" err="1" smtClean="0">
-                <a:latin typeface="Consolas" panose="020B0609020204030204" pitchFamily="49" charset="0"/>
-                <a:cs typeface="Consolas" panose="020B0609020204030204" pitchFamily="49" charset="0"/>
-              </a:rPr>
-              <a:t>build</a:t>
-            </a:r>
-            <a:r>
-              <a:rPr lang="nl-NL" sz="2000" dirty="0" smtClean="0">
-                <a:latin typeface="Consolas" panose="020B0609020204030204" pitchFamily="49" charset="0"/>
-                <a:cs typeface="Consolas" panose="020B0609020204030204" pitchFamily="49" charset="0"/>
-              </a:rPr>
-              <a:t>());</a:t>
-            </a:r>
-            <a:endParaRPr lang="nl-NL" sz="2000" dirty="0">
-              <a:latin typeface="Consolas" panose="020B0609020204030204" pitchFamily="49" charset="0"/>
-              <a:cs typeface="Consolas" panose="020B0609020204030204" pitchFamily="49" charset="0"/>
-            </a:endParaRPr>
-          </a:p>
-          <a:p>
-            <a:pPr marL="0" indent="0">
-              <a:buNone/>
-            </a:pPr>
-            <a:r>
-              <a:rPr lang="nl-NL" sz="2000" dirty="0">
-                <a:latin typeface="Consolas" panose="020B0609020204030204" pitchFamily="49" charset="0"/>
-                <a:cs typeface="Consolas" panose="020B0609020204030204" pitchFamily="49" charset="0"/>
-              </a:rPr>
-              <a:t>  }</a:t>
-            </a:r>
-          </a:p>
-          <a:p>
-            <a:pPr marL="0" indent="0">
-              <a:buNone/>
-            </a:pPr>
-            <a:endParaRPr lang="nl-NL" sz="2000" dirty="0">
-              <a:latin typeface="Consolas" panose="020B0609020204030204" pitchFamily="49" charset="0"/>
-              <a:cs typeface="Consolas" panose="020B0609020204030204" pitchFamily="49" charset="0"/>
-            </a:endParaRPr>
-          </a:p>
-          <a:p>
-            <a:pPr marL="0" indent="0">
-              <a:buNone/>
-            </a:pPr>
-            <a:r>
-              <a:rPr lang="nl-NL" sz="2000" dirty="0">
-                <a:latin typeface="Consolas" panose="020B0609020204030204" pitchFamily="49" charset="0"/>
-                <a:cs typeface="Consolas" panose="020B0609020204030204" pitchFamily="49" charset="0"/>
-              </a:rPr>
-              <a:t>  @</a:t>
-            </a:r>
-            <a:r>
-              <a:rPr lang="nl-NL" sz="2000" dirty="0" err="1">
-                <a:latin typeface="Consolas" panose="020B0609020204030204" pitchFamily="49" charset="0"/>
-                <a:cs typeface="Consolas" panose="020B0609020204030204" pitchFamily="49" charset="0"/>
-              </a:rPr>
-              <a:t>Override</a:t>
-            </a:r>
-            <a:endParaRPr lang="nl-NL" sz="2000" dirty="0">
-              <a:latin typeface="Consolas" panose="020B0609020204030204" pitchFamily="49" charset="0"/>
-              <a:cs typeface="Consolas" panose="020B0609020204030204" pitchFamily="49" charset="0"/>
-            </a:endParaRPr>
-          </a:p>
-          <a:p>
-            <a:pPr marL="0" indent="0">
-              <a:buNone/>
-            </a:pPr>
-            <a:r>
-              <a:rPr lang="nl-NL" sz="2000" dirty="0">
-                <a:latin typeface="Consolas" panose="020B0609020204030204" pitchFamily="49" charset="0"/>
-                <a:cs typeface="Consolas" panose="020B0609020204030204" pitchFamily="49" charset="0"/>
-              </a:rPr>
-              <a:t>  public </a:t>
-            </a:r>
-            <a:r>
-              <a:rPr lang="nl-NL" sz="2000" dirty="0" err="1">
-                <a:latin typeface="Consolas" panose="020B0609020204030204" pitchFamily="49" charset="0"/>
-                <a:cs typeface="Consolas" panose="020B0609020204030204" pitchFamily="49" charset="0"/>
-              </a:rPr>
-              <a:t>void</a:t>
-            </a:r>
-            <a:r>
-              <a:rPr lang="nl-NL" sz="2000" dirty="0">
-                <a:latin typeface="Consolas" panose="020B0609020204030204" pitchFamily="49" charset="0"/>
-                <a:cs typeface="Consolas" panose="020B0609020204030204" pitchFamily="49" charset="0"/>
-              </a:rPr>
-              <a:t> </a:t>
-            </a:r>
-            <a:r>
-              <a:rPr lang="nl-NL" sz="2000" dirty="0" err="1">
-                <a:latin typeface="Consolas" panose="020B0609020204030204" pitchFamily="49" charset="0"/>
-                <a:cs typeface="Consolas" panose="020B0609020204030204" pitchFamily="49" charset="0"/>
-              </a:rPr>
-              <a:t>onError</a:t>
-            </a:r>
-            <a:r>
-              <a:rPr lang="nl-NL" sz="2000" dirty="0">
-                <a:latin typeface="Consolas" panose="020B0609020204030204" pitchFamily="49" charset="0"/>
-                <a:cs typeface="Consolas" panose="020B0609020204030204" pitchFamily="49" charset="0"/>
-              </a:rPr>
-              <a:t>(</a:t>
-            </a:r>
-            <a:r>
-              <a:rPr lang="nl-NL" sz="2000" dirty="0" err="1">
-                <a:latin typeface="Consolas" panose="020B0609020204030204" pitchFamily="49" charset="0"/>
-                <a:cs typeface="Consolas" panose="020B0609020204030204" pitchFamily="49" charset="0"/>
-              </a:rPr>
-              <a:t>Throwable</a:t>
-            </a:r>
-            <a:r>
-              <a:rPr lang="nl-NL" sz="2000" dirty="0">
-                <a:latin typeface="Consolas" panose="020B0609020204030204" pitchFamily="49" charset="0"/>
-                <a:cs typeface="Consolas" panose="020B0609020204030204" pitchFamily="49" charset="0"/>
-              </a:rPr>
-              <a:t> t) {</a:t>
-            </a:r>
-          </a:p>
-          <a:p>
-            <a:pPr marL="0" indent="0">
-              <a:buNone/>
-            </a:pPr>
-            <a:r>
-              <a:rPr lang="nl-NL" sz="2000" dirty="0">
-                <a:latin typeface="Consolas" panose="020B0609020204030204" pitchFamily="49" charset="0"/>
-                <a:cs typeface="Consolas" panose="020B0609020204030204" pitchFamily="49" charset="0"/>
-              </a:rPr>
-              <a:t>  }</a:t>
-            </a:r>
-          </a:p>
-          <a:p>
-            <a:pPr marL="0" indent="0">
-              <a:buNone/>
-            </a:pPr>
-            <a:endParaRPr lang="nl-NL" sz="2000" dirty="0">
-              <a:latin typeface="Consolas" panose="020B0609020204030204" pitchFamily="49" charset="0"/>
-              <a:cs typeface="Consolas" panose="020B0609020204030204" pitchFamily="49" charset="0"/>
-            </a:endParaRPr>
-          </a:p>
-          <a:p>
-            <a:pPr marL="0" indent="0">
-              <a:buNone/>
-            </a:pPr>
-            <a:r>
-              <a:rPr lang="nl-NL" sz="2000" dirty="0">
-                <a:latin typeface="Consolas" panose="020B0609020204030204" pitchFamily="49" charset="0"/>
-                <a:cs typeface="Consolas" panose="020B0609020204030204" pitchFamily="49" charset="0"/>
-              </a:rPr>
-              <a:t>  @</a:t>
-            </a:r>
-            <a:r>
-              <a:rPr lang="nl-NL" sz="2000" dirty="0" err="1">
-                <a:latin typeface="Consolas" panose="020B0609020204030204" pitchFamily="49" charset="0"/>
-                <a:cs typeface="Consolas" panose="020B0609020204030204" pitchFamily="49" charset="0"/>
-              </a:rPr>
-              <a:t>Override</a:t>
-            </a:r>
-            <a:endParaRPr lang="nl-NL" sz="2000" dirty="0">
-              <a:latin typeface="Consolas" panose="020B0609020204030204" pitchFamily="49" charset="0"/>
-              <a:cs typeface="Consolas" panose="020B0609020204030204" pitchFamily="49" charset="0"/>
-            </a:endParaRPr>
-          </a:p>
-          <a:p>
-            <a:pPr marL="0" indent="0">
-              <a:buNone/>
-            </a:pPr>
-            <a:r>
-              <a:rPr lang="nl-NL" sz="2000" dirty="0">
-                <a:latin typeface="Consolas" panose="020B0609020204030204" pitchFamily="49" charset="0"/>
-                <a:cs typeface="Consolas" panose="020B0609020204030204" pitchFamily="49" charset="0"/>
-              </a:rPr>
-              <a:t>  public </a:t>
-            </a:r>
-            <a:r>
-              <a:rPr lang="nl-NL" sz="2000" dirty="0" err="1">
-                <a:latin typeface="Consolas" panose="020B0609020204030204" pitchFamily="49" charset="0"/>
-                <a:cs typeface="Consolas" panose="020B0609020204030204" pitchFamily="49" charset="0"/>
-              </a:rPr>
-              <a:t>void</a:t>
-            </a:r>
-            <a:r>
-              <a:rPr lang="nl-NL" sz="2000" dirty="0">
-                <a:latin typeface="Consolas" panose="020B0609020204030204" pitchFamily="49" charset="0"/>
-                <a:cs typeface="Consolas" panose="020B0609020204030204" pitchFamily="49" charset="0"/>
-              </a:rPr>
-              <a:t> </a:t>
-            </a:r>
-            <a:r>
-              <a:rPr lang="nl-NL" sz="2000" dirty="0" err="1">
-                <a:latin typeface="Consolas" panose="020B0609020204030204" pitchFamily="49" charset="0"/>
-                <a:cs typeface="Consolas" panose="020B0609020204030204" pitchFamily="49" charset="0"/>
-              </a:rPr>
-              <a:t>onCompleted</a:t>
-            </a:r>
-            <a:r>
-              <a:rPr lang="nl-NL" sz="2000" dirty="0">
-                <a:latin typeface="Consolas" panose="020B0609020204030204" pitchFamily="49" charset="0"/>
-                <a:cs typeface="Consolas" panose="020B0609020204030204" pitchFamily="49" charset="0"/>
-              </a:rPr>
-              <a:t>() {</a:t>
-            </a:r>
-          </a:p>
-          <a:p>
-            <a:pPr marL="0" indent="0">
-              <a:buNone/>
-            </a:pPr>
-            <a:r>
-              <a:rPr lang="nl-NL" sz="2000" dirty="0">
-                <a:latin typeface="Consolas" panose="020B0609020204030204" pitchFamily="49" charset="0"/>
-                <a:cs typeface="Consolas" panose="020B0609020204030204" pitchFamily="49" charset="0"/>
-              </a:rPr>
-              <a:t>    </a:t>
-            </a:r>
-            <a:r>
-              <a:rPr lang="nl-NL" sz="2000" dirty="0" err="1">
-                <a:latin typeface="Consolas" panose="020B0609020204030204" pitchFamily="49" charset="0"/>
-                <a:cs typeface="Consolas" panose="020B0609020204030204" pitchFamily="49" charset="0"/>
-              </a:rPr>
-              <a:t>responseObserver.onCompleted</a:t>
-            </a:r>
-            <a:r>
-              <a:rPr lang="nl-NL" sz="2000" dirty="0">
-                <a:latin typeface="Consolas" panose="020B0609020204030204" pitchFamily="49" charset="0"/>
-                <a:cs typeface="Consolas" panose="020B0609020204030204" pitchFamily="49" charset="0"/>
-              </a:rPr>
-              <a:t>();</a:t>
-            </a:r>
-          </a:p>
-          <a:p>
-            <a:pPr marL="0" indent="0">
-              <a:buNone/>
-            </a:pPr>
-            <a:r>
-              <a:rPr lang="nl-NL" sz="2000" dirty="0">
-                <a:latin typeface="Consolas" panose="020B0609020204030204" pitchFamily="49" charset="0"/>
-                <a:cs typeface="Consolas" panose="020B0609020204030204" pitchFamily="49" charset="0"/>
-              </a:rPr>
-              <a:t>  }</a:t>
-            </a:r>
-          </a:p>
-          <a:p>
-            <a:pPr marL="0" indent="0">
-              <a:buNone/>
-            </a:pPr>
-            <a:r>
-              <a:rPr lang="nl-NL" sz="2000" dirty="0">
+              <a:rPr lang="nl-NL" sz="1400" dirty="0">
+                <a:latin typeface="Consolas" panose="020B0609020204030204" pitchFamily="49" charset="0"/>
+                <a:cs typeface="Consolas" panose="020B0609020204030204" pitchFamily="49" charset="0"/>
+              </a:rPr>
+              <a:t>    @Override</a:t>
+            </a:r>
+          </a:p>
+          <a:p>
+            <a:pPr marL="0" indent="0">
+              <a:buNone/>
+            </a:pPr>
+            <a:r>
+              <a:rPr lang="nl-NL" sz="1400" dirty="0">
+                <a:latin typeface="Consolas" panose="020B0609020204030204" pitchFamily="49" charset="0"/>
+                <a:cs typeface="Consolas" panose="020B0609020204030204" pitchFamily="49" charset="0"/>
+              </a:rPr>
+              <a:t>    public void onCompleted() {</a:t>
+            </a:r>
+          </a:p>
+          <a:p>
+            <a:pPr marL="0" indent="0">
+              <a:buNone/>
+            </a:pPr>
+            <a:r>
+              <a:rPr lang="nl-NL" sz="1400" dirty="0">
+                <a:latin typeface="Consolas" panose="020B0609020204030204" pitchFamily="49" charset="0"/>
+                <a:cs typeface="Consolas" panose="020B0609020204030204" pitchFamily="49" charset="0"/>
+              </a:rPr>
+              <a:t>      info("Finished RecordRoute");</a:t>
+            </a:r>
+          </a:p>
+          <a:p>
+            <a:pPr marL="0" indent="0">
+              <a:buNone/>
+            </a:pPr>
+            <a:r>
+              <a:rPr lang="nl-NL" sz="1400" dirty="0">
+                <a:latin typeface="Consolas" panose="020B0609020204030204" pitchFamily="49" charset="0"/>
+                <a:cs typeface="Consolas" panose="020B0609020204030204" pitchFamily="49" charset="0"/>
+              </a:rPr>
+              <a:t>      finishLatch.countDown();</a:t>
+            </a:r>
+          </a:p>
+          <a:p>
+            <a:pPr marL="0" indent="0">
+              <a:buNone/>
+            </a:pPr>
+            <a:r>
+              <a:rPr lang="nl-NL" sz="1400" dirty="0">
+                <a:latin typeface="Consolas" panose="020B0609020204030204" pitchFamily="49" charset="0"/>
+                <a:cs typeface="Consolas" panose="020B0609020204030204" pitchFamily="49" charset="0"/>
+              </a:rPr>
+              <a:t>    }</a:t>
+            </a:r>
+          </a:p>
+          <a:p>
+            <a:pPr marL="0" indent="0">
+              <a:buNone/>
+            </a:pPr>
+            <a:r>
+              <a:rPr lang="nl-NL" sz="1400" dirty="0">
                 <a:latin typeface="Consolas" panose="020B0609020204030204" pitchFamily="49" charset="0"/>
                 <a:cs typeface="Consolas" panose="020B0609020204030204" pitchFamily="49" charset="0"/>
               </a:rPr>
@@ -5337,7 +4933,7 @@
     </p:spTree>
     <p:extLst>
       <p:ext uri="{BB962C8B-B14F-4D97-AF65-F5344CB8AC3E}">
-        <p14:creationId xmlns:p14="http://schemas.microsoft.com/office/powerpoint/2010/main" val="2349294803"/>
+        <p14:creationId xmlns:p14="http://schemas.microsoft.com/office/powerpoint/2010/main" val="3991532252"/>
       </p:ext>
     </p:extLst>
   </p:cSld>
@@ -5388,6 +4984,822 @@
           <a:p>
             <a:r>
               <a:rPr lang="nl-NL" sz="2800" dirty="0" smtClean="0"/>
+              <a:t>grpc </a:t>
+            </a:r>
+            <a:r>
+              <a:rPr lang="nl-NL" sz="2800" dirty="0" smtClean="0"/>
+              <a:t>code </a:t>
+            </a:r>
+            <a:r>
+              <a:rPr lang="nl-NL" sz="2800" dirty="0" smtClean="0"/>
+              <a:t>.. </a:t>
+            </a:r>
+            <a:r>
+              <a:rPr lang="nl-NL" sz="2800" smtClean="0"/>
+              <a:t>4 bi-directional</a:t>
+            </a:r>
+            <a:endParaRPr lang="nl-NL" sz="2800" dirty="0"/>
+          </a:p>
+        </p:txBody>
+      </p:sp>
+      <p:sp>
+        <p:nvSpPr>
+          <p:cNvPr id="3" name="Content Placeholder 2"/>
+          <p:cNvSpPr>
+            <a:spLocks noGrp="1"/>
+          </p:cNvSpPr>
+          <p:nvPr>
+            <p:ph idx="1"/>
+          </p:nvPr>
+        </p:nvSpPr>
+        <p:spPr>
+          <a:xfrm>
+            <a:off x="467544" y="908720"/>
+            <a:ext cx="8424936" cy="5688632"/>
+          </a:xfrm>
+          <a:ln>
+            <a:solidFill>
+              <a:schemeClr val="tx1"/>
+            </a:solidFill>
+          </a:ln>
+        </p:spPr>
+        <p:txBody>
+          <a:bodyPr>
+            <a:normAutofit fontScale="77500" lnSpcReduction="20000"/>
+          </a:bodyPr>
+          <a:lstStyle/>
+          <a:p>
+            <a:pPr marL="0" indent="0">
+              <a:buNone/>
+            </a:pPr>
+            <a:r>
+              <a:rPr lang="nl-NL" sz="2400" dirty="0" smtClean="0">
+                <a:solidFill>
+                  <a:schemeClr val="tx2"/>
+                </a:solidFill>
+              </a:rPr>
+              <a:t>S</a:t>
+            </a:r>
+            <a:r>
+              <a:rPr lang="nl-NL" sz="2400" dirty="0">
+                <a:solidFill>
+                  <a:schemeClr val="tx2"/>
+                </a:solidFill>
+              </a:rPr>
+              <a:t>erve</a:t>
+            </a:r>
+            <a:r>
+              <a:rPr lang="nl-NL" sz="2400" dirty="0" smtClean="0">
+                <a:solidFill>
+                  <a:schemeClr val="tx2"/>
+                </a:solidFill>
+              </a:rPr>
+              <a:t>r, </a:t>
+            </a:r>
+            <a:r>
+              <a:rPr lang="nl-NL" sz="2400" dirty="0" err="1" smtClean="0">
+                <a:solidFill>
+                  <a:schemeClr val="tx2"/>
+                </a:solidFill>
+              </a:rPr>
+              <a:t>implement</a:t>
+            </a:r>
+            <a:r>
+              <a:rPr lang="nl-NL" sz="2400" dirty="0" smtClean="0">
+                <a:solidFill>
+                  <a:schemeClr val="tx2"/>
+                </a:solidFill>
+              </a:rPr>
+              <a:t> services:</a:t>
+            </a:r>
+          </a:p>
+          <a:p>
+            <a:pPr marL="0" indent="0">
+              <a:buNone/>
+            </a:pPr>
+            <a:r>
+              <a:rPr lang="nl-NL" sz="2000" dirty="0" smtClean="0">
+                <a:solidFill>
+                  <a:schemeClr val="tx2"/>
+                </a:solidFill>
+              </a:rPr>
+              <a:t>Voorbeeld: </a:t>
+            </a:r>
+            <a:r>
+              <a:rPr lang="en-US" sz="2400" dirty="0" err="1">
+                <a:solidFill>
+                  <a:schemeClr val="tx2"/>
+                </a:solidFill>
+              </a:rPr>
+              <a:t>rpc</a:t>
+            </a:r>
+            <a:r>
+              <a:rPr lang="en-US" sz="2400" dirty="0">
+                <a:solidFill>
+                  <a:schemeClr val="tx2"/>
+                </a:solidFill>
+              </a:rPr>
+              <a:t> </a:t>
+            </a:r>
+            <a:r>
+              <a:rPr lang="en-US" sz="2400" dirty="0" err="1">
+                <a:solidFill>
+                  <a:schemeClr val="tx2"/>
+                </a:solidFill>
+              </a:rPr>
+              <a:t>RouteChat</a:t>
+            </a:r>
+            <a:r>
+              <a:rPr lang="en-US" sz="2400" dirty="0">
+                <a:solidFill>
+                  <a:schemeClr val="tx2"/>
+                </a:solidFill>
+              </a:rPr>
+              <a:t>(stream </a:t>
+            </a:r>
+            <a:r>
+              <a:rPr lang="en-US" sz="2400" dirty="0" err="1">
+                <a:solidFill>
+                  <a:schemeClr val="tx2"/>
+                </a:solidFill>
+              </a:rPr>
+              <a:t>RouteNote</a:t>
+            </a:r>
+            <a:r>
+              <a:rPr lang="en-US" sz="2400" dirty="0">
+                <a:solidFill>
+                  <a:schemeClr val="tx2"/>
+                </a:solidFill>
+              </a:rPr>
+              <a:t>) returns (stream </a:t>
+            </a:r>
+            <a:r>
+              <a:rPr lang="en-US" sz="2400" dirty="0" err="1">
+                <a:solidFill>
+                  <a:schemeClr val="tx2"/>
+                </a:solidFill>
+              </a:rPr>
+              <a:t>RouteNote</a:t>
+            </a:r>
+            <a:r>
+              <a:rPr lang="en-US" sz="2400" dirty="0">
+                <a:solidFill>
+                  <a:schemeClr val="tx2"/>
+                </a:solidFill>
+              </a:rPr>
+              <a:t>) {}</a:t>
+            </a:r>
+            <a:endParaRPr lang="nl-NL" sz="2400" dirty="0">
+              <a:solidFill>
+                <a:schemeClr val="tx2"/>
+              </a:solidFill>
+            </a:endParaRPr>
+          </a:p>
+          <a:p>
+            <a:pPr marL="0" indent="0">
+              <a:buNone/>
+            </a:pPr>
+            <a:endParaRPr lang="nl-NL" sz="2000" dirty="0" smtClean="0">
+              <a:latin typeface="Consolas" panose="020B0609020204030204" pitchFamily="49" charset="0"/>
+              <a:cs typeface="Consolas" panose="020B0609020204030204" pitchFamily="49" charset="0"/>
+            </a:endParaRPr>
+          </a:p>
+          <a:p>
+            <a:pPr marL="0" indent="0">
+              <a:buNone/>
+            </a:pPr>
+            <a:r>
+              <a:rPr lang="en-US" sz="2000" dirty="0">
+                <a:latin typeface="Consolas" panose="020B0609020204030204" pitchFamily="49" charset="0"/>
+                <a:cs typeface="Consolas" panose="020B0609020204030204" pitchFamily="49" charset="0"/>
+              </a:rPr>
+              <a:t>public </a:t>
+            </a:r>
+            <a:r>
+              <a:rPr lang="en-US" sz="2000" dirty="0" err="1">
+                <a:latin typeface="Consolas" panose="020B0609020204030204" pitchFamily="49" charset="0"/>
+                <a:cs typeface="Consolas" panose="020B0609020204030204" pitchFamily="49" charset="0"/>
+              </a:rPr>
+              <a:t>StreamObserver</a:t>
+            </a:r>
+            <a:r>
+              <a:rPr lang="en-US" sz="2000" dirty="0">
+                <a:latin typeface="Consolas" panose="020B0609020204030204" pitchFamily="49" charset="0"/>
+                <a:cs typeface="Consolas" panose="020B0609020204030204" pitchFamily="49" charset="0"/>
+              </a:rPr>
+              <a:t>&lt;</a:t>
+            </a:r>
+            <a:r>
+              <a:rPr lang="en-US" sz="2000" dirty="0" err="1">
+                <a:latin typeface="Consolas" panose="020B0609020204030204" pitchFamily="49" charset="0"/>
+                <a:cs typeface="Consolas" panose="020B0609020204030204" pitchFamily="49" charset="0"/>
+              </a:rPr>
+              <a:t>RouteNote</a:t>
+            </a:r>
+            <a:r>
+              <a:rPr lang="en-US" sz="2000" dirty="0">
+                <a:latin typeface="Consolas" panose="020B0609020204030204" pitchFamily="49" charset="0"/>
+                <a:cs typeface="Consolas" panose="020B0609020204030204" pitchFamily="49" charset="0"/>
+              </a:rPr>
+              <a:t>&gt; </a:t>
+            </a:r>
+            <a:r>
+              <a:rPr lang="en-US" sz="2000" dirty="0" err="1" smtClean="0">
+                <a:latin typeface="Consolas" panose="020B0609020204030204" pitchFamily="49" charset="0"/>
+                <a:cs typeface="Consolas" panose="020B0609020204030204" pitchFamily="49" charset="0"/>
+              </a:rPr>
+              <a:t>routeChat</a:t>
+            </a:r>
+            <a:r>
+              <a:rPr lang="en-US" sz="2000" dirty="0" smtClean="0">
+                <a:latin typeface="Consolas" panose="020B0609020204030204" pitchFamily="49" charset="0"/>
+                <a:cs typeface="Consolas" panose="020B0609020204030204" pitchFamily="49" charset="0"/>
+              </a:rPr>
+              <a:t>(</a:t>
+            </a:r>
+            <a:r>
+              <a:rPr lang="en-US" sz="2000" dirty="0" err="1" smtClean="0">
+                <a:latin typeface="Consolas" panose="020B0609020204030204" pitchFamily="49" charset="0"/>
+                <a:cs typeface="Consolas" panose="020B0609020204030204" pitchFamily="49" charset="0"/>
+              </a:rPr>
+              <a:t>StreamObserver</a:t>
+            </a:r>
+            <a:r>
+              <a:rPr lang="en-US" sz="2000" dirty="0" smtClean="0">
+                <a:latin typeface="Consolas" panose="020B0609020204030204" pitchFamily="49" charset="0"/>
+                <a:cs typeface="Consolas" panose="020B0609020204030204" pitchFamily="49" charset="0"/>
+              </a:rPr>
+              <a:t>&lt;</a:t>
+            </a:r>
+            <a:r>
+              <a:rPr lang="en-US" sz="2000" dirty="0" err="1" smtClean="0">
+                <a:latin typeface="Consolas" panose="020B0609020204030204" pitchFamily="49" charset="0"/>
+                <a:cs typeface="Consolas" panose="020B0609020204030204" pitchFamily="49" charset="0"/>
+              </a:rPr>
+              <a:t>RouteNote</a:t>
+            </a:r>
+            <a:r>
+              <a:rPr lang="en-US" sz="2000" dirty="0" smtClean="0">
+                <a:latin typeface="Consolas" panose="020B0609020204030204" pitchFamily="49" charset="0"/>
+                <a:cs typeface="Consolas" panose="020B0609020204030204" pitchFamily="49" charset="0"/>
+              </a:rPr>
+              <a:t>&gt;</a:t>
+            </a:r>
+          </a:p>
+          <a:p>
+            <a:pPr marL="0" indent="0">
+              <a:buNone/>
+            </a:pPr>
+            <a:r>
+              <a:rPr lang="en-US" sz="2000" dirty="0">
+                <a:latin typeface="Consolas" panose="020B0609020204030204" pitchFamily="49" charset="0"/>
+                <a:cs typeface="Consolas" panose="020B0609020204030204" pitchFamily="49" charset="0"/>
+              </a:rPr>
+              <a:t>	</a:t>
+            </a:r>
+            <a:r>
+              <a:rPr lang="en-US" sz="2000" dirty="0" smtClean="0">
+                <a:latin typeface="Consolas" panose="020B0609020204030204" pitchFamily="49" charset="0"/>
+                <a:cs typeface="Consolas" panose="020B0609020204030204" pitchFamily="49" charset="0"/>
+              </a:rPr>
+              <a:t>  </a:t>
+            </a:r>
+            <a:r>
+              <a:rPr lang="en-US" sz="2000" dirty="0" err="1" smtClean="0">
+                <a:latin typeface="Consolas" panose="020B0609020204030204" pitchFamily="49" charset="0"/>
+                <a:cs typeface="Consolas" panose="020B0609020204030204" pitchFamily="49" charset="0"/>
+              </a:rPr>
+              <a:t>responseObserver</a:t>
+            </a:r>
+            <a:r>
+              <a:rPr lang="en-US" sz="2000" dirty="0">
+                <a:latin typeface="Consolas" panose="020B0609020204030204" pitchFamily="49" charset="0"/>
+                <a:cs typeface="Consolas" panose="020B0609020204030204" pitchFamily="49" charset="0"/>
+              </a:rPr>
+              <a:t>) </a:t>
+            </a:r>
+            <a:endParaRPr lang="en-US" sz="2000" dirty="0" smtClean="0">
+              <a:latin typeface="Consolas" panose="020B0609020204030204" pitchFamily="49" charset="0"/>
+              <a:cs typeface="Consolas" panose="020B0609020204030204" pitchFamily="49" charset="0"/>
+            </a:endParaRPr>
+          </a:p>
+          <a:p>
+            <a:pPr marL="0" indent="0">
+              <a:buNone/>
+            </a:pPr>
+            <a:r>
+              <a:rPr lang="en-US" sz="1800" b="1" dirty="0" smtClean="0"/>
+              <a:t>{</a:t>
+            </a:r>
+          </a:p>
+          <a:p>
+            <a:pPr marL="0" indent="0">
+              <a:buNone/>
+            </a:pPr>
+            <a:r>
+              <a:rPr lang="en-US" sz="1800" b="1" dirty="0">
+                <a:latin typeface="Consolas" panose="020B0609020204030204" pitchFamily="49" charset="0"/>
+                <a:cs typeface="Consolas" panose="020B0609020204030204" pitchFamily="49" charset="0"/>
+              </a:rPr>
+              <a:t> </a:t>
+            </a:r>
+            <a:r>
+              <a:rPr lang="en-US" sz="1800" b="1" dirty="0" smtClean="0">
+                <a:latin typeface="Consolas" panose="020B0609020204030204" pitchFamily="49" charset="0"/>
+                <a:cs typeface="Consolas" panose="020B0609020204030204" pitchFamily="49" charset="0"/>
+              </a:rPr>
+              <a:t> </a:t>
+            </a:r>
+            <a:r>
+              <a:rPr lang="nl-NL" sz="2000" dirty="0" smtClean="0">
+                <a:latin typeface="Consolas" panose="020B0609020204030204" pitchFamily="49" charset="0"/>
+                <a:cs typeface="Consolas" panose="020B0609020204030204" pitchFamily="49" charset="0"/>
+              </a:rPr>
+              <a:t>return </a:t>
+            </a:r>
+            <a:r>
+              <a:rPr lang="nl-NL" sz="2000" dirty="0">
+                <a:latin typeface="Consolas" panose="020B0609020204030204" pitchFamily="49" charset="0"/>
+                <a:cs typeface="Consolas" panose="020B0609020204030204" pitchFamily="49" charset="0"/>
+              </a:rPr>
+              <a:t>new </a:t>
+            </a:r>
+            <a:r>
+              <a:rPr lang="nl-NL" sz="2000" dirty="0" err="1" smtClean="0">
+                <a:latin typeface="Consolas" panose="020B0609020204030204" pitchFamily="49" charset="0"/>
+                <a:cs typeface="Consolas" panose="020B0609020204030204" pitchFamily="49" charset="0"/>
+              </a:rPr>
+              <a:t>StreamObserver</a:t>
+            </a:r>
+            <a:r>
+              <a:rPr lang="nl-NL" sz="2000" dirty="0" smtClean="0">
+                <a:latin typeface="Consolas" panose="020B0609020204030204" pitchFamily="49" charset="0"/>
+                <a:cs typeface="Consolas" panose="020B0609020204030204" pitchFamily="49" charset="0"/>
+              </a:rPr>
+              <a:t>&lt;</a:t>
+            </a:r>
+            <a:r>
+              <a:rPr lang="en-US" sz="2000" dirty="0" err="1" smtClean="0"/>
+              <a:t>RouteNote</a:t>
+            </a:r>
+            <a:r>
+              <a:rPr lang="nl-NL" sz="2000" dirty="0" smtClean="0">
+                <a:latin typeface="Consolas" panose="020B0609020204030204" pitchFamily="49" charset="0"/>
+                <a:cs typeface="Consolas" panose="020B0609020204030204" pitchFamily="49" charset="0"/>
+              </a:rPr>
+              <a:t>&gt;() </a:t>
+            </a:r>
+            <a:r>
+              <a:rPr lang="nl-NL" sz="2000" dirty="0">
+                <a:latin typeface="Consolas" panose="020B0609020204030204" pitchFamily="49" charset="0"/>
+                <a:cs typeface="Consolas" panose="020B0609020204030204" pitchFamily="49" charset="0"/>
+              </a:rPr>
+              <a:t>{</a:t>
+            </a:r>
+          </a:p>
+          <a:p>
+            <a:pPr marL="0" indent="0">
+              <a:buNone/>
+            </a:pPr>
+            <a:r>
+              <a:rPr lang="nl-NL" sz="2000" dirty="0">
+                <a:latin typeface="Consolas" panose="020B0609020204030204" pitchFamily="49" charset="0"/>
+                <a:cs typeface="Consolas" panose="020B0609020204030204" pitchFamily="49" charset="0"/>
+              </a:rPr>
+              <a:t>  @</a:t>
+            </a:r>
+            <a:r>
+              <a:rPr lang="nl-NL" sz="2000" dirty="0" err="1">
+                <a:latin typeface="Consolas" panose="020B0609020204030204" pitchFamily="49" charset="0"/>
+                <a:cs typeface="Consolas" panose="020B0609020204030204" pitchFamily="49" charset="0"/>
+              </a:rPr>
+              <a:t>Override</a:t>
+            </a:r>
+            <a:endParaRPr lang="nl-NL" sz="2000" dirty="0">
+              <a:latin typeface="Consolas" panose="020B0609020204030204" pitchFamily="49" charset="0"/>
+              <a:cs typeface="Consolas" panose="020B0609020204030204" pitchFamily="49" charset="0"/>
+            </a:endParaRPr>
+          </a:p>
+          <a:p>
+            <a:pPr marL="0" indent="0">
+              <a:buNone/>
+            </a:pPr>
+            <a:r>
+              <a:rPr lang="nl-NL" sz="2000" dirty="0">
+                <a:latin typeface="Consolas" panose="020B0609020204030204" pitchFamily="49" charset="0"/>
+                <a:cs typeface="Consolas" panose="020B0609020204030204" pitchFamily="49" charset="0"/>
+              </a:rPr>
+              <a:t>  public </a:t>
+            </a:r>
+            <a:r>
+              <a:rPr lang="nl-NL" sz="2000" dirty="0" err="1">
+                <a:latin typeface="Consolas" panose="020B0609020204030204" pitchFamily="49" charset="0"/>
+                <a:cs typeface="Consolas" panose="020B0609020204030204" pitchFamily="49" charset="0"/>
+              </a:rPr>
+              <a:t>void</a:t>
+            </a:r>
+            <a:r>
+              <a:rPr lang="nl-NL" sz="2000" dirty="0">
+                <a:latin typeface="Consolas" panose="020B0609020204030204" pitchFamily="49" charset="0"/>
+                <a:cs typeface="Consolas" panose="020B0609020204030204" pitchFamily="49" charset="0"/>
+              </a:rPr>
+              <a:t> </a:t>
+            </a:r>
+            <a:r>
+              <a:rPr lang="nl-NL" sz="2000" dirty="0" err="1" smtClean="0">
+                <a:latin typeface="Consolas" panose="020B0609020204030204" pitchFamily="49" charset="0"/>
+                <a:cs typeface="Consolas" panose="020B0609020204030204" pitchFamily="49" charset="0"/>
+              </a:rPr>
+              <a:t>onNext</a:t>
+            </a:r>
+            <a:r>
+              <a:rPr lang="nl-NL" sz="2000" dirty="0" smtClean="0">
+                <a:latin typeface="Consolas" panose="020B0609020204030204" pitchFamily="49" charset="0"/>
+                <a:cs typeface="Consolas" panose="020B0609020204030204" pitchFamily="49" charset="0"/>
+              </a:rPr>
+              <a:t>(</a:t>
+            </a:r>
+            <a:r>
+              <a:rPr lang="en-US" sz="2000" dirty="0" err="1"/>
+              <a:t>RouteNote</a:t>
+            </a:r>
+            <a:r>
+              <a:rPr lang="en-US" sz="2000" dirty="0"/>
+              <a:t> </a:t>
+            </a:r>
+            <a:r>
+              <a:rPr lang="nl-NL" sz="2000" dirty="0" err="1" smtClean="0">
+                <a:latin typeface="Consolas" panose="020B0609020204030204" pitchFamily="49" charset="0"/>
+                <a:cs typeface="Consolas" panose="020B0609020204030204" pitchFamily="49" charset="0"/>
+              </a:rPr>
+              <a:t>note</a:t>
+            </a:r>
+            <a:r>
+              <a:rPr lang="nl-NL" sz="2000" dirty="0">
+                <a:latin typeface="Consolas" panose="020B0609020204030204" pitchFamily="49" charset="0"/>
+                <a:cs typeface="Consolas" panose="020B0609020204030204" pitchFamily="49" charset="0"/>
+              </a:rPr>
+              <a:t>) {</a:t>
+            </a:r>
+          </a:p>
+          <a:p>
+            <a:pPr marL="0" indent="0">
+              <a:buNone/>
+            </a:pPr>
+            <a:r>
+              <a:rPr lang="nl-NL" sz="2000" dirty="0">
+                <a:latin typeface="Consolas" panose="020B0609020204030204" pitchFamily="49" charset="0"/>
+                <a:cs typeface="Consolas" panose="020B0609020204030204" pitchFamily="49" charset="0"/>
+              </a:rPr>
+              <a:t>      ...</a:t>
+            </a:r>
+          </a:p>
+          <a:p>
+            <a:pPr marL="0" indent="0">
+              <a:buNone/>
+            </a:pPr>
+            <a:r>
+              <a:rPr lang="nl-NL" sz="2000" dirty="0">
+                <a:latin typeface="Consolas" panose="020B0609020204030204" pitchFamily="49" charset="0"/>
+                <a:cs typeface="Consolas" panose="020B0609020204030204" pitchFamily="49" charset="0"/>
+              </a:rPr>
+              <a:t>      </a:t>
+            </a:r>
+            <a:r>
+              <a:rPr lang="nl-NL" sz="2000" dirty="0" err="1" smtClean="0">
+                <a:latin typeface="Consolas" panose="020B0609020204030204" pitchFamily="49" charset="0"/>
+                <a:cs typeface="Consolas" panose="020B0609020204030204" pitchFamily="49" charset="0"/>
+              </a:rPr>
+              <a:t>responseObserver.onNext</a:t>
+            </a:r>
+            <a:r>
+              <a:rPr lang="nl-NL" sz="2000" dirty="0" smtClean="0">
+                <a:latin typeface="Consolas" panose="020B0609020204030204" pitchFamily="49" charset="0"/>
+                <a:cs typeface="Consolas" panose="020B0609020204030204" pitchFamily="49" charset="0"/>
+              </a:rPr>
+              <a:t>(</a:t>
+            </a:r>
+            <a:r>
+              <a:rPr lang="nl-NL" sz="2000" dirty="0" err="1" smtClean="0">
+                <a:latin typeface="Consolas" panose="020B0609020204030204" pitchFamily="49" charset="0"/>
+                <a:cs typeface="Consolas" panose="020B0609020204030204" pitchFamily="49" charset="0"/>
+              </a:rPr>
+              <a:t>RouteNote</a:t>
+            </a:r>
+            <a:r>
+              <a:rPr lang="nl-NL" sz="2000" dirty="0" smtClean="0">
+                <a:latin typeface="Consolas" panose="020B0609020204030204" pitchFamily="49" charset="0"/>
+                <a:cs typeface="Consolas" panose="020B0609020204030204" pitchFamily="49" charset="0"/>
+              </a:rPr>
+              <a:t>..</a:t>
+            </a:r>
+            <a:r>
+              <a:rPr lang="nl-NL" sz="2000" dirty="0" err="1" smtClean="0">
+                <a:latin typeface="Consolas" panose="020B0609020204030204" pitchFamily="49" charset="0"/>
+                <a:cs typeface="Consolas" panose="020B0609020204030204" pitchFamily="49" charset="0"/>
+              </a:rPr>
+              <a:t>build</a:t>
+            </a:r>
+            <a:r>
+              <a:rPr lang="nl-NL" sz="2000" dirty="0" smtClean="0">
+                <a:latin typeface="Consolas" panose="020B0609020204030204" pitchFamily="49" charset="0"/>
+                <a:cs typeface="Consolas" panose="020B0609020204030204" pitchFamily="49" charset="0"/>
+              </a:rPr>
+              <a:t>());</a:t>
+            </a:r>
+            <a:endParaRPr lang="nl-NL" sz="2000" dirty="0">
+              <a:latin typeface="Consolas" panose="020B0609020204030204" pitchFamily="49" charset="0"/>
+              <a:cs typeface="Consolas" panose="020B0609020204030204" pitchFamily="49" charset="0"/>
+            </a:endParaRPr>
+          </a:p>
+          <a:p>
+            <a:pPr marL="0" indent="0">
+              <a:buNone/>
+            </a:pPr>
+            <a:r>
+              <a:rPr lang="nl-NL" sz="2000" dirty="0">
+                <a:latin typeface="Consolas" panose="020B0609020204030204" pitchFamily="49" charset="0"/>
+                <a:cs typeface="Consolas" panose="020B0609020204030204" pitchFamily="49" charset="0"/>
+              </a:rPr>
+              <a:t>  }</a:t>
+            </a:r>
+          </a:p>
+          <a:p>
+            <a:pPr marL="0" indent="0">
+              <a:buNone/>
+            </a:pPr>
+            <a:endParaRPr lang="nl-NL" sz="2000" dirty="0">
+              <a:latin typeface="Consolas" panose="020B0609020204030204" pitchFamily="49" charset="0"/>
+              <a:cs typeface="Consolas" panose="020B0609020204030204" pitchFamily="49" charset="0"/>
+            </a:endParaRPr>
+          </a:p>
+          <a:p>
+            <a:pPr marL="0" indent="0">
+              <a:buNone/>
+            </a:pPr>
+            <a:r>
+              <a:rPr lang="nl-NL" sz="2000" dirty="0">
+                <a:latin typeface="Consolas" panose="020B0609020204030204" pitchFamily="49" charset="0"/>
+                <a:cs typeface="Consolas" panose="020B0609020204030204" pitchFamily="49" charset="0"/>
+              </a:rPr>
+              <a:t>  @</a:t>
+            </a:r>
+            <a:r>
+              <a:rPr lang="nl-NL" sz="2000" dirty="0" err="1">
+                <a:latin typeface="Consolas" panose="020B0609020204030204" pitchFamily="49" charset="0"/>
+                <a:cs typeface="Consolas" panose="020B0609020204030204" pitchFamily="49" charset="0"/>
+              </a:rPr>
+              <a:t>Override</a:t>
+            </a:r>
+            <a:endParaRPr lang="nl-NL" sz="2000" dirty="0">
+              <a:latin typeface="Consolas" panose="020B0609020204030204" pitchFamily="49" charset="0"/>
+              <a:cs typeface="Consolas" panose="020B0609020204030204" pitchFamily="49" charset="0"/>
+            </a:endParaRPr>
+          </a:p>
+          <a:p>
+            <a:pPr marL="0" indent="0">
+              <a:buNone/>
+            </a:pPr>
+            <a:r>
+              <a:rPr lang="nl-NL" sz="2000" dirty="0">
+                <a:latin typeface="Consolas" panose="020B0609020204030204" pitchFamily="49" charset="0"/>
+                <a:cs typeface="Consolas" panose="020B0609020204030204" pitchFamily="49" charset="0"/>
+              </a:rPr>
+              <a:t>  public </a:t>
+            </a:r>
+            <a:r>
+              <a:rPr lang="nl-NL" sz="2000" dirty="0" err="1">
+                <a:latin typeface="Consolas" panose="020B0609020204030204" pitchFamily="49" charset="0"/>
+                <a:cs typeface="Consolas" panose="020B0609020204030204" pitchFamily="49" charset="0"/>
+              </a:rPr>
+              <a:t>void</a:t>
+            </a:r>
+            <a:r>
+              <a:rPr lang="nl-NL" sz="2000" dirty="0">
+                <a:latin typeface="Consolas" panose="020B0609020204030204" pitchFamily="49" charset="0"/>
+                <a:cs typeface="Consolas" panose="020B0609020204030204" pitchFamily="49" charset="0"/>
+              </a:rPr>
+              <a:t> </a:t>
+            </a:r>
+            <a:r>
+              <a:rPr lang="nl-NL" sz="2000" dirty="0" err="1">
+                <a:latin typeface="Consolas" panose="020B0609020204030204" pitchFamily="49" charset="0"/>
+                <a:cs typeface="Consolas" panose="020B0609020204030204" pitchFamily="49" charset="0"/>
+              </a:rPr>
+              <a:t>onError</a:t>
+            </a:r>
+            <a:r>
+              <a:rPr lang="nl-NL" sz="2000" dirty="0">
+                <a:latin typeface="Consolas" panose="020B0609020204030204" pitchFamily="49" charset="0"/>
+                <a:cs typeface="Consolas" panose="020B0609020204030204" pitchFamily="49" charset="0"/>
+              </a:rPr>
+              <a:t>(</a:t>
+            </a:r>
+            <a:r>
+              <a:rPr lang="nl-NL" sz="2000" dirty="0" err="1">
+                <a:latin typeface="Consolas" panose="020B0609020204030204" pitchFamily="49" charset="0"/>
+                <a:cs typeface="Consolas" panose="020B0609020204030204" pitchFamily="49" charset="0"/>
+              </a:rPr>
+              <a:t>Throwable</a:t>
+            </a:r>
+            <a:r>
+              <a:rPr lang="nl-NL" sz="2000" dirty="0">
+                <a:latin typeface="Consolas" panose="020B0609020204030204" pitchFamily="49" charset="0"/>
+                <a:cs typeface="Consolas" panose="020B0609020204030204" pitchFamily="49" charset="0"/>
+              </a:rPr>
+              <a:t> t) {</a:t>
+            </a:r>
+          </a:p>
+          <a:p>
+            <a:pPr marL="0" indent="0">
+              <a:buNone/>
+            </a:pPr>
+            <a:r>
+              <a:rPr lang="nl-NL" sz="2000" dirty="0">
+                <a:latin typeface="Consolas" panose="020B0609020204030204" pitchFamily="49" charset="0"/>
+                <a:cs typeface="Consolas" panose="020B0609020204030204" pitchFamily="49" charset="0"/>
+              </a:rPr>
+              <a:t>  }</a:t>
+            </a:r>
+          </a:p>
+          <a:p>
+            <a:pPr marL="0" indent="0">
+              <a:buNone/>
+            </a:pPr>
+            <a:endParaRPr lang="nl-NL" sz="2000" dirty="0">
+              <a:latin typeface="Consolas" panose="020B0609020204030204" pitchFamily="49" charset="0"/>
+              <a:cs typeface="Consolas" panose="020B0609020204030204" pitchFamily="49" charset="0"/>
+            </a:endParaRPr>
+          </a:p>
+          <a:p>
+            <a:pPr marL="0" indent="0">
+              <a:buNone/>
+            </a:pPr>
+            <a:r>
+              <a:rPr lang="nl-NL" sz="2000" dirty="0">
+                <a:latin typeface="Consolas" panose="020B0609020204030204" pitchFamily="49" charset="0"/>
+                <a:cs typeface="Consolas" panose="020B0609020204030204" pitchFamily="49" charset="0"/>
+              </a:rPr>
+              <a:t>  @</a:t>
+            </a:r>
+            <a:r>
+              <a:rPr lang="nl-NL" sz="2000" dirty="0" err="1">
+                <a:latin typeface="Consolas" panose="020B0609020204030204" pitchFamily="49" charset="0"/>
+                <a:cs typeface="Consolas" panose="020B0609020204030204" pitchFamily="49" charset="0"/>
+              </a:rPr>
+              <a:t>Override</a:t>
+            </a:r>
+            <a:endParaRPr lang="nl-NL" sz="2000" dirty="0">
+              <a:latin typeface="Consolas" panose="020B0609020204030204" pitchFamily="49" charset="0"/>
+              <a:cs typeface="Consolas" panose="020B0609020204030204" pitchFamily="49" charset="0"/>
+            </a:endParaRPr>
+          </a:p>
+          <a:p>
+            <a:pPr marL="0" indent="0">
+              <a:buNone/>
+            </a:pPr>
+            <a:r>
+              <a:rPr lang="nl-NL" sz="2000" dirty="0">
+                <a:latin typeface="Consolas" panose="020B0609020204030204" pitchFamily="49" charset="0"/>
+                <a:cs typeface="Consolas" panose="020B0609020204030204" pitchFamily="49" charset="0"/>
+              </a:rPr>
+              <a:t>  public </a:t>
+            </a:r>
+            <a:r>
+              <a:rPr lang="nl-NL" sz="2000" dirty="0" err="1">
+                <a:latin typeface="Consolas" panose="020B0609020204030204" pitchFamily="49" charset="0"/>
+                <a:cs typeface="Consolas" panose="020B0609020204030204" pitchFamily="49" charset="0"/>
+              </a:rPr>
+              <a:t>void</a:t>
+            </a:r>
+            <a:r>
+              <a:rPr lang="nl-NL" sz="2000" dirty="0">
+                <a:latin typeface="Consolas" panose="020B0609020204030204" pitchFamily="49" charset="0"/>
+                <a:cs typeface="Consolas" panose="020B0609020204030204" pitchFamily="49" charset="0"/>
+              </a:rPr>
+              <a:t> </a:t>
+            </a:r>
+            <a:r>
+              <a:rPr lang="nl-NL" sz="2000" dirty="0" err="1">
+                <a:latin typeface="Consolas" panose="020B0609020204030204" pitchFamily="49" charset="0"/>
+                <a:cs typeface="Consolas" panose="020B0609020204030204" pitchFamily="49" charset="0"/>
+              </a:rPr>
+              <a:t>onCompleted</a:t>
+            </a:r>
+            <a:r>
+              <a:rPr lang="nl-NL" sz="2000" dirty="0">
+                <a:latin typeface="Consolas" panose="020B0609020204030204" pitchFamily="49" charset="0"/>
+                <a:cs typeface="Consolas" panose="020B0609020204030204" pitchFamily="49" charset="0"/>
+              </a:rPr>
+              <a:t>() {</a:t>
+            </a:r>
+          </a:p>
+          <a:p>
+            <a:pPr marL="0" indent="0">
+              <a:buNone/>
+            </a:pPr>
+            <a:r>
+              <a:rPr lang="nl-NL" sz="2000" dirty="0">
+                <a:latin typeface="Consolas" panose="020B0609020204030204" pitchFamily="49" charset="0"/>
+                <a:cs typeface="Consolas" panose="020B0609020204030204" pitchFamily="49" charset="0"/>
+              </a:rPr>
+              <a:t>    </a:t>
+            </a:r>
+            <a:r>
+              <a:rPr lang="nl-NL" sz="2000" dirty="0" err="1">
+                <a:latin typeface="Consolas" panose="020B0609020204030204" pitchFamily="49" charset="0"/>
+                <a:cs typeface="Consolas" panose="020B0609020204030204" pitchFamily="49" charset="0"/>
+              </a:rPr>
+              <a:t>responseObserver.onCompleted</a:t>
+            </a:r>
+            <a:r>
+              <a:rPr lang="nl-NL" sz="2000" dirty="0">
+                <a:latin typeface="Consolas" panose="020B0609020204030204" pitchFamily="49" charset="0"/>
+                <a:cs typeface="Consolas" panose="020B0609020204030204" pitchFamily="49" charset="0"/>
+              </a:rPr>
+              <a:t>();</a:t>
+            </a:r>
+          </a:p>
+          <a:p>
+            <a:pPr marL="0" indent="0">
+              <a:buNone/>
+            </a:pPr>
+            <a:r>
+              <a:rPr lang="nl-NL" sz="2000" dirty="0">
+                <a:latin typeface="Consolas" panose="020B0609020204030204" pitchFamily="49" charset="0"/>
+                <a:cs typeface="Consolas" panose="020B0609020204030204" pitchFamily="49" charset="0"/>
+              </a:rPr>
+              <a:t>  }</a:t>
+            </a:r>
+          </a:p>
+          <a:p>
+            <a:pPr marL="0" indent="0">
+              <a:buNone/>
+            </a:pPr>
+            <a:r>
+              <a:rPr lang="nl-NL" sz="2000" dirty="0">
+                <a:latin typeface="Consolas" panose="020B0609020204030204" pitchFamily="49" charset="0"/>
+                <a:cs typeface="Consolas" panose="020B0609020204030204" pitchFamily="49" charset="0"/>
+              </a:rPr>
+              <a:t>};</a:t>
+            </a:r>
+          </a:p>
+        </p:txBody>
+      </p:sp>
+    </p:spTree>
+    <p:extLst>
+      <p:ext uri="{BB962C8B-B14F-4D97-AF65-F5344CB8AC3E}">
+        <p14:creationId xmlns:p14="http://schemas.microsoft.com/office/powerpoint/2010/main" val="2349294803"/>
+      </p:ext>
+    </p:extLst>
+  </p:cSld>
+  <p:clrMapOvr>
+    <a:masterClrMapping/>
+  </p:clrMapOvr>
+</p:sld>
+</file>
+
+<file path=ppt/slides/slide14.xml><?xml version="1.0" encoding="utf-8"?>
+<p:sld xmlns:a="http://schemas.openxmlformats.org/drawingml/2006/main" xmlns:r="http://schemas.openxmlformats.org/officeDocument/2006/relationships" xmlns:p="http://schemas.openxmlformats.org/presentationml/2006/main">
+  <p:cSld>
+    <p:spTree>
+      <p:nvGrpSpPr>
+        <p:cNvPr id="1" name=""/>
+        <p:cNvGrpSpPr/>
+        <p:nvPr/>
+      </p:nvGrpSpPr>
+      <p:grpSpPr>
+        <a:xfrm>
+          <a:off x="0" y="0"/>
+          <a:ext cx="0" cy="0"/>
+          <a:chOff x="0" y="0"/>
+          <a:chExt cx="0" cy="0"/>
+        </a:xfrm>
+      </p:grpSpPr>
+      <p:sp>
+        <p:nvSpPr>
+          <p:cNvPr id="2" name="Title 1"/>
+          <p:cNvSpPr>
+            <a:spLocks noGrp="1"/>
+          </p:cNvSpPr>
+          <p:nvPr>
+            <p:ph type="title"/>
+          </p:nvPr>
+        </p:nvSpPr>
+        <p:spPr>
+          <a:xfrm>
+            <a:off x="457200" y="274638"/>
+            <a:ext cx="8229600" cy="562074"/>
+          </a:xfrm>
+        </p:spPr>
+        <p:txBody>
+          <a:bodyPr>
+            <a:normAutofit/>
+          </a:bodyPr>
+          <a:lstStyle/>
+          <a:p>
+            <a:r>
+              <a:rPr lang="nl-NL" sz="2800" dirty="0" smtClean="0"/>
               <a:t>Hands-on</a:t>
             </a:r>
             <a:endParaRPr lang="nl-NL" sz="2800" dirty="0"/>
@@ -5445,11 +5857,6 @@
               </a:rPr>
               <a:t>doc\workshop-hanson.pdf</a:t>
             </a:r>
-            <a:endParaRPr lang="nl-NL" sz="2400" dirty="0" smtClean="0">
-              <a:solidFill>
-                <a:schemeClr val="tx2"/>
-              </a:solidFill>
-            </a:endParaRPr>
           </a:p>
           <a:p>
             <a:pPr marL="0" indent="0">
@@ -7373,7 +7780,26 @@
                 <a:latin typeface="Consolas" panose="020B0609020204030204" pitchFamily="49" charset="0"/>
                 <a:cs typeface="Consolas" panose="020B0609020204030204" pitchFamily="49" charset="0"/>
               </a:rPr>
-              <a:t>ServiceNaamGrpc.java </a:t>
+              <a:t>ServiceNaam</a:t>
+            </a:r>
+            <a:r>
+              <a:rPr lang="nl-NL" sz="2200" dirty="0" smtClean="0">
+                <a:solidFill>
+                  <a:schemeClr val="accent1">
+                    <a:lumMod val="50000"/>
+                  </a:schemeClr>
+                </a:solidFill>
+                <a:latin typeface="Consolas" panose="020B0609020204030204" pitchFamily="49" charset="0"/>
+                <a:cs typeface="Consolas" panose="020B0609020204030204" pitchFamily="49" charset="0"/>
+              </a:rPr>
+              <a:t>Grpc</a:t>
+            </a:r>
+            <a:r>
+              <a:rPr lang="nl-NL" sz="2200" dirty="0" smtClean="0">
+                <a:latin typeface="Consolas" panose="020B0609020204030204" pitchFamily="49" charset="0"/>
+                <a:cs typeface="Consolas" panose="020B0609020204030204" pitchFamily="49" charset="0"/>
+              </a:rPr>
+              <a:t>.java </a:t>
             </a:r>
             <a:r>
               <a:rPr lang="nl-NL" sz="2200" dirty="0" smtClean="0">
@@ -7841,20 +8267,16 @@
           <a:lstStyle/>
           <a:p>
             <a:r>
-              <a:rPr lang="nl-NL" sz="2800" dirty="0" err="1" smtClean="0"/>
-              <a:t>Implement</a:t>
-            </a:r>
-            <a:r>
               <a:rPr lang="nl-NL" sz="2800" dirty="0" smtClean="0"/>
-              <a:t> </a:t>
-            </a:r>
-            <a:r>
-              <a:rPr lang="nl-NL" sz="2800" dirty="0" err="1" smtClean="0"/>
-              <a:t>grpc</a:t>
+              <a:t>grpc </a:t>
             </a:r>
             <a:r>
               <a:rPr lang="nl-NL" sz="2800" dirty="0" smtClean="0"/>
-              <a:t> code vervolg .. 2</a:t>
+              <a:t>code </a:t>
+            </a:r>
+            <a:r>
+              <a:rPr lang="nl-NL" sz="2800" dirty="0" smtClean="0"/>
+              <a:t>.. 2, sync request server &amp; client</a:t>
             </a:r>
             <a:endParaRPr lang="nl-NL" sz="2800" dirty="0"/>
           </a:p>
@@ -7990,6 +8412,31 @@
               </a:rPr>
             </a:br>
             <a:endParaRPr lang="nl-NL" sz="2000" dirty="0" smtClean="0">
+              <a:solidFill>
+                <a:schemeClr val="tx2"/>
+              </a:solidFill>
+            </a:endParaRPr>
+          </a:p>
+          <a:p>
+            <a:pPr marL="0" indent="0">
+              <a:buNone/>
+            </a:pPr>
+            <a:r>
+              <a:rPr lang="nl-NL" sz="2000" dirty="0" smtClean="0">
+                <a:solidFill>
+                  <a:schemeClr val="accent1">
+                    <a:lumMod val="50000"/>
+                  </a:schemeClr>
+                </a:solidFill>
+              </a:rPr>
+              <a:t>//server</a:t>
+            </a:r>
+            <a:endParaRPr lang="nl-NL" sz="2000" dirty="0" smtClean="0">
+              <a:solidFill>
+                <a:schemeClr val="accent1">
+                  <a:lumMod val="50000"/>
+                </a:schemeClr>
+              </a:solidFill>
               <a:latin typeface="Consolas" panose="020B0609020204030204" pitchFamily="49" charset="0"/>
               <a:cs typeface="Consolas" panose="020B0609020204030204" pitchFamily="49" charset="0"/>
             </a:endParaRPr>
@@ -8006,11 +8453,11 @@
               <a:t>@</a:t>
             </a:r>
             <a:r>
-              <a:rPr lang="nl-NL" sz="2000" dirty="0" err="1">
-                <a:latin typeface="Consolas" panose="020B0609020204030204" pitchFamily="49" charset="0"/>
-                <a:cs typeface="Consolas" panose="020B0609020204030204" pitchFamily="49" charset="0"/>
-              </a:rPr>
-              <a:t>Override</a:t>
+              <a:rPr lang="nl-NL" sz="2000" dirty="0" smtClean="0">
+                <a:latin typeface="Consolas" panose="020B0609020204030204" pitchFamily="49" charset="0"/>
+                <a:cs typeface="Consolas" panose="020B0609020204030204" pitchFamily="49" charset="0"/>
+              </a:rPr>
+              <a:t>Override  </a:t>
             </a:r>
             <a:endParaRPr lang="nl-NL" sz="2000" dirty="0">
               <a:latin typeface="Consolas" panose="020B0609020204030204" pitchFamily="49" charset="0"/>
@@ -8159,7 +8606,7 @@
                 <a:latin typeface="Consolas" panose="020B0609020204030204" pitchFamily="49" charset="0"/>
                 <a:cs typeface="Consolas" panose="020B0609020204030204" pitchFamily="49" charset="0"/>
               </a:rPr>
-              <a:t>---</a:t>
+              <a:t>--- //client</a:t>
             </a:r>
             <a:endParaRPr lang="nl-NL" sz="2000" dirty="0" smtClean="0">
               <a:latin typeface="Consolas" panose="020B0609020204030204" pitchFamily="49" charset="0"/>
